--- a/Presentation/12.8.15 Presentation (Revised).pptx
+++ b/Presentation/12.8.15 Presentation (Revised).pptx
@@ -5,16 +5,17 @@
     <p:sldMasterId id="2147483648" r:id="rId1"/>
   </p:sldMasterIdLst>
   <p:notesMasterIdLst>
-    <p:notesMasterId r:id="rId9"/>
+    <p:notesMasterId r:id="rId10"/>
   </p:notesMasterIdLst>
   <p:sldIdLst>
     <p:sldId id="256" r:id="rId2"/>
     <p:sldId id="257" r:id="rId3"/>
-    <p:sldId id="261" r:id="rId4"/>
-    <p:sldId id="258" r:id="rId5"/>
-    <p:sldId id="259" r:id="rId6"/>
-    <p:sldId id="260" r:id="rId7"/>
-    <p:sldId id="262" r:id="rId8"/>
+    <p:sldId id="263" r:id="rId4"/>
+    <p:sldId id="261" r:id="rId5"/>
+    <p:sldId id="258" r:id="rId6"/>
+    <p:sldId id="259" r:id="rId7"/>
+    <p:sldId id="260" r:id="rId8"/>
+    <p:sldId id="262" r:id="rId9"/>
   </p:sldIdLst>
   <p:sldSz cx="12192000" cy="6858000"/>
   <p:notesSz cx="6858000" cy="9144000"/>
@@ -203,7 +204,7 @@
           <a:p>
             <a:fld id="{5B6AB509-4183-4579-9787-242A2BB957B8}" type="datetimeFigureOut">
               <a:rPr lang="en-US"/>
-              <a:t>11/30/2015</a:t>
+              <a:t>12/3/2015</a:t>
             </a:fld>
             <a:endParaRPr lang="en-US"/>
           </a:p>
@@ -726,7 +727,7 @@
           <a:p>
             <a:fld id="{7D90AB93-7EBB-40C3-AABE-B1527F40B7D6}" type="slidenum">
               <a:rPr lang="en-US"/>
-              <a:t>3</a:t>
+              <a:t>4</a:t>
             </a:fld>
             <a:endParaRPr lang="en-US"/>
           </a:p>
@@ -815,7 +816,7 @@
           <a:p>
             <a:fld id="{7D90AB93-7EBB-40C3-AABE-B1527F40B7D6}" type="slidenum">
               <a:rPr lang="en-US"/>
-              <a:t>4</a:t>
+              <a:t>5</a:t>
             </a:fld>
             <a:endParaRPr lang="en-US"/>
           </a:p>
@@ -904,7 +905,7 @@
           <a:p>
             <a:fld id="{7D90AB93-7EBB-40C3-AABE-B1527F40B7D6}" type="slidenum">
               <a:rPr lang="en-US"/>
-              <a:t>5</a:t>
+              <a:t>6</a:t>
             </a:fld>
             <a:endParaRPr lang="en-US"/>
           </a:p>
@@ -993,7 +994,7 @@
           <a:p>
             <a:fld id="{7D90AB93-7EBB-40C3-AABE-B1527F40B7D6}" type="slidenum">
               <a:rPr lang="en-US"/>
-              <a:t>6</a:t>
+              <a:t>7</a:t>
             </a:fld>
             <a:endParaRPr lang="en-US"/>
           </a:p>
@@ -1077,7 +1078,7 @@
           <a:p>
             <a:fld id="{7D90AB93-7EBB-40C3-AABE-B1527F40B7D6}" type="slidenum">
               <a:rPr lang="en-US"/>
-              <a:t>7</a:t>
+              <a:t>8</a:t>
             </a:fld>
             <a:endParaRPr lang="en-US"/>
           </a:p>
@@ -1285,7 +1286,7 @@
             <a:fld id="{B61BEF0D-F0BB-DE4B-95CE-6DB70DBA9567}" type="datetimeFigureOut">
               <a:rPr lang="en-US" dirty="0"/>
               <a:pPr/>
-              <a:t>11/30/2015</a:t>
+              <a:t>12/3/2015</a:t>
             </a:fld>
             <a:endParaRPr lang="en-US" dirty="0"/>
           </a:p>
@@ -1620,7 +1621,7 @@
             <a:fld id="{B61BEF0D-F0BB-DE4B-95CE-6DB70DBA9567}" type="datetimeFigureOut">
               <a:rPr lang="en-US" dirty="0"/>
               <a:pPr/>
-              <a:t>11/30/2015</a:t>
+              <a:t>12/3/2015</a:t>
             </a:fld>
             <a:endParaRPr lang="en-US" dirty="0"/>
           </a:p>
@@ -2018,7 +2019,7 @@
             <a:fld id="{B61BEF0D-F0BB-DE4B-95CE-6DB70DBA9567}" type="datetimeFigureOut">
               <a:rPr lang="en-US" dirty="0"/>
               <a:pPr/>
-              <a:t>11/30/2015</a:t>
+              <a:t>12/3/2015</a:t>
             </a:fld>
             <a:endParaRPr lang="en-US" dirty="0"/>
           </a:p>
@@ -2351,7 +2352,7 @@
             <a:fld id="{B61BEF0D-F0BB-DE4B-95CE-6DB70DBA9567}" type="datetimeFigureOut">
               <a:rPr lang="en-US" dirty="0"/>
               <a:pPr/>
-              <a:t>11/30/2015</a:t>
+              <a:t>12/3/2015</a:t>
             </a:fld>
             <a:endParaRPr lang="en-US" dirty="0"/>
           </a:p>
@@ -2668,7 +2669,7 @@
             <a:fld id="{B61BEF0D-F0BB-DE4B-95CE-6DB70DBA9567}" type="datetimeFigureOut">
               <a:rPr lang="en-US" dirty="0"/>
               <a:pPr/>
-              <a:t>11/30/2015</a:t>
+              <a:t>12/3/2015</a:t>
             </a:fld>
             <a:endParaRPr lang="en-US" dirty="0"/>
           </a:p>
@@ -3061,7 +3062,7 @@
             <a:fld id="{B61BEF0D-F0BB-DE4B-95CE-6DB70DBA9567}" type="datetimeFigureOut">
               <a:rPr lang="en-US" dirty="0"/>
               <a:pPr/>
-              <a:t>11/30/2015</a:t>
+              <a:t>12/3/2015</a:t>
             </a:fld>
             <a:endParaRPr lang="en-US" dirty="0"/>
           </a:p>
@@ -3315,7 +3316,7 @@
             <a:fld id="{B61BEF0D-F0BB-DE4B-95CE-6DB70DBA9567}" type="datetimeFigureOut">
               <a:rPr lang="en-US" dirty="0"/>
               <a:pPr/>
-              <a:t>11/30/2015</a:t>
+              <a:t>12/3/2015</a:t>
             </a:fld>
             <a:endParaRPr lang="en-US" dirty="0"/>
           </a:p>
@@ -3574,7 +3575,7 @@
             <a:fld id="{B61BEF0D-F0BB-DE4B-95CE-6DB70DBA9567}" type="datetimeFigureOut">
               <a:rPr lang="en-US" dirty="0"/>
               <a:pPr/>
-              <a:t>11/30/2015</a:t>
+              <a:t>12/3/2015</a:t>
             </a:fld>
             <a:endParaRPr lang="en-US" dirty="0"/>
           </a:p>
@@ -3833,7 +3834,7 @@
             <a:fld id="{B61BEF0D-F0BB-DE4B-95CE-6DB70DBA9567}" type="datetimeFigureOut">
               <a:rPr lang="en-US" dirty="0"/>
               <a:pPr/>
-              <a:t>11/30/2015</a:t>
+              <a:t>12/3/2015</a:t>
             </a:fld>
             <a:endParaRPr lang="en-US" dirty="0"/>
           </a:p>
@@ -4159,7 +4160,7 @@
             <a:fld id="{B61BEF0D-F0BB-DE4B-95CE-6DB70DBA9567}" type="datetimeFigureOut">
               <a:rPr lang="en-US" dirty="0"/>
               <a:pPr/>
-              <a:t>11/30/2015</a:t>
+              <a:t>12/3/2015</a:t>
             </a:fld>
             <a:endParaRPr lang="en-US" dirty="0"/>
           </a:p>
@@ -4479,7 +4480,7 @@
             <a:fld id="{B61BEF0D-F0BB-DE4B-95CE-6DB70DBA9567}" type="datetimeFigureOut">
               <a:rPr lang="en-US" dirty="0"/>
               <a:pPr/>
-              <a:t>11/30/2015</a:t>
+              <a:t>12/3/2015</a:t>
             </a:fld>
             <a:endParaRPr lang="en-US" dirty="0"/>
           </a:p>
@@ -4933,7 +4934,7 @@
             <a:fld id="{B61BEF0D-F0BB-DE4B-95CE-6DB70DBA9567}" type="datetimeFigureOut">
               <a:rPr lang="en-US" dirty="0"/>
               <a:pPr/>
-              <a:t>11/30/2015</a:t>
+              <a:t>12/3/2015</a:t>
             </a:fld>
             <a:endParaRPr lang="en-US" dirty="0"/>
           </a:p>
@@ -5135,7 +5136,7 @@
             <a:fld id="{B61BEF0D-F0BB-DE4B-95CE-6DB70DBA9567}" type="datetimeFigureOut">
               <a:rPr lang="en-US" dirty="0"/>
               <a:pPr/>
-              <a:t>11/30/2015</a:t>
+              <a:t>12/3/2015</a:t>
             </a:fld>
             <a:endParaRPr lang="en-US" dirty="0"/>
           </a:p>
@@ -5309,7 +5310,7 @@
             <a:fld id="{B61BEF0D-F0BB-DE4B-95CE-6DB70DBA9567}" type="datetimeFigureOut">
               <a:rPr lang="en-US" dirty="0"/>
               <a:pPr/>
-              <a:t>11/30/2015</a:t>
+              <a:t>12/3/2015</a:t>
             </a:fld>
             <a:endParaRPr lang="en-US" dirty="0"/>
           </a:p>
@@ -5639,7 +5640,7 @@
             <a:fld id="{B61BEF0D-F0BB-DE4B-95CE-6DB70DBA9567}" type="datetimeFigureOut">
               <a:rPr lang="en-US" dirty="0"/>
               <a:pPr/>
-              <a:t>11/30/2015</a:t>
+              <a:t>12/3/2015</a:t>
             </a:fld>
             <a:endParaRPr lang="en-US" dirty="0"/>
           </a:p>
@@ -5981,7 +5982,7 @@
             <a:fld id="{B61BEF0D-F0BB-DE4B-95CE-6DB70DBA9567}" type="datetimeFigureOut">
               <a:rPr lang="en-US" dirty="0"/>
               <a:pPr/>
-              <a:t>11/30/2015</a:t>
+              <a:t>12/3/2015</a:t>
             </a:fld>
             <a:endParaRPr lang="en-US" dirty="0"/>
           </a:p>
@@ -8095,7 +8096,7 @@
             <a:fld id="{B61BEF0D-F0BB-DE4B-95CE-6DB70DBA9567}" type="datetimeFigureOut">
               <a:rPr lang="en-US" dirty="0"/>
               <a:pPr/>
-              <a:t>11/30/2015</a:t>
+              <a:t>12/3/2015</a:t>
             </a:fld>
             <a:endParaRPr lang="en-US" dirty="0"/>
           </a:p>
@@ -8648,7 +8649,15 @@
           <a:p>
             <a:r>
               <a:rPr lang="en-US" dirty="0"/>
-              <a:t>By: Colin Harrison, Christian Mcmurtrie, Timothy </a:t>
+              <a:t>By: Colin Harrison, Christian </a:t>
+            </a:r>
+            <a:r>
+              <a:rPr lang="en-US" dirty="0" err="1"/>
+              <a:t>Mcmurtrie</a:t>
+            </a:r>
+            <a:r>
+              <a:rPr lang="en-US" dirty="0"/>
+              <a:t>, Timothy </a:t>
             </a:r>
             <a:r>
               <a:rPr lang="en-US" dirty="0" err="1"/>
@@ -8758,49 +8767,31 @@
               <a:rPr lang="en-US" dirty="0"/>
               <a:t>CAKE Group (Computer Applications Knowledge and Experience)</a:t>
             </a:r>
-            <a:endParaRPr lang="en-US" dirty="0"/>
-          </a:p>
-          <a:p>
-            <a:r>
-              <a:rPr lang="en-US" dirty="0"/>
-              <a:t>PIE Project (Personal Interactive Expeditions)</a:t>
-            </a:r>
-          </a:p>
-          <a:p>
-            <a:r>
-              <a:rPr lang="en-US" dirty="0">
-                <a:latin typeface="Century Gothic" charset="0"/>
-              </a:rPr>
-              <a:t>Client: Dr. Yvonne Chueh</a:t>
-            </a:r>
-          </a:p>
-          <a:p>
-            <a:r>
-              <a:rPr lang="en-US" dirty="0">
-                <a:latin typeface="Century Gothic" charset="0"/>
-              </a:rPr>
-              <a:t>Faculty Mentor: Dr.  Ed Lulofs</a:t>
-            </a:r>
-          </a:p>
-          <a:p>
-            <a:r>
-              <a:rPr lang="en-US" dirty="0"/>
-              <a:t>Goal: To develop a website that will aid the elderly community that is facing social isolation.</a:t>
-            </a:r>
-          </a:p>
-          <a:p>
-            <a:pPr lvl="1"/>
-            <a:r>
-              <a:rPr lang="en-US" sz="1800" dirty="0"/>
-              <a:t>This site will promote social activities and outings</a:t>
-            </a:r>
-          </a:p>
-          <a:p>
-            <a:pPr lvl="1"/>
-            <a:r>
-              <a:rPr lang="en-US" sz="1800" dirty="0"/>
-              <a:t>The simple design should aid with navigation, scheduling, and more</a:t>
-            </a:r>
+          </a:p>
+          <a:p>
+            <a:r>
+              <a:rPr lang="en-US" dirty="0" smtClean="0"/>
+              <a:t>Colin Harrison: Scrum Master/QA</a:t>
+            </a:r>
+          </a:p>
+          <a:p>
+            <a:r>
+              <a:rPr lang="en-US" sz="1800" dirty="0" smtClean="0"/>
+              <a:t>Christian McMurtrie: Documentation/Dev</a:t>
+            </a:r>
+          </a:p>
+          <a:p>
+            <a:r>
+              <a:rPr lang="en-US" dirty="0" smtClean="0"/>
+              <a:t>Tim Nakhisa: Dev/Research</a:t>
+            </a:r>
+          </a:p>
+          <a:p>
+            <a:r>
+              <a:rPr lang="en-US" sz="1800" dirty="0" smtClean="0"/>
+              <a:t>Zac Rivera: Version Control Systems Manager/Dev</a:t>
+            </a:r>
+            <a:endParaRPr lang="en-US" sz="1800" dirty="0"/>
           </a:p>
         </p:txBody>
       </p:sp>
@@ -8850,48 +8841,108 @@
           <a:lstStyle/>
           <a:p>
             <a:r>
+              <a:rPr lang="en-US" dirty="0" smtClean="0"/>
+              <a:t>Project</a:t>
+            </a:r>
+            <a:endParaRPr lang="en-US" dirty="0"/>
+          </a:p>
+        </p:txBody>
+      </p:sp>
+      <p:sp>
+        <p:nvSpPr>
+          <p:cNvPr id="3" name="Content Placeholder 2"/>
+          <p:cNvSpPr>
+            <a:spLocks noGrp="1"/>
+          </p:cNvSpPr>
+          <p:nvPr>
+            <p:ph idx="1"/>
+          </p:nvPr>
+        </p:nvSpPr>
+        <p:spPr/>
+        <p:txBody>
+          <a:bodyPr/>
+          <a:lstStyle/>
+          <a:p>
+            <a:r>
               <a:rPr lang="en-US" dirty="0"/>
-              <a:t>Group Website</a:t>
-            </a:r>
-          </a:p>
-        </p:txBody>
-      </p:sp>
-      <p:sp>
-        <p:nvSpPr>
-          <p:cNvPr id="3" name="Content Placeholder 2"/>
-          <p:cNvSpPr>
-            <a:spLocks noGrp="1"/>
-          </p:cNvSpPr>
-          <p:nvPr>
-            <p:ph idx="1"/>
-          </p:nvPr>
-        </p:nvSpPr>
-        <p:spPr/>
-        <p:txBody>
-          <a:bodyPr vert="horz" lIns="91440" tIns="45720" rIns="91440" bIns="45720" rtlCol="0" anchor="t">
-            <a:normAutofit/>
-          </a:bodyPr>
-          <a:lstStyle/>
-          <a:p>
-            <a:pPr marL="0" indent="0">
-              <a:buNone/>
-            </a:pPr>
+              <a:t>PIE Project (Personal Interactive Expeditions)</a:t>
+            </a:r>
+          </a:p>
+          <a:p>
             <a:r>
               <a:rPr lang="en-US" dirty="0">
-                <a:hlinkClick r:id="rId3"/>
+                <a:latin typeface="Century Gothic" charset="0"/>
               </a:rPr>
-              <a:t>http://www.caketeamcwu.wix.com/CAKE</a:t>
+              <a:t>Client: Dr. Yvonne </a:t>
+            </a:r>
+            <a:r>
+              <a:rPr lang="en-US" dirty="0" err="1">
+                <a:latin typeface="Century Gothic" charset="0"/>
+              </a:rPr>
+              <a:t>Chueh</a:t>
             </a:r>
             <a:endParaRPr lang="en-US" dirty="0">
-              <a:hlinkClick r:id="rId3"/>
+              <a:latin typeface="Century Gothic" charset="0"/>
             </a:endParaRPr>
+          </a:p>
+          <a:p>
+            <a:r>
+              <a:rPr lang="en-US" dirty="0">
+                <a:latin typeface="Century Gothic" charset="0"/>
+              </a:rPr>
+              <a:t>Faculty Mentor: Dr.  Ed </a:t>
+            </a:r>
+            <a:r>
+              <a:rPr lang="en-US" dirty="0" err="1">
+                <a:latin typeface="Century Gothic" charset="0"/>
+              </a:rPr>
+              <a:t>Lulofs</a:t>
+            </a:r>
+            <a:endParaRPr lang="en-US" dirty="0">
+              <a:latin typeface="Century Gothic" charset="0"/>
+            </a:endParaRPr>
+          </a:p>
+          <a:p>
+            <a:r>
+              <a:rPr lang="en-US" dirty="0"/>
+              <a:t>Goal: To develop a website that will aid the elderly </a:t>
+            </a:r>
+            <a:r>
+              <a:rPr lang="en-US"/>
+              <a:t>community </a:t>
+            </a:r>
+            <a:r>
+              <a:rPr lang="en-US" smtClean="0"/>
+              <a:t>which </a:t>
+            </a:r>
+            <a:r>
+              <a:rPr lang="en-US" dirty="0"/>
+              <a:t>is facing social isolation.</a:t>
+            </a:r>
+          </a:p>
+          <a:p>
+            <a:pPr lvl="1"/>
+            <a:r>
+              <a:rPr lang="en-US" sz="1800" dirty="0"/>
+              <a:t>This site will promote social activities and outings</a:t>
+            </a:r>
+          </a:p>
+          <a:p>
+            <a:pPr lvl="1"/>
+            <a:r>
+              <a:rPr lang="en-US" sz="1800" dirty="0"/>
+              <a:t>The simple design should aid with navigation, scheduling, and more</a:t>
+            </a:r>
+          </a:p>
+          <a:p>
+            <a:endParaRPr lang="en-US" dirty="0"/>
           </a:p>
         </p:txBody>
       </p:sp>
     </p:spTree>
     <p:extLst>
       <p:ext uri="{BB962C8B-B14F-4D97-AF65-F5344CB8AC3E}">
-        <p14:creationId xmlns:p14="http://schemas.microsoft.com/office/powerpoint/2010/main" val="1211256870"/>
+        <p14:creationId xmlns:p14="http://schemas.microsoft.com/office/powerpoint/2010/main" val="2318258539"/>
       </p:ext>
     </p:extLst>
   </p:cSld>
@@ -8935,7 +8986,7 @@
           <a:p>
             <a:r>
               <a:rPr lang="en-US" dirty="0"/>
-              <a:t>Project Management Plan</a:t>
+              <a:t>Group Website</a:t>
             </a:r>
           </a:p>
         </p:txBody>
@@ -8957,55 +9008,14 @@
           </a:bodyPr>
           <a:lstStyle/>
           <a:p>
-            <a:r>
-              <a:rPr lang="en-US" dirty="0"/>
-              <a:t>Project Organization</a:t>
-            </a:r>
-          </a:p>
-          <a:p>
-            <a:pPr lvl="1"/>
-            <a:r>
-              <a:rPr lang="en-US" sz="1800" dirty="0"/>
-              <a:t>Agile Kanban method</a:t>
-            </a:r>
-          </a:p>
-          <a:p>
-            <a:r>
-              <a:rPr lang="en-US" dirty="0"/>
-              <a:t>Risk Analysis</a:t>
-            </a:r>
-          </a:p>
-          <a:p>
-            <a:pPr lvl="1"/>
-            <a:r>
-              <a:rPr lang="en-US" sz="1800" dirty="0"/>
-              <a:t>Feature Overload</a:t>
-            </a:r>
-          </a:p>
-          <a:p>
-            <a:r>
-              <a:rPr lang="en-US" dirty="0"/>
-              <a:t>Hardware/Software Requirements</a:t>
-            </a:r>
-          </a:p>
-          <a:p>
-            <a:r>
-              <a:rPr lang="en-US" dirty="0"/>
-              <a:t>Project Schedule</a:t>
-            </a:r>
-          </a:p>
-          <a:p>
-            <a:pPr lvl="1"/>
-            <a:r>
-              <a:rPr lang="en-US" sz="1800" dirty="0"/>
-              <a:t>Reach new milestones each 2-week sprint</a:t>
-            </a:r>
-          </a:p>
-          <a:p>
-            <a:pPr lvl="1"/>
-            <a:r>
-              <a:rPr lang="en-US" sz="1800" dirty="0"/>
-              <a:t>SCRUM meetings and Client Meetings</a:t>
+            <a:pPr marL="0" indent="0">
+              <a:buNone/>
+            </a:pPr>
+            <a:r>
+              <a:rPr lang="en-US" dirty="0">
+                <a:hlinkClick r:id="rId3"/>
+              </a:rPr>
+              <a:t>http://www.caketeamcwu.wix.com/CAKE</a:t>
             </a:r>
           </a:p>
         </p:txBody>
@@ -9013,7 +9023,7 @@
     </p:spTree>
     <p:extLst>
       <p:ext uri="{BB962C8B-B14F-4D97-AF65-F5344CB8AC3E}">
-        <p14:creationId xmlns:p14="http://schemas.microsoft.com/office/powerpoint/2010/main" val="1768054810"/>
+        <p14:creationId xmlns:p14="http://schemas.microsoft.com/office/powerpoint/2010/main" val="1211256870"/>
       </p:ext>
     </p:extLst>
   </p:cSld>
@@ -9057,7 +9067,7 @@
           <a:p>
             <a:r>
               <a:rPr lang="en-US" dirty="0"/>
-              <a:t>Project Overview</a:t>
+              <a:t>Project Management Plan</a:t>
             </a:r>
           </a:p>
         </p:txBody>
@@ -9081,53 +9091,61 @@
           <a:p>
             <a:r>
               <a:rPr lang="en-US" dirty="0"/>
-              <a:t>Project Overview</a:t>
+              <a:t>Project Organization</a:t>
             </a:r>
           </a:p>
           <a:p>
             <a:pPr lvl="1"/>
             <a:r>
               <a:rPr lang="en-US" sz="1800" dirty="0"/>
-              <a:t>Problem: Social isolation in the elderly community</a:t>
+              <a:t>Agile Kanban method</a:t>
+            </a:r>
+          </a:p>
+          <a:p>
+            <a:r>
+              <a:rPr lang="en-US" dirty="0"/>
+              <a:t>Risk Analysis</a:t>
             </a:r>
           </a:p>
           <a:p>
             <a:pPr lvl="1"/>
             <a:r>
               <a:rPr lang="en-US" sz="1800" dirty="0"/>
-              <a:t>Solution: A website to promote social activities</a:t>
+              <a:t>Feature Overload</a:t>
             </a:r>
           </a:p>
           <a:p>
             <a:r>
               <a:rPr lang="en-US" dirty="0"/>
-              <a:t>Stakeholders</a:t>
+              <a:t>Hardware/Software Requirements</a:t>
+            </a:r>
+          </a:p>
+          <a:p>
+            <a:r>
+              <a:rPr lang="en-US" dirty="0"/>
+              <a:t>Project Schedule</a:t>
             </a:r>
           </a:p>
           <a:p>
             <a:pPr lvl="1"/>
             <a:r>
               <a:rPr lang="en-US" sz="1800" dirty="0"/>
-              <a:t>Dr. Chueh</a:t>
+              <a:t>Reach new milestones each 2-week sprint</a:t>
             </a:r>
           </a:p>
           <a:p>
             <a:pPr lvl="1"/>
             <a:r>
               <a:rPr lang="en-US" sz="1800" dirty="0"/>
-              <a:t>Elderly communities and their families</a:t>
-            </a:r>
-          </a:p>
-          <a:p>
-            <a:pPr lvl="1"/>
-            <a:endParaRPr lang="en-US" dirty="0"/>
+              <a:t>SCRUM meetings and Client Meetings</a:t>
+            </a:r>
           </a:p>
         </p:txBody>
       </p:sp>
     </p:spTree>
     <p:extLst>
       <p:ext uri="{BB962C8B-B14F-4D97-AF65-F5344CB8AC3E}">
-        <p14:creationId xmlns:p14="http://schemas.microsoft.com/office/powerpoint/2010/main" val="1144741797"/>
+        <p14:creationId xmlns:p14="http://schemas.microsoft.com/office/powerpoint/2010/main" val="1768054810"/>
       </p:ext>
     </p:extLst>
   </p:cSld>
@@ -9171,6 +9189,120 @@
           <a:p>
             <a:r>
               <a:rPr lang="en-US" dirty="0"/>
+              <a:t>Project Overview</a:t>
+            </a:r>
+          </a:p>
+        </p:txBody>
+      </p:sp>
+      <p:sp>
+        <p:nvSpPr>
+          <p:cNvPr id="3" name="Content Placeholder 2"/>
+          <p:cNvSpPr>
+            <a:spLocks noGrp="1"/>
+          </p:cNvSpPr>
+          <p:nvPr>
+            <p:ph idx="1"/>
+          </p:nvPr>
+        </p:nvSpPr>
+        <p:spPr/>
+        <p:txBody>
+          <a:bodyPr vert="horz" lIns="91440" tIns="45720" rIns="91440" bIns="45720" rtlCol="0" anchor="t">
+            <a:normAutofit/>
+          </a:bodyPr>
+          <a:lstStyle/>
+          <a:p>
+            <a:r>
+              <a:rPr lang="en-US" dirty="0"/>
+              <a:t>Project Overview</a:t>
+            </a:r>
+          </a:p>
+          <a:p>
+            <a:pPr lvl="1"/>
+            <a:r>
+              <a:rPr lang="en-US" sz="1800" dirty="0"/>
+              <a:t>Problem: Social isolation in the elderly community</a:t>
+            </a:r>
+          </a:p>
+          <a:p>
+            <a:pPr lvl="1"/>
+            <a:r>
+              <a:rPr lang="en-US" sz="1800" dirty="0"/>
+              <a:t>Solution: A website to promote social activities</a:t>
+            </a:r>
+          </a:p>
+          <a:p>
+            <a:r>
+              <a:rPr lang="en-US" dirty="0"/>
+              <a:t>Stakeholders</a:t>
+            </a:r>
+          </a:p>
+          <a:p>
+            <a:pPr lvl="1"/>
+            <a:r>
+              <a:rPr lang="en-US" sz="1800" dirty="0"/>
+              <a:t>Dr. Chueh</a:t>
+            </a:r>
+          </a:p>
+          <a:p>
+            <a:pPr lvl="1"/>
+            <a:r>
+              <a:rPr lang="en-US" sz="1800" dirty="0"/>
+              <a:t>Elderly communities and their families</a:t>
+            </a:r>
+          </a:p>
+          <a:p>
+            <a:pPr lvl="1"/>
+            <a:endParaRPr lang="en-US" dirty="0"/>
+          </a:p>
+        </p:txBody>
+      </p:sp>
+    </p:spTree>
+    <p:extLst>
+      <p:ext uri="{BB962C8B-B14F-4D97-AF65-F5344CB8AC3E}">
+        <p14:creationId xmlns:p14="http://schemas.microsoft.com/office/powerpoint/2010/main" val="1144741797"/>
+      </p:ext>
+    </p:extLst>
+  </p:cSld>
+  <p:clrMapOvr>
+    <a:masterClrMapping/>
+  </p:clrMapOvr>
+</p:sld>
+</file>
+
+<file path=ppt/slides/slide7.xml><?xml version="1.0" encoding="utf-8"?>
+<p:sld xmlns:a="http://schemas.openxmlformats.org/drawingml/2006/main" xmlns:r="http://schemas.openxmlformats.org/officeDocument/2006/relationships" xmlns:p="http://schemas.openxmlformats.org/presentationml/2006/main">
+  <p:cSld>
+    <p:spTree>
+      <p:nvGrpSpPr>
+        <p:cNvPr id="1" name=""/>
+        <p:cNvGrpSpPr/>
+        <p:nvPr/>
+      </p:nvGrpSpPr>
+      <p:grpSpPr>
+        <a:xfrm>
+          <a:off x="0" y="0"/>
+          <a:ext cx="0" cy="0"/>
+          <a:chOff x="0" y="0"/>
+          <a:chExt cx="0" cy="0"/>
+        </a:xfrm>
+      </p:grpSpPr>
+      <p:sp>
+        <p:nvSpPr>
+          <p:cNvPr id="2" name="Title 1"/>
+          <p:cNvSpPr>
+            <a:spLocks noGrp="1"/>
+          </p:cNvSpPr>
+          <p:nvPr>
+            <p:ph type="title"/>
+          </p:nvPr>
+        </p:nvSpPr>
+        <p:spPr/>
+        <p:txBody>
+          <a:bodyPr/>
+          <a:lstStyle/>
+          <a:p>
+            <a:r>
+              <a:rPr lang="en-US" dirty="0"/>
               <a:t>Requirements</a:t>
             </a:r>
           </a:p>
@@ -9255,7 +9387,7 @@
 </p:sld>
 </file>
 
-<file path=ppt/slides/slide7.xml><?xml version="1.0" encoding="utf-8"?>
+<file path=ppt/slides/slide8.xml><?xml version="1.0" encoding="utf-8"?>
 <p:sld xmlns:a="http://schemas.openxmlformats.org/drawingml/2006/main" xmlns:r="http://schemas.openxmlformats.org/officeDocument/2006/relationships" xmlns:p="http://schemas.openxmlformats.org/presentationml/2006/main">
   <p:cSld>
     <p:spTree>

--- a/Presentation/12.8.15 Presentation (Revised).pptx
+++ b/Presentation/12.8.15 Presentation (Revised).pptx
@@ -5,17 +5,20 @@
     <p:sldMasterId id="2147483648" r:id="rId1"/>
   </p:sldMasterIdLst>
   <p:notesMasterIdLst>
-    <p:notesMasterId r:id="rId10"/>
+    <p:notesMasterId r:id="rId13"/>
   </p:notesMasterIdLst>
   <p:sldIdLst>
     <p:sldId id="256" r:id="rId2"/>
     <p:sldId id="257" r:id="rId3"/>
-    <p:sldId id="263" r:id="rId4"/>
-    <p:sldId id="261" r:id="rId5"/>
-    <p:sldId id="258" r:id="rId6"/>
-    <p:sldId id="259" r:id="rId7"/>
+    <p:sldId id="261" r:id="rId4"/>
+    <p:sldId id="263" r:id="rId5"/>
+    <p:sldId id="264" r:id="rId6"/>
+    <p:sldId id="265" r:id="rId7"/>
     <p:sldId id="260" r:id="rId8"/>
-    <p:sldId id="262" r:id="rId9"/>
+    <p:sldId id="258" r:id="rId9"/>
+    <p:sldId id="266" r:id="rId10"/>
+    <p:sldId id="262" r:id="rId11"/>
+    <p:sldId id="267" r:id="rId12"/>
   </p:sldIdLst>
   <p:sldSz cx="12192000" cy="6858000"/>
   <p:notesSz cx="6858000" cy="9144000"/>
@@ -727,7 +730,7 @@
           <a:p>
             <a:fld id="{7D90AB93-7EBB-40C3-AABE-B1527F40B7D6}" type="slidenum">
               <a:rPr lang="en-US"/>
-              <a:t>4</a:t>
+              <a:t>3</a:t>
             </a:fld>
             <a:endParaRPr lang="en-US"/>
           </a:p>
@@ -794,7 +797,7 @@
               <a:rPr lang="en-US">
                 <a:latin typeface="Calibri"/>
               </a:rPr>
-              <a:t>Zach: We have been using an agile Kanban method for the project organization. Kanban is a method where group members can post tasks, or small portions of the project. Those tasks are then taken through a cycle of development and quality assurance until they are accepted. (Maybe show trello). Our team roles consist of 3 developers and one quality assurance supervisor. Each member also has a secondary role such as SCRUM Master, Documentation Manager, or Version Control Manager. Each member will cycle through each role in order to get the most experience out of this project. Our main concern in this project is feature overload. Our client wants a site similar to Meal Train with donations, a paid version, translations for international users, and more. While we will focus on the necessary functionalities first, we have to make sure we aren't bogged down with unnecessary tasks. The hardware and software we will be using is mainly computers with widely-used browsers, such as Firefox, Chrome, and Safari. We will also be using web editing software to create the site and SQL to manage any databases. We plan to reach new milestones during each 2-week sprint. We will also be having weekly group meetings, weekly meetings with our faculty mentor (Professor Lulofs), and client meetings every other week.</a:t>
+              <a:t>Timo: As stated in the project management plan, we will need computers with multiple browsers and editors for web development languages and SQL. The user will interact with the site by being able to see other people in the area that want to host or plan a meal event. They will be able to request or accept invitations to these events. This information will be located on the user's homepage for easy accessibility. The user will also be able to upload photos or videos that they want to store or share. The functional requirements include two main sections: primary (or necessary) functions, and secondary (or nonessential) functions. The main functional requirements that we will be working on are: hosting the website on a server, creating a database to store user information, adding a calendar to organize user activities, implementing a background check or other security measures, and creating and designing the website. When the primary requirements are completed, we will work on a paid version, adding donations, and more. The nonfunctional requirements include efficiency, reliability, and ease of use. We believe that we will have a working product by the end of winter quarter. However, there are a lot of secondary functions that Dr. Chueh has mentioned that we may or may not be able to complete. (If you want, you can add the use case diagrams or something and just walk through those for user interaction .)</a:t>
             </a:r>
           </a:p>
         </p:txBody>
@@ -816,7 +819,7 @@
           <a:p>
             <a:fld id="{7D90AB93-7EBB-40C3-AABE-B1527F40B7D6}" type="slidenum">
               <a:rPr lang="en-US"/>
-              <a:t>5</a:t>
+              <a:t>7</a:t>
             </a:fld>
             <a:endParaRPr lang="en-US"/>
           </a:p>
@@ -825,7 +828,7 @@
     </p:spTree>
     <p:extLst>
       <p:ext uri="{BB962C8B-B14F-4D97-AF65-F5344CB8AC3E}">
-        <p14:creationId xmlns:p14="http://schemas.microsoft.com/office/powerpoint/2010/main" val="1089983151"/>
+        <p14:creationId xmlns:p14="http://schemas.microsoft.com/office/powerpoint/2010/main" val="3316204642"/>
       </p:ext>
     </p:extLst>
   </p:cSld>
@@ -883,7 +886,7 @@
               <a:rPr lang="en-US">
                 <a:latin typeface="Calibri"/>
               </a:rPr>
-              <a:t>Christian: As stated earlier, our project aims to help the elderly community that is facing social isolation. Dr. Chueh has described that there is a large need for safe social networks for this community. She believes that a website that is able to promote social activities and personal outings will allow for distant family members and local community members to stay connected more easily. While this software is not unique, most social networks are designed for a younger population. Our website will focus on people who may not be familiar with computers or the internet. To help this community, we will have to focus on creating an easy-to-use interface and simple scheduling tools. Furthermore, we need to design the site in such a way that it will be easy on the eyes and have simple navigation. One of the stakeholders in this project is Dr. Chueh, a mathematics professor at CWU. When she attended a funeral on the east coast, the family of the departed was receiving food and condolences from members of a website called "Meal Train". She recognized the good that can come from communities banding together during times of need, but also noticed some of Meal Train's limitations and wanted to create a more proactive version. The other stakeholders include the elderly community and their families. Our site will aim to create more social events for the elderly and allow for their friends and families to donate, message, or otherwise help them in maintaining a healthy social life.</a:t>
+              <a:t>Zach: We have been using an agile Kanban method for the project organization. Kanban is a method where group members can post tasks, or small portions of the project. Those tasks are then taken through a cycle of development and quality assurance until they are accepted. (Maybe show trello). Our team roles consist of 3 developers and one quality assurance supervisor. Each member also has a secondary role such as SCRUM Master, Documentation Manager, or Version Control Manager. Each member will cycle through each role in order to get the most experience out of this project. Our main concern in this project is feature overload. Our client wants a site similar to Meal Train with donations, a paid version, translations for international users, and more. While we will focus on the necessary functionalities first, we have to make sure we aren't bogged down with unnecessary tasks. The hardware and software we will be using is mainly computers with widely-used browsers, such as Firefox, Chrome, and Safari. We will also be using web editing software to create the site and SQL to manage any databases. We plan to reach new milestones during each 2-week sprint. We will also be having weekly group meetings, weekly meetings with our faculty mentor (Professor Lulofs), and client meetings every other week.</a:t>
             </a:r>
           </a:p>
         </p:txBody>
@@ -905,7 +908,7 @@
           <a:p>
             <a:fld id="{7D90AB93-7EBB-40C3-AABE-B1527F40B7D6}" type="slidenum">
               <a:rPr lang="en-US"/>
-              <a:t>6</a:t>
+              <a:t>8</a:t>
             </a:fld>
             <a:endParaRPr lang="en-US"/>
           </a:p>
@@ -914,7 +917,7 @@
     </p:spTree>
     <p:extLst>
       <p:ext uri="{BB962C8B-B14F-4D97-AF65-F5344CB8AC3E}">
-        <p14:creationId xmlns:p14="http://schemas.microsoft.com/office/powerpoint/2010/main" val="1874311102"/>
+        <p14:creationId xmlns:p14="http://schemas.microsoft.com/office/powerpoint/2010/main" val="1089983151"/>
       </p:ext>
     </p:extLst>
   </p:cSld>
@@ -968,12 +971,7 @@
           <a:bodyPr/>
           <a:lstStyle/>
           <a:p>
-            <a:r>
-              <a:rPr lang="en-US">
-                <a:latin typeface="Calibri"/>
-              </a:rPr>
-              <a:t>Timo: As stated in the project management plan, we will need computers with multiple browsers and editors for web development languages and SQL. The user will interact with the site by being able to see other people in the area that want to host or plan a meal event. They will be able to request or accept invitations to these events. This information will be located on the user's homepage for easy accessibility. The user will also be able to upload photos or videos that they want to store or share. The functional requirements include two main sections: primary (or necessary) functions, and secondary (or nonessential) functions. The main functional requirements that we will be working on are: hosting the website on a server, creating a database to store user information, adding a calendar to organize user activities, implementing a background check or other security measures, and creating and designing the website. When the primary requirements are completed, we will work on a paid version, adding donations, and more. The nonfunctional requirements include efficiency, reliability, and ease of use. We believe that we will have a working product by the end of winter quarter. However, there are a lot of secondary functions that Dr. Chueh has mentioned that we may or may not be able to complete. (If you want, you can add the use case diagrams or something and just walk through those for user interaction .)</a:t>
-            </a:r>
+            <a:endParaRPr lang="en-US"/>
           </a:p>
         </p:txBody>
       </p:sp>
@@ -994,91 +992,7 @@
           <a:p>
             <a:fld id="{7D90AB93-7EBB-40C3-AABE-B1527F40B7D6}" type="slidenum">
               <a:rPr lang="en-US"/>
-              <a:t>7</a:t>
-            </a:fld>
-            <a:endParaRPr lang="en-US"/>
-          </a:p>
-        </p:txBody>
-      </p:sp>
-    </p:spTree>
-    <p:extLst>
-      <p:ext uri="{BB962C8B-B14F-4D97-AF65-F5344CB8AC3E}">
-        <p14:creationId xmlns:p14="http://schemas.microsoft.com/office/powerpoint/2010/main" val="3316204642"/>
-      </p:ext>
-    </p:extLst>
-  </p:cSld>
-  <p:clrMapOvr>
-    <a:masterClrMapping/>
-  </p:clrMapOvr>
-</p:notes>
-</file>
-
-<file path=ppt/notesSlides/notesSlide7.xml><?xml version="1.0" encoding="utf-8"?>
-<p:notes xmlns:a="http://schemas.openxmlformats.org/drawingml/2006/main" xmlns:r="http://schemas.openxmlformats.org/officeDocument/2006/relationships" xmlns:p="http://schemas.openxmlformats.org/presentationml/2006/main">
-  <p:cSld>
-    <p:spTree>
-      <p:nvGrpSpPr>
-        <p:cNvPr id="1" name=""/>
-        <p:cNvGrpSpPr/>
-        <p:nvPr/>
-      </p:nvGrpSpPr>
-      <p:grpSpPr>
-        <a:xfrm>
-          <a:off x="0" y="0"/>
-          <a:ext cx="0" cy="0"/>
-          <a:chOff x="0" y="0"/>
-          <a:chExt cx="0" cy="0"/>
-        </a:xfrm>
-      </p:grpSpPr>
-      <p:sp>
-        <p:nvSpPr>
-          <p:cNvPr id="2" name="Slide Image Placeholder 1"/>
-          <p:cNvSpPr>
-            <a:spLocks noGrp="1" noRot="1" noChangeAspect="1"/>
-          </p:cNvSpPr>
-          <p:nvPr>
-            <p:ph type="sldImg"/>
-          </p:nvPr>
-        </p:nvSpPr>
-        <p:spPr/>
-      </p:sp>
-      <p:sp>
-        <p:nvSpPr>
-          <p:cNvPr id="3" name="Notes Placeholder 2"/>
-          <p:cNvSpPr>
-            <a:spLocks noGrp="1"/>
-          </p:cNvSpPr>
-          <p:nvPr>
-            <p:ph type="body" idx="1"/>
-          </p:nvPr>
-        </p:nvSpPr>
-        <p:spPr/>
-        <p:txBody>
-          <a:bodyPr/>
-          <a:lstStyle/>
-          <a:p>
-            <a:endParaRPr lang="en-US"/>
-          </a:p>
-        </p:txBody>
-      </p:sp>
-      <p:sp>
-        <p:nvSpPr>
-          <p:cNvPr id="4" name="Slide Number Placeholder 3"/>
-          <p:cNvSpPr>
-            <a:spLocks noGrp="1"/>
-          </p:cNvSpPr>
-          <p:nvPr>
-            <p:ph type="sldNum" sz="quarter" idx="10"/>
-          </p:nvPr>
-        </p:nvSpPr>
-        <p:spPr/>
-        <p:txBody>
-          <a:bodyPr/>
-          <a:lstStyle/>
-          <a:p>
-            <a:fld id="{7D90AB93-7EBB-40C3-AABE-B1527F40B7D6}" type="slidenum">
-              <a:rPr lang="en-US"/>
-              <a:t>8</a:t>
+              <a:t>10</a:t>
             </a:fld>
             <a:endParaRPr lang="en-US"/>
           </a:p>
@@ -8707,6 +8621,149 @@
 </p:sld>
 </file>
 
+<file path=ppt/slides/slide10.xml><?xml version="1.0" encoding="utf-8"?>
+<p:sld xmlns:a="http://schemas.openxmlformats.org/drawingml/2006/main" xmlns:r="http://schemas.openxmlformats.org/officeDocument/2006/relationships" xmlns:p="http://schemas.openxmlformats.org/presentationml/2006/main">
+  <p:cSld>
+    <p:spTree>
+      <p:nvGrpSpPr>
+        <p:cNvPr id="1" name=""/>
+        <p:cNvGrpSpPr/>
+        <p:nvPr/>
+      </p:nvGrpSpPr>
+      <p:grpSpPr>
+        <a:xfrm>
+          <a:off x="0" y="0"/>
+          <a:ext cx="0" cy="0"/>
+          <a:chOff x="0" y="0"/>
+          <a:chExt cx="0" cy="0"/>
+        </a:xfrm>
+      </p:grpSpPr>
+      <p:sp>
+        <p:nvSpPr>
+          <p:cNvPr id="2" name="Title 1"/>
+          <p:cNvSpPr>
+            <a:spLocks noGrp="1"/>
+          </p:cNvSpPr>
+          <p:nvPr>
+            <p:ph type="title"/>
+          </p:nvPr>
+        </p:nvSpPr>
+        <p:spPr/>
+        <p:txBody>
+          <a:bodyPr/>
+          <a:lstStyle/>
+          <a:p>
+            <a:r>
+              <a:rPr lang="en-US" dirty="0"/>
+              <a:t>Prototype</a:t>
+            </a:r>
+          </a:p>
+        </p:txBody>
+      </p:sp>
+      <p:sp>
+        <p:nvSpPr>
+          <p:cNvPr id="3" name="Content Placeholder 2"/>
+          <p:cNvSpPr>
+            <a:spLocks noGrp="1"/>
+          </p:cNvSpPr>
+          <p:nvPr>
+            <p:ph idx="1"/>
+          </p:nvPr>
+        </p:nvSpPr>
+        <p:spPr/>
+        <p:txBody>
+          <a:bodyPr/>
+          <a:lstStyle/>
+          <a:p>
+            <a:endParaRPr lang="en-US"/>
+          </a:p>
+        </p:txBody>
+      </p:sp>
+    </p:spTree>
+    <p:extLst>
+      <p:ext uri="{BB962C8B-B14F-4D97-AF65-F5344CB8AC3E}">
+        <p14:creationId xmlns:p14="http://schemas.microsoft.com/office/powerpoint/2010/main" val="2018556856"/>
+      </p:ext>
+    </p:extLst>
+  </p:cSld>
+  <p:clrMapOvr>
+    <a:masterClrMapping/>
+  </p:clrMapOvr>
+</p:sld>
+</file>
+
+<file path=ppt/slides/slide11.xml><?xml version="1.0" encoding="utf-8"?>
+<p:sld xmlns:a="http://schemas.openxmlformats.org/drawingml/2006/main" xmlns:r="http://schemas.openxmlformats.org/officeDocument/2006/relationships" xmlns:p="http://schemas.openxmlformats.org/presentationml/2006/main">
+  <p:cSld>
+    <p:spTree>
+      <p:nvGrpSpPr>
+        <p:cNvPr id="1" name=""/>
+        <p:cNvGrpSpPr/>
+        <p:nvPr/>
+      </p:nvGrpSpPr>
+      <p:grpSpPr>
+        <a:xfrm>
+          <a:off x="0" y="0"/>
+          <a:ext cx="0" cy="0"/>
+          <a:chOff x="0" y="0"/>
+          <a:chExt cx="0" cy="0"/>
+        </a:xfrm>
+      </p:grpSpPr>
+      <p:sp>
+        <p:nvSpPr>
+          <p:cNvPr id="2" name="Title 1"/>
+          <p:cNvSpPr>
+            <a:spLocks noGrp="1"/>
+          </p:cNvSpPr>
+          <p:nvPr>
+            <p:ph type="title"/>
+          </p:nvPr>
+        </p:nvSpPr>
+        <p:spPr/>
+        <p:txBody>
+          <a:bodyPr/>
+          <a:lstStyle/>
+          <a:p>
+            <a:r>
+              <a:rPr lang="en-US" dirty="0" smtClean="0"/>
+              <a:t>Conclusion</a:t>
+            </a:r>
+            <a:endParaRPr lang="en-US" dirty="0"/>
+          </a:p>
+        </p:txBody>
+      </p:sp>
+      <p:sp>
+        <p:nvSpPr>
+          <p:cNvPr id="3" name="Content Placeholder 2"/>
+          <p:cNvSpPr>
+            <a:spLocks noGrp="1"/>
+          </p:cNvSpPr>
+          <p:nvPr>
+            <p:ph idx="1"/>
+          </p:nvPr>
+        </p:nvSpPr>
+        <p:spPr/>
+        <p:txBody>
+          <a:bodyPr/>
+          <a:lstStyle/>
+          <a:p>
+            <a:endParaRPr lang="en-US"/>
+          </a:p>
+        </p:txBody>
+      </p:sp>
+    </p:spTree>
+    <p:extLst>
+      <p:ext uri="{BB962C8B-B14F-4D97-AF65-F5344CB8AC3E}">
+        <p14:creationId xmlns:p14="http://schemas.microsoft.com/office/powerpoint/2010/main" val="4157375115"/>
+      </p:ext>
+    </p:extLst>
+  </p:cSld>
+  <p:clrMapOvr>
+    <a:masterClrMapping/>
+  </p:clrMapOvr>
+</p:sld>
+</file>
+
 <file path=ppt/slides/slide2.xml><?xml version="1.0" encoding="utf-8"?>
 <p:sld xmlns:a="http://schemas.openxmlformats.org/drawingml/2006/main" xmlns:r="http://schemas.openxmlformats.org/officeDocument/2006/relationships" xmlns:p="http://schemas.openxmlformats.org/presentationml/2006/main">
   <p:cSld>
@@ -8841,10 +8898,9 @@
           <a:lstStyle/>
           <a:p>
             <a:r>
-              <a:rPr lang="en-US" dirty="0" smtClean="0"/>
-              <a:t>Project</a:t>
-            </a:r>
-            <a:endParaRPr lang="en-US" dirty="0"/>
+              <a:rPr lang="en-US" dirty="0"/>
+              <a:t>Group Website</a:t>
+            </a:r>
           </a:p>
         </p:txBody>
       </p:sp>
@@ -8860,89 +8916,137 @@
         </p:nvSpPr>
         <p:spPr/>
         <p:txBody>
-          <a:bodyPr/>
-          <a:lstStyle/>
-          <a:p>
-            <a:r>
-              <a:rPr lang="en-US" dirty="0"/>
-              <a:t>PIE Project (Personal Interactive Expeditions)</a:t>
-            </a:r>
-          </a:p>
-          <a:p>
+          <a:bodyPr vert="horz" lIns="91440" tIns="45720" rIns="91440" bIns="45720" rtlCol="0" anchor="t">
+            <a:normAutofit lnSpcReduction="10000"/>
+          </a:bodyPr>
+          <a:lstStyle/>
+          <a:p>
+            <a:pPr marL="0" indent="0" algn="ctr">
+              <a:buNone/>
+            </a:pPr>
+            <a:endParaRPr lang="en-US" dirty="0" smtClean="0">
+              <a:hlinkClick r:id="rId3"/>
+            </a:endParaRPr>
+          </a:p>
+          <a:p>
+            <a:pPr marL="0" indent="0" algn="ctr">
+              <a:buNone/>
+            </a:pPr>
+            <a:endParaRPr lang="en-US" dirty="0">
+              <a:hlinkClick r:id="rId3"/>
+            </a:endParaRPr>
+          </a:p>
+          <a:p>
+            <a:pPr marL="0" indent="0" algn="ctr">
+              <a:buNone/>
+            </a:pPr>
+            <a:endParaRPr lang="en-US" dirty="0" smtClean="0">
+              <a:hlinkClick r:id="rId3"/>
+            </a:endParaRPr>
+          </a:p>
+          <a:p>
+            <a:pPr marL="0" indent="0" algn="ctr">
+              <a:buNone/>
+            </a:pPr>
+            <a:endParaRPr lang="en-US" dirty="0">
+              <a:hlinkClick r:id="rId3"/>
+            </a:endParaRPr>
+          </a:p>
+          <a:p>
+            <a:pPr marL="0" indent="0" algn="ctr">
+              <a:buNone/>
+            </a:pPr>
+            <a:endParaRPr lang="en-US" dirty="0" smtClean="0">
+              <a:hlinkClick r:id="rId3"/>
+            </a:endParaRPr>
+          </a:p>
+          <a:p>
+            <a:pPr marL="0" indent="0" algn="ctr">
+              <a:buNone/>
+            </a:pPr>
+            <a:endParaRPr lang="en-US" dirty="0">
+              <a:hlinkClick r:id="rId3"/>
+            </a:endParaRPr>
+          </a:p>
+          <a:p>
+            <a:pPr marL="0" indent="0" algn="ctr">
+              <a:buNone/>
+            </a:pPr>
+            <a:endParaRPr lang="en-US" dirty="0" smtClean="0">
+              <a:hlinkClick r:id="rId3"/>
+            </a:endParaRPr>
+          </a:p>
+          <a:p>
+            <a:pPr marL="0" indent="0" algn="ctr">
+              <a:buNone/>
+            </a:pPr>
+            <a:endParaRPr lang="en-US" dirty="0">
+              <a:hlinkClick r:id="rId3"/>
+            </a:endParaRPr>
+          </a:p>
+          <a:p>
+            <a:pPr marL="0" indent="0" algn="ctr">
+              <a:buNone/>
+            </a:pPr>
+            <a:endParaRPr lang="en-US" dirty="0" smtClean="0">
+              <a:hlinkClick r:id="rId3"/>
+            </a:endParaRPr>
+          </a:p>
+          <a:p>
+            <a:pPr marL="0" indent="0" algn="ctr">
+              <a:buNone/>
+            </a:pPr>
+            <a:r>
+              <a:rPr lang="en-US" dirty="0" smtClean="0">
+                <a:hlinkClick r:id="rId3"/>
+              </a:rPr>
+              <a:t>http</a:t>
+            </a:r>
             <a:r>
               <a:rPr lang="en-US" dirty="0">
-                <a:latin typeface="Century Gothic" charset="0"/>
+                <a:hlinkClick r:id="rId3"/>
               </a:rPr>
-              <a:t>Client: Dr. Yvonne </a:t>
-            </a:r>
-            <a:r>
-              <a:rPr lang="en-US" dirty="0" err="1">
-                <a:latin typeface="Century Gothic" charset="0"/>
-              </a:rPr>
-              <a:t>Chueh</a:t>
-            </a:r>
-            <a:endParaRPr lang="en-US" dirty="0">
-              <a:latin typeface="Century Gothic" charset="0"/>
+              <a:t>://www.caketeamcwu.wix.com/CAKE</a:t>
+            </a:r>
+          </a:p>
+          <a:p>
+            <a:pPr marL="0" indent="0" algn="ctr">
+              <a:buNone/>
+            </a:pPr>
+            <a:endParaRPr lang="en-US" dirty="0" smtClean="0">
+              <a:hlinkClick r:id="rId3"/>
             </a:endParaRPr>
           </a:p>
-          <a:p>
-            <a:r>
-              <a:rPr lang="en-US" dirty="0">
-                <a:latin typeface="Century Gothic" charset="0"/>
-              </a:rPr>
-              <a:t>Faculty Mentor: Dr.  Ed </a:t>
-            </a:r>
-            <a:r>
-              <a:rPr lang="en-US" dirty="0" err="1">
-                <a:latin typeface="Century Gothic" charset="0"/>
-              </a:rPr>
-              <a:t>Lulofs</a:t>
-            </a:r>
-            <a:endParaRPr lang="en-US" dirty="0">
-              <a:latin typeface="Century Gothic" charset="0"/>
-            </a:endParaRPr>
-          </a:p>
-          <a:p>
-            <a:r>
-              <a:rPr lang="en-US" dirty="0"/>
-              <a:t>Goal: To develop a website that will aid the elderly </a:t>
-            </a:r>
-            <a:r>
-              <a:rPr lang="en-US"/>
-              <a:t>community </a:t>
-            </a:r>
-            <a:r>
-              <a:rPr lang="en-US" smtClean="0"/>
-              <a:t>which </a:t>
-            </a:r>
-            <a:r>
-              <a:rPr lang="en-US" dirty="0"/>
-              <a:t>is facing social isolation.</a:t>
-            </a:r>
-          </a:p>
-          <a:p>
-            <a:pPr lvl="1"/>
-            <a:r>
-              <a:rPr lang="en-US" sz="1800" dirty="0"/>
-              <a:t>This site will promote social activities and outings</a:t>
-            </a:r>
-          </a:p>
-          <a:p>
-            <a:pPr lvl="1"/>
-            <a:r>
-              <a:rPr lang="en-US" sz="1800" dirty="0"/>
-              <a:t>The simple design should aid with navigation, scheduling, and more</a:t>
-            </a:r>
-          </a:p>
-          <a:p>
-            <a:endParaRPr lang="en-US" dirty="0"/>
-          </a:p>
-        </p:txBody>
-      </p:sp>
+        </p:txBody>
+      </p:sp>
+      <p:pic>
+        <p:nvPicPr>
+          <p:cNvPr id="4" name="Picture 3"/>
+          <p:cNvPicPr>
+            <a:picLocks noChangeAspect="1"/>
+          </p:cNvPicPr>
+          <p:nvPr/>
+        </p:nvPicPr>
+        <p:blipFill>
+          <a:blip r:embed="rId4"/>
+          <a:stretch>
+            <a:fillRect/>
+          </a:stretch>
+        </p:blipFill>
+        <p:spPr>
+          <a:xfrm>
+            <a:off x="2589212" y="1388535"/>
+            <a:ext cx="8403694" cy="4033308"/>
+          </a:xfrm>
+          <a:prstGeom prst="rect">
+            <a:avLst/>
+          </a:prstGeom>
+        </p:spPr>
+      </p:pic>
     </p:spTree>
     <p:extLst>
       <p:ext uri="{BB962C8B-B14F-4D97-AF65-F5344CB8AC3E}">
-        <p14:creationId xmlns:p14="http://schemas.microsoft.com/office/powerpoint/2010/main" val="2318258539"/>
+        <p14:creationId xmlns:p14="http://schemas.microsoft.com/office/powerpoint/2010/main" val="1211256870"/>
       </p:ext>
     </p:extLst>
   </p:cSld>
@@ -8985,45 +9089,108 @@
           <a:lstStyle/>
           <a:p>
             <a:r>
+              <a:rPr lang="en-US" dirty="0" smtClean="0"/>
+              <a:t>Project</a:t>
+            </a:r>
+            <a:endParaRPr lang="en-US" dirty="0"/>
+          </a:p>
+        </p:txBody>
+      </p:sp>
+      <p:sp>
+        <p:nvSpPr>
+          <p:cNvPr id="3" name="Content Placeholder 2"/>
+          <p:cNvSpPr>
+            <a:spLocks noGrp="1"/>
+          </p:cNvSpPr>
+          <p:nvPr>
+            <p:ph idx="1"/>
+          </p:nvPr>
+        </p:nvSpPr>
+        <p:spPr/>
+        <p:txBody>
+          <a:bodyPr/>
+          <a:lstStyle/>
+          <a:p>
+            <a:r>
               <a:rPr lang="en-US" dirty="0"/>
-              <a:t>Group Website</a:t>
-            </a:r>
-          </a:p>
-        </p:txBody>
-      </p:sp>
-      <p:sp>
-        <p:nvSpPr>
-          <p:cNvPr id="3" name="Content Placeholder 2"/>
-          <p:cNvSpPr>
-            <a:spLocks noGrp="1"/>
-          </p:cNvSpPr>
-          <p:nvPr>
-            <p:ph idx="1"/>
-          </p:nvPr>
-        </p:nvSpPr>
-        <p:spPr/>
-        <p:txBody>
-          <a:bodyPr vert="horz" lIns="91440" tIns="45720" rIns="91440" bIns="45720" rtlCol="0" anchor="t">
-            <a:normAutofit/>
-          </a:bodyPr>
-          <a:lstStyle/>
-          <a:p>
-            <a:pPr marL="0" indent="0">
-              <a:buNone/>
-            </a:pPr>
+              <a:t>PIE Project (Personal Interactive Expeditions)</a:t>
+            </a:r>
+          </a:p>
+          <a:p>
             <a:r>
               <a:rPr lang="en-US" dirty="0">
-                <a:hlinkClick r:id="rId3"/>
+                <a:latin typeface="Century Gothic" charset="0"/>
               </a:rPr>
-              <a:t>http://www.caketeamcwu.wix.com/CAKE</a:t>
-            </a:r>
+              <a:t>Client: Dr. Yvonne </a:t>
+            </a:r>
+            <a:r>
+              <a:rPr lang="en-US" dirty="0" err="1">
+                <a:latin typeface="Century Gothic" charset="0"/>
+              </a:rPr>
+              <a:t>Chueh</a:t>
+            </a:r>
+            <a:endParaRPr lang="en-US" dirty="0">
+              <a:latin typeface="Century Gothic" charset="0"/>
+            </a:endParaRPr>
+          </a:p>
+          <a:p>
+            <a:r>
+              <a:rPr lang="en-US" dirty="0">
+                <a:latin typeface="Century Gothic" charset="0"/>
+              </a:rPr>
+              <a:t>Faculty Mentor: Dr.  Ed </a:t>
+            </a:r>
+            <a:r>
+              <a:rPr lang="en-US" dirty="0" err="1">
+                <a:latin typeface="Century Gothic" charset="0"/>
+              </a:rPr>
+              <a:t>Lulofs</a:t>
+            </a:r>
+            <a:endParaRPr lang="en-US" dirty="0">
+              <a:latin typeface="Century Gothic" charset="0"/>
+            </a:endParaRPr>
+          </a:p>
+          <a:p>
+            <a:r>
+              <a:rPr lang="en-US" dirty="0"/>
+              <a:t>Goal: To develop a website that will aid the elderly </a:t>
+            </a:r>
+            <a:r>
+              <a:rPr lang="en-US"/>
+              <a:t>community </a:t>
+            </a:r>
+            <a:r>
+              <a:rPr lang="en-US" smtClean="0"/>
+              <a:t>which </a:t>
+            </a:r>
+            <a:r>
+              <a:rPr lang="en-US" dirty="0"/>
+              <a:t>is facing social isolation.</a:t>
+            </a:r>
+          </a:p>
+          <a:p>
+            <a:pPr lvl="1"/>
+            <a:r>
+              <a:rPr lang="en-US" sz="1800" dirty="0"/>
+              <a:t>This site will promote social activities and outings</a:t>
+            </a:r>
+          </a:p>
+          <a:p>
+            <a:pPr lvl="1"/>
+            <a:r>
+              <a:rPr lang="en-US" sz="1800" dirty="0"/>
+              <a:t>The simple design should aid with navigation, scheduling, and more</a:t>
+            </a:r>
+          </a:p>
+          <a:p>
+            <a:endParaRPr lang="en-US" dirty="0"/>
           </a:p>
         </p:txBody>
       </p:sp>
     </p:spTree>
     <p:extLst>
       <p:ext uri="{BB962C8B-B14F-4D97-AF65-F5344CB8AC3E}">
-        <p14:creationId xmlns:p14="http://schemas.microsoft.com/office/powerpoint/2010/main" val="1211256870"/>
+        <p14:creationId xmlns:p14="http://schemas.microsoft.com/office/powerpoint/2010/main" val="2318258539"/>
       </p:ext>
     </p:extLst>
   </p:cSld>
@@ -9066,9 +9233,10 @@
           <a:lstStyle/>
           <a:p>
             <a:r>
-              <a:rPr lang="en-US" dirty="0"/>
-              <a:t>Project Management Plan</a:t>
-            </a:r>
+              <a:rPr lang="en-US" dirty="0" smtClean="0"/>
+              <a:t>Challenge</a:t>
+            </a:r>
+            <a:endParaRPr lang="en-US" dirty="0"/>
           </a:p>
         </p:txBody>
       </p:sp>
@@ -9084,68 +9252,45 @@
         </p:nvSpPr>
         <p:spPr/>
         <p:txBody>
-          <a:bodyPr vert="horz" lIns="91440" tIns="45720" rIns="91440" bIns="45720" rtlCol="0" anchor="t">
-            <a:normAutofit/>
-          </a:bodyPr>
-          <a:lstStyle/>
-          <a:p>
-            <a:r>
-              <a:rPr lang="en-US" dirty="0"/>
-              <a:t>Project Organization</a:t>
-            </a:r>
-          </a:p>
-          <a:p>
-            <a:pPr lvl="1"/>
-            <a:r>
-              <a:rPr lang="en-US" sz="1800" dirty="0"/>
-              <a:t>Agile Kanban method</a:t>
-            </a:r>
-          </a:p>
-          <a:p>
-            <a:r>
-              <a:rPr lang="en-US" dirty="0"/>
-              <a:t>Risk Analysis</a:t>
-            </a:r>
-          </a:p>
-          <a:p>
-            <a:pPr lvl="1"/>
-            <a:r>
-              <a:rPr lang="en-US" sz="1800" dirty="0"/>
-              <a:t>Feature Overload</a:t>
-            </a:r>
-          </a:p>
-          <a:p>
-            <a:r>
-              <a:rPr lang="en-US" dirty="0"/>
-              <a:t>Hardware/Software Requirements</a:t>
-            </a:r>
-          </a:p>
-          <a:p>
-            <a:r>
-              <a:rPr lang="en-US" dirty="0"/>
-              <a:t>Project Schedule</a:t>
-            </a:r>
-          </a:p>
-          <a:p>
-            <a:pPr lvl="1"/>
-            <a:r>
-              <a:rPr lang="en-US" sz="1800" dirty="0"/>
-              <a:t>Reach new milestones each 2-week sprint</a:t>
-            </a:r>
-          </a:p>
-          <a:p>
-            <a:pPr lvl="1"/>
-            <a:r>
-              <a:rPr lang="en-US" sz="1800" dirty="0"/>
-              <a:t>SCRUM meetings and Client Meetings</a:t>
-            </a:r>
+          <a:bodyPr/>
+          <a:lstStyle/>
+          <a:p>
+            <a:r>
+              <a:rPr lang="en-US" dirty="0" smtClean="0"/>
+              <a:t>Seniors are facing social isolation</a:t>
+            </a:r>
+          </a:p>
+          <a:p>
+            <a:pPr marL="0" indent="0">
+              <a:buNone/>
+            </a:pPr>
+            <a:endParaRPr lang="en-US" dirty="0" smtClean="0"/>
+          </a:p>
+          <a:p>
+            <a:r>
+              <a:rPr lang="en-US" dirty="0" smtClean="0"/>
+              <a:t>No site designed for seniors to engage in social outings</a:t>
+            </a:r>
+          </a:p>
+          <a:p>
+            <a:pPr marL="0" indent="0">
+              <a:buNone/>
+            </a:pPr>
+            <a:endParaRPr lang="en-US" dirty="0" smtClean="0"/>
+          </a:p>
+          <a:p>
+            <a:r>
+              <a:rPr lang="en-US" dirty="0" smtClean="0"/>
+              <a:t>Current sites not tailored to meet challenges of aging community </a:t>
+            </a:r>
+            <a:endParaRPr lang="en-US" dirty="0"/>
           </a:p>
         </p:txBody>
       </p:sp>
     </p:spTree>
     <p:extLst>
       <p:ext uri="{BB962C8B-B14F-4D97-AF65-F5344CB8AC3E}">
-        <p14:creationId xmlns:p14="http://schemas.microsoft.com/office/powerpoint/2010/main" val="1768054810"/>
+        <p14:creationId xmlns:p14="http://schemas.microsoft.com/office/powerpoint/2010/main" val="2049749837"/>
       </p:ext>
     </p:extLst>
   </p:cSld>
@@ -9188,9 +9333,10 @@
           <a:lstStyle/>
           <a:p>
             <a:r>
-              <a:rPr lang="en-US" dirty="0"/>
-              <a:t>Project Overview</a:t>
-            </a:r>
+              <a:rPr lang="en-US" dirty="0" smtClean="0"/>
+              <a:t>Solution</a:t>
+            </a:r>
+            <a:endParaRPr lang="en-US" dirty="0"/>
           </a:p>
         </p:txBody>
       </p:sp>
@@ -9206,52 +9352,21 @@
         </p:nvSpPr>
         <p:spPr/>
         <p:txBody>
-          <a:bodyPr vert="horz" lIns="91440" tIns="45720" rIns="91440" bIns="45720" rtlCol="0" anchor="t">
-            <a:normAutofit/>
-          </a:bodyPr>
-          <a:lstStyle/>
-          <a:p>
-            <a:r>
-              <a:rPr lang="en-US" dirty="0"/>
-              <a:t>Project Overview</a:t>
-            </a:r>
-          </a:p>
-          <a:p>
-            <a:pPr lvl="1"/>
-            <a:r>
-              <a:rPr lang="en-US" sz="1800" dirty="0"/>
-              <a:t>Problem: Social isolation in the elderly community</a:t>
-            </a:r>
-          </a:p>
-          <a:p>
-            <a:pPr lvl="1"/>
-            <a:r>
-              <a:rPr lang="en-US" sz="1800" dirty="0"/>
-              <a:t>Solution: A website to promote social activities</a:t>
-            </a:r>
-          </a:p>
-          <a:p>
-            <a:r>
-              <a:rPr lang="en-US" dirty="0"/>
-              <a:t>Stakeholders</a:t>
-            </a:r>
-          </a:p>
-          <a:p>
-            <a:pPr lvl="1"/>
-            <a:r>
-              <a:rPr lang="en-US" sz="1800" dirty="0"/>
-              <a:t>Dr. Chueh</a:t>
-            </a:r>
-          </a:p>
-          <a:p>
-            <a:pPr lvl="1"/>
-            <a:r>
-              <a:rPr lang="en-US" sz="1800" dirty="0"/>
-              <a:t>Elderly communities and their families</a:t>
-            </a:r>
-          </a:p>
-          <a:p>
-            <a:pPr lvl="1"/>
+          <a:bodyPr/>
+          <a:lstStyle/>
+          <a:p>
+            <a:r>
+              <a:rPr lang="en-US" dirty="0" smtClean="0"/>
+              <a:t>Developing a website that encompasses senior social activities locally.</a:t>
+            </a:r>
+          </a:p>
+          <a:p>
+            <a:r>
+              <a:rPr lang="en-US" dirty="0" smtClean="0"/>
+              <a:t>Minimize site learning curve </a:t>
+            </a:r>
+          </a:p>
+          <a:p>
             <a:endParaRPr lang="en-US" dirty="0"/>
           </a:p>
         </p:txBody>
@@ -9259,7 +9374,7 @@
     </p:spTree>
     <p:extLst>
       <p:ext uri="{BB962C8B-B14F-4D97-AF65-F5344CB8AC3E}">
-        <p14:creationId xmlns:p14="http://schemas.microsoft.com/office/powerpoint/2010/main" val="1144741797"/>
+        <p14:creationId xmlns:p14="http://schemas.microsoft.com/office/powerpoint/2010/main" val="2031163149"/>
       </p:ext>
     </p:extLst>
   </p:cSld>
@@ -9421,7 +9536,7 @@
           <a:p>
             <a:r>
               <a:rPr lang="en-US" dirty="0"/>
-              <a:t>Prototype</a:t>
+              <a:t>Project Management Plan</a:t>
             </a:r>
           </a:p>
         </p:txBody>
@@ -9438,17 +9553,141 @@
         </p:nvSpPr>
         <p:spPr/>
         <p:txBody>
-          <a:bodyPr/>
-          <a:lstStyle/>
-          <a:p>
-            <a:endParaRPr lang="en-US"/>
+          <a:bodyPr vert="horz" lIns="91440" tIns="45720" rIns="91440" bIns="45720" rtlCol="0" anchor="t">
+            <a:normAutofit/>
+          </a:bodyPr>
+          <a:lstStyle/>
+          <a:p>
+            <a:r>
+              <a:rPr lang="en-US" dirty="0"/>
+              <a:t>Project Organization</a:t>
+            </a:r>
+          </a:p>
+          <a:p>
+            <a:pPr lvl="1"/>
+            <a:r>
+              <a:rPr lang="en-US" sz="1800" dirty="0" smtClean="0"/>
+              <a:t>Scrum/Kanban process (Trello)</a:t>
+            </a:r>
+            <a:endParaRPr lang="en-US" sz="1800" dirty="0"/>
+          </a:p>
+          <a:p>
+            <a:r>
+              <a:rPr lang="en-US" dirty="0"/>
+              <a:t>Risk Analysis</a:t>
+            </a:r>
+          </a:p>
+          <a:p>
+            <a:pPr lvl="1"/>
+            <a:r>
+              <a:rPr lang="en-US" sz="1800" dirty="0"/>
+              <a:t>Feature Overload</a:t>
+            </a:r>
+          </a:p>
+          <a:p>
+            <a:r>
+              <a:rPr lang="en-US" dirty="0"/>
+              <a:t>Hardware/Software Requirements</a:t>
+            </a:r>
+          </a:p>
+          <a:p>
+            <a:r>
+              <a:rPr lang="en-US" dirty="0"/>
+              <a:t>Project Schedule</a:t>
+            </a:r>
+          </a:p>
+          <a:p>
+            <a:pPr lvl="1"/>
+            <a:r>
+              <a:rPr lang="en-US" sz="1800" dirty="0"/>
+              <a:t>Reach new milestones each 2-week sprint</a:t>
+            </a:r>
+          </a:p>
+          <a:p>
+            <a:pPr lvl="1"/>
+            <a:r>
+              <a:rPr lang="en-US" sz="1800" dirty="0"/>
+              <a:t>SCRUM meetings and Client Meetings</a:t>
+            </a:r>
           </a:p>
         </p:txBody>
       </p:sp>
     </p:spTree>
     <p:extLst>
       <p:ext uri="{BB962C8B-B14F-4D97-AF65-F5344CB8AC3E}">
-        <p14:creationId xmlns:p14="http://schemas.microsoft.com/office/powerpoint/2010/main" val="2018556856"/>
+        <p14:creationId xmlns:p14="http://schemas.microsoft.com/office/powerpoint/2010/main" val="1768054810"/>
+      </p:ext>
+    </p:extLst>
+  </p:cSld>
+  <p:clrMapOvr>
+    <a:masterClrMapping/>
+  </p:clrMapOvr>
+</p:sld>
+</file>
+
+<file path=ppt/slides/slide9.xml><?xml version="1.0" encoding="utf-8"?>
+<p:sld xmlns:a="http://schemas.openxmlformats.org/drawingml/2006/main" xmlns:r="http://schemas.openxmlformats.org/officeDocument/2006/relationships" xmlns:p="http://schemas.openxmlformats.org/presentationml/2006/main">
+  <p:cSld>
+    <p:spTree>
+      <p:nvGrpSpPr>
+        <p:cNvPr id="1" name=""/>
+        <p:cNvGrpSpPr/>
+        <p:nvPr/>
+      </p:nvGrpSpPr>
+      <p:grpSpPr>
+        <a:xfrm>
+          <a:off x="0" y="0"/>
+          <a:ext cx="0" cy="0"/>
+          <a:chOff x="0" y="0"/>
+          <a:chExt cx="0" cy="0"/>
+        </a:xfrm>
+      </p:grpSpPr>
+      <p:sp>
+        <p:nvSpPr>
+          <p:cNvPr id="2" name="Title 1"/>
+          <p:cNvSpPr>
+            <a:spLocks noGrp="1"/>
+          </p:cNvSpPr>
+          <p:nvPr>
+            <p:ph type="title"/>
+          </p:nvPr>
+        </p:nvSpPr>
+        <p:spPr/>
+        <p:txBody>
+          <a:bodyPr/>
+          <a:lstStyle/>
+          <a:p>
+            <a:r>
+              <a:rPr lang="en-US" dirty="0" smtClean="0"/>
+              <a:t>QA Plan</a:t>
+            </a:r>
+            <a:endParaRPr lang="en-US" dirty="0"/>
+          </a:p>
+        </p:txBody>
+      </p:sp>
+      <p:sp>
+        <p:nvSpPr>
+          <p:cNvPr id="3" name="Content Placeholder 2"/>
+          <p:cNvSpPr>
+            <a:spLocks noGrp="1"/>
+          </p:cNvSpPr>
+          <p:nvPr>
+            <p:ph idx="1"/>
+          </p:nvPr>
+        </p:nvSpPr>
+        <p:spPr/>
+        <p:txBody>
+          <a:bodyPr/>
+          <a:lstStyle/>
+          <a:p>
+            <a:endParaRPr lang="en-US"/>
+          </a:p>
+        </p:txBody>
+      </p:sp>
+    </p:spTree>
+    <p:extLst>
+      <p:ext uri="{BB962C8B-B14F-4D97-AF65-F5344CB8AC3E}">
+        <p14:creationId xmlns:p14="http://schemas.microsoft.com/office/powerpoint/2010/main" val="4148209602"/>
       </p:ext>
     </p:extLst>
   </p:cSld>

--- a/Presentation/12.8.15 Presentation (Revised).pptx
+++ b/Presentation/12.8.15 Presentation (Revised).pptx
@@ -5,20 +5,26 @@
     <p:sldMasterId id="2147483648" r:id="rId1"/>
   </p:sldMasterIdLst>
   <p:notesMasterIdLst>
-    <p:notesMasterId r:id="rId13"/>
+    <p:notesMasterId r:id="rId19"/>
   </p:notesMasterIdLst>
   <p:sldIdLst>
     <p:sldId id="256" r:id="rId2"/>
     <p:sldId id="257" r:id="rId3"/>
     <p:sldId id="261" r:id="rId4"/>
-    <p:sldId id="263" r:id="rId5"/>
-    <p:sldId id="264" r:id="rId6"/>
-    <p:sldId id="265" r:id="rId7"/>
-    <p:sldId id="260" r:id="rId8"/>
-    <p:sldId id="258" r:id="rId9"/>
-    <p:sldId id="266" r:id="rId10"/>
-    <p:sldId id="262" r:id="rId11"/>
-    <p:sldId id="267" r:id="rId12"/>
+    <p:sldId id="268" r:id="rId5"/>
+    <p:sldId id="263" r:id="rId6"/>
+    <p:sldId id="264" r:id="rId7"/>
+    <p:sldId id="265" r:id="rId8"/>
+    <p:sldId id="269" r:id="rId9"/>
+    <p:sldId id="260" r:id="rId10"/>
+    <p:sldId id="258" r:id="rId11"/>
+    <p:sldId id="270" r:id="rId12"/>
+    <p:sldId id="262" r:id="rId13"/>
+    <p:sldId id="266" r:id="rId14"/>
+    <p:sldId id="272" r:id="rId15"/>
+    <p:sldId id="273" r:id="rId16"/>
+    <p:sldId id="267" r:id="rId17"/>
+    <p:sldId id="271" r:id="rId18"/>
   </p:sldIdLst>
   <p:sldSz cx="12192000" cy="6858000"/>
   <p:notesSz cx="6858000" cy="9144000"/>
@@ -207,7 +213,7 @@
           <a:p>
             <a:fld id="{5B6AB509-4183-4579-9787-242A2BB957B8}" type="datetimeFigureOut">
               <a:rPr lang="en-US"/>
-              <a:t>12/3/2015</a:t>
+              <a:t>12/4/2015</a:t>
             </a:fld>
             <a:endParaRPr lang="en-US"/>
           </a:p>
@@ -819,7 +825,7 @@
           <a:p>
             <a:fld id="{7D90AB93-7EBB-40C3-AABE-B1527F40B7D6}" type="slidenum">
               <a:rPr lang="en-US"/>
-              <a:t>7</a:t>
+              <a:t>9</a:t>
             </a:fld>
             <a:endParaRPr lang="en-US"/>
           </a:p>
@@ -908,7 +914,7 @@
           <a:p>
             <a:fld id="{7D90AB93-7EBB-40C3-AABE-B1527F40B7D6}" type="slidenum">
               <a:rPr lang="en-US"/>
-              <a:t>8</a:t>
+              <a:t>10</a:t>
             </a:fld>
             <a:endParaRPr lang="en-US"/>
           </a:p>
@@ -992,7 +998,7 @@
           <a:p>
             <a:fld id="{7D90AB93-7EBB-40C3-AABE-B1527F40B7D6}" type="slidenum">
               <a:rPr lang="en-US"/>
-              <a:t>10</a:t>
+              <a:t>12</a:t>
             </a:fld>
             <a:endParaRPr lang="en-US"/>
           </a:p>
@@ -1200,7 +1206,7 @@
             <a:fld id="{B61BEF0D-F0BB-DE4B-95CE-6DB70DBA9567}" type="datetimeFigureOut">
               <a:rPr lang="en-US" dirty="0"/>
               <a:pPr/>
-              <a:t>12/3/2015</a:t>
+              <a:t>12/4/2015</a:t>
             </a:fld>
             <a:endParaRPr lang="en-US" dirty="0"/>
           </a:p>
@@ -1535,7 +1541,7 @@
             <a:fld id="{B61BEF0D-F0BB-DE4B-95CE-6DB70DBA9567}" type="datetimeFigureOut">
               <a:rPr lang="en-US" dirty="0"/>
               <a:pPr/>
-              <a:t>12/3/2015</a:t>
+              <a:t>12/4/2015</a:t>
             </a:fld>
             <a:endParaRPr lang="en-US" dirty="0"/>
           </a:p>
@@ -1933,7 +1939,7 @@
             <a:fld id="{B61BEF0D-F0BB-DE4B-95CE-6DB70DBA9567}" type="datetimeFigureOut">
               <a:rPr lang="en-US" dirty="0"/>
               <a:pPr/>
-              <a:t>12/3/2015</a:t>
+              <a:t>12/4/2015</a:t>
             </a:fld>
             <a:endParaRPr lang="en-US" dirty="0"/>
           </a:p>
@@ -2266,7 +2272,7 @@
             <a:fld id="{B61BEF0D-F0BB-DE4B-95CE-6DB70DBA9567}" type="datetimeFigureOut">
               <a:rPr lang="en-US" dirty="0"/>
               <a:pPr/>
-              <a:t>12/3/2015</a:t>
+              <a:t>12/4/2015</a:t>
             </a:fld>
             <a:endParaRPr lang="en-US" dirty="0"/>
           </a:p>
@@ -2583,7 +2589,7 @@
             <a:fld id="{B61BEF0D-F0BB-DE4B-95CE-6DB70DBA9567}" type="datetimeFigureOut">
               <a:rPr lang="en-US" dirty="0"/>
               <a:pPr/>
-              <a:t>12/3/2015</a:t>
+              <a:t>12/4/2015</a:t>
             </a:fld>
             <a:endParaRPr lang="en-US" dirty="0"/>
           </a:p>
@@ -2976,7 +2982,7 @@
             <a:fld id="{B61BEF0D-F0BB-DE4B-95CE-6DB70DBA9567}" type="datetimeFigureOut">
               <a:rPr lang="en-US" dirty="0"/>
               <a:pPr/>
-              <a:t>12/3/2015</a:t>
+              <a:t>12/4/2015</a:t>
             </a:fld>
             <a:endParaRPr lang="en-US" dirty="0"/>
           </a:p>
@@ -3230,7 +3236,7 @@
             <a:fld id="{B61BEF0D-F0BB-DE4B-95CE-6DB70DBA9567}" type="datetimeFigureOut">
               <a:rPr lang="en-US" dirty="0"/>
               <a:pPr/>
-              <a:t>12/3/2015</a:t>
+              <a:t>12/4/2015</a:t>
             </a:fld>
             <a:endParaRPr lang="en-US" dirty="0"/>
           </a:p>
@@ -3489,7 +3495,7 @@
             <a:fld id="{B61BEF0D-F0BB-DE4B-95CE-6DB70DBA9567}" type="datetimeFigureOut">
               <a:rPr lang="en-US" dirty="0"/>
               <a:pPr/>
-              <a:t>12/3/2015</a:t>
+              <a:t>12/4/2015</a:t>
             </a:fld>
             <a:endParaRPr lang="en-US" dirty="0"/>
           </a:p>
@@ -3748,7 +3754,7 @@
             <a:fld id="{B61BEF0D-F0BB-DE4B-95CE-6DB70DBA9567}" type="datetimeFigureOut">
               <a:rPr lang="en-US" dirty="0"/>
               <a:pPr/>
-              <a:t>12/3/2015</a:t>
+              <a:t>12/4/2015</a:t>
             </a:fld>
             <a:endParaRPr lang="en-US" dirty="0"/>
           </a:p>
@@ -4074,7 +4080,7 @@
             <a:fld id="{B61BEF0D-F0BB-DE4B-95CE-6DB70DBA9567}" type="datetimeFigureOut">
               <a:rPr lang="en-US" dirty="0"/>
               <a:pPr/>
-              <a:t>12/3/2015</a:t>
+              <a:t>12/4/2015</a:t>
             </a:fld>
             <a:endParaRPr lang="en-US" dirty="0"/>
           </a:p>
@@ -4394,7 +4400,7 @@
             <a:fld id="{B61BEF0D-F0BB-DE4B-95CE-6DB70DBA9567}" type="datetimeFigureOut">
               <a:rPr lang="en-US" dirty="0"/>
               <a:pPr/>
-              <a:t>12/3/2015</a:t>
+              <a:t>12/4/2015</a:t>
             </a:fld>
             <a:endParaRPr lang="en-US" dirty="0"/>
           </a:p>
@@ -4848,7 +4854,7 @@
             <a:fld id="{B61BEF0D-F0BB-DE4B-95CE-6DB70DBA9567}" type="datetimeFigureOut">
               <a:rPr lang="en-US" dirty="0"/>
               <a:pPr/>
-              <a:t>12/3/2015</a:t>
+              <a:t>12/4/2015</a:t>
             </a:fld>
             <a:endParaRPr lang="en-US" dirty="0"/>
           </a:p>
@@ -5050,7 +5056,7 @@
             <a:fld id="{B61BEF0D-F0BB-DE4B-95CE-6DB70DBA9567}" type="datetimeFigureOut">
               <a:rPr lang="en-US" dirty="0"/>
               <a:pPr/>
-              <a:t>12/3/2015</a:t>
+              <a:t>12/4/2015</a:t>
             </a:fld>
             <a:endParaRPr lang="en-US" dirty="0"/>
           </a:p>
@@ -5224,7 +5230,7 @@
             <a:fld id="{B61BEF0D-F0BB-DE4B-95CE-6DB70DBA9567}" type="datetimeFigureOut">
               <a:rPr lang="en-US" dirty="0"/>
               <a:pPr/>
-              <a:t>12/3/2015</a:t>
+              <a:t>12/4/2015</a:t>
             </a:fld>
             <a:endParaRPr lang="en-US" dirty="0"/>
           </a:p>
@@ -5554,7 +5560,7 @@
             <a:fld id="{B61BEF0D-F0BB-DE4B-95CE-6DB70DBA9567}" type="datetimeFigureOut">
               <a:rPr lang="en-US" dirty="0"/>
               <a:pPr/>
-              <a:t>12/3/2015</a:t>
+              <a:t>12/4/2015</a:t>
             </a:fld>
             <a:endParaRPr lang="en-US" dirty="0"/>
           </a:p>
@@ -5896,7 +5902,7 @@
             <a:fld id="{B61BEF0D-F0BB-DE4B-95CE-6DB70DBA9567}" type="datetimeFigureOut">
               <a:rPr lang="en-US" dirty="0"/>
               <a:pPr/>
-              <a:t>12/3/2015</a:t>
+              <a:t>12/4/2015</a:t>
             </a:fld>
             <a:endParaRPr lang="en-US" dirty="0"/>
           </a:p>
@@ -8010,7 +8016,7 @@
             <a:fld id="{B61BEF0D-F0BB-DE4B-95CE-6DB70DBA9567}" type="datetimeFigureOut">
               <a:rPr lang="en-US" dirty="0"/>
               <a:pPr/>
-              <a:t>12/3/2015</a:t>
+              <a:t>12/4/2015</a:t>
             </a:fld>
             <a:endParaRPr lang="en-US" dirty="0"/>
           </a:p>
@@ -8655,7 +8661,7 @@
           <a:p>
             <a:r>
               <a:rPr lang="en-US" dirty="0"/>
-              <a:t>Prototype</a:t>
+              <a:t>Project Management Plan</a:t>
             </a:r>
           </a:p>
         </p:txBody>
@@ -8672,17 +8678,69 @@
         </p:nvSpPr>
         <p:spPr/>
         <p:txBody>
-          <a:bodyPr/>
-          <a:lstStyle/>
-          <a:p>
-            <a:endParaRPr lang="en-US"/>
+          <a:bodyPr vert="horz" lIns="91440" tIns="45720" rIns="91440" bIns="45720" rtlCol="0" anchor="t">
+            <a:normAutofit/>
+          </a:bodyPr>
+          <a:lstStyle/>
+          <a:p>
+            <a:r>
+              <a:rPr lang="en-US" dirty="0"/>
+              <a:t>Project Organization</a:t>
+            </a:r>
+          </a:p>
+          <a:p>
+            <a:pPr lvl="1"/>
+            <a:r>
+              <a:rPr lang="en-US" sz="1800" dirty="0" smtClean="0"/>
+              <a:t>Scrum/Kanban process (Trello)</a:t>
+            </a:r>
+            <a:endParaRPr lang="en-US" sz="1800" dirty="0"/>
+          </a:p>
+          <a:p>
+            <a:r>
+              <a:rPr lang="en-US" dirty="0"/>
+              <a:t>Risk Analysis</a:t>
+            </a:r>
+          </a:p>
+          <a:p>
+            <a:pPr lvl="1"/>
+            <a:r>
+              <a:rPr lang="en-US" sz="1800" dirty="0"/>
+              <a:t>Feature Overload</a:t>
+            </a:r>
+          </a:p>
+          <a:p>
+            <a:r>
+              <a:rPr lang="en-US" dirty="0"/>
+              <a:t>Hardware/Software Requirements</a:t>
+            </a:r>
+          </a:p>
+          <a:p>
+            <a:r>
+              <a:rPr lang="en-US" dirty="0"/>
+              <a:t>Project Schedule</a:t>
+            </a:r>
+          </a:p>
+          <a:p>
+            <a:pPr lvl="1"/>
+            <a:r>
+              <a:rPr lang="en-US" sz="1800" dirty="0"/>
+              <a:t>Reach new milestones each 2-week sprint</a:t>
+            </a:r>
+          </a:p>
+          <a:p>
+            <a:pPr lvl="1"/>
+            <a:r>
+              <a:rPr lang="en-US" sz="1800" dirty="0"/>
+              <a:t>SCRUM meetings and Client Meetings</a:t>
+            </a:r>
           </a:p>
         </p:txBody>
       </p:sp>
     </p:spTree>
     <p:extLst>
       <p:ext uri="{BB962C8B-B14F-4D97-AF65-F5344CB8AC3E}">
-        <p14:creationId xmlns:p14="http://schemas.microsoft.com/office/powerpoint/2010/main" val="2018556856"/>
+        <p14:creationId xmlns:p14="http://schemas.microsoft.com/office/powerpoint/2010/main" val="1768054810"/>
       </p:ext>
     </p:extLst>
   </p:cSld>
@@ -8716,6 +8774,375 @@
             <a:spLocks noGrp="1"/>
           </p:cNvSpPr>
           <p:nvPr>
+            <p:ph type="ctrTitle"/>
+          </p:nvPr>
+        </p:nvSpPr>
+        <p:spPr/>
+        <p:txBody>
+          <a:bodyPr/>
+          <a:lstStyle/>
+          <a:p>
+            <a:r>
+              <a:rPr lang="en-US" dirty="0" smtClean="0"/>
+              <a:t>REQS ABOVE</a:t>
+            </a:r>
+            <a:br>
+              <a:rPr lang="en-US" dirty="0" smtClean="0"/>
+            </a:br>
+            <a:r>
+              <a:rPr lang="en-US" dirty="0" smtClean="0"/>
+              <a:t>PROTOTYPE DEMO BELOW</a:t>
+            </a:r>
+            <a:endParaRPr lang="en-US" dirty="0"/>
+          </a:p>
+        </p:txBody>
+      </p:sp>
+      <p:sp>
+        <p:nvSpPr>
+          <p:cNvPr id="3" name="Subtitle 2"/>
+          <p:cNvSpPr>
+            <a:spLocks noGrp="1"/>
+          </p:cNvSpPr>
+          <p:nvPr>
+            <p:ph type="subTitle" idx="1"/>
+          </p:nvPr>
+        </p:nvSpPr>
+        <p:spPr/>
+        <p:txBody>
+          <a:bodyPr/>
+          <a:lstStyle/>
+          <a:p>
+            <a:endParaRPr lang="en-US"/>
+          </a:p>
+        </p:txBody>
+      </p:sp>
+    </p:spTree>
+    <p:extLst>
+      <p:ext uri="{BB962C8B-B14F-4D97-AF65-F5344CB8AC3E}">
+        <p14:creationId xmlns:p14="http://schemas.microsoft.com/office/powerpoint/2010/main" val="51987764"/>
+      </p:ext>
+    </p:extLst>
+  </p:cSld>
+  <p:clrMapOvr>
+    <a:masterClrMapping/>
+  </p:clrMapOvr>
+</p:sld>
+</file>
+
+<file path=ppt/slides/slide12.xml><?xml version="1.0" encoding="utf-8"?>
+<p:sld xmlns:a="http://schemas.openxmlformats.org/drawingml/2006/main" xmlns:r="http://schemas.openxmlformats.org/officeDocument/2006/relationships" xmlns:p="http://schemas.openxmlformats.org/presentationml/2006/main">
+  <p:cSld>
+    <p:spTree>
+      <p:nvGrpSpPr>
+        <p:cNvPr id="1" name=""/>
+        <p:cNvGrpSpPr/>
+        <p:nvPr/>
+      </p:nvGrpSpPr>
+      <p:grpSpPr>
+        <a:xfrm>
+          <a:off x="0" y="0"/>
+          <a:ext cx="0" cy="0"/>
+          <a:chOff x="0" y="0"/>
+          <a:chExt cx="0" cy="0"/>
+        </a:xfrm>
+      </p:grpSpPr>
+      <p:sp>
+        <p:nvSpPr>
+          <p:cNvPr id="2" name="Title 1"/>
+          <p:cNvSpPr>
+            <a:spLocks noGrp="1"/>
+          </p:cNvSpPr>
+          <p:nvPr>
+            <p:ph type="title"/>
+          </p:nvPr>
+        </p:nvSpPr>
+        <p:spPr/>
+        <p:txBody>
+          <a:bodyPr/>
+          <a:lstStyle/>
+          <a:p>
+            <a:r>
+              <a:rPr lang="en-US" dirty="0"/>
+              <a:t>Prototype</a:t>
+            </a:r>
+          </a:p>
+        </p:txBody>
+      </p:sp>
+      <p:sp>
+        <p:nvSpPr>
+          <p:cNvPr id="3" name="Content Placeholder 2"/>
+          <p:cNvSpPr>
+            <a:spLocks noGrp="1"/>
+          </p:cNvSpPr>
+          <p:nvPr>
+            <p:ph idx="1"/>
+          </p:nvPr>
+        </p:nvSpPr>
+        <p:spPr/>
+        <p:txBody>
+          <a:bodyPr/>
+          <a:lstStyle/>
+          <a:p>
+            <a:endParaRPr lang="en-US"/>
+          </a:p>
+        </p:txBody>
+      </p:sp>
+    </p:spTree>
+    <p:extLst>
+      <p:ext uri="{BB962C8B-B14F-4D97-AF65-F5344CB8AC3E}">
+        <p14:creationId xmlns:p14="http://schemas.microsoft.com/office/powerpoint/2010/main" val="2018556856"/>
+      </p:ext>
+    </p:extLst>
+  </p:cSld>
+  <p:clrMapOvr>
+    <a:masterClrMapping/>
+  </p:clrMapOvr>
+</p:sld>
+</file>
+
+<file path=ppt/slides/slide13.xml><?xml version="1.0" encoding="utf-8"?>
+<p:sld xmlns:a="http://schemas.openxmlformats.org/drawingml/2006/main" xmlns:r="http://schemas.openxmlformats.org/officeDocument/2006/relationships" xmlns:p="http://schemas.openxmlformats.org/presentationml/2006/main">
+  <p:cSld>
+    <p:spTree>
+      <p:nvGrpSpPr>
+        <p:cNvPr id="1" name=""/>
+        <p:cNvGrpSpPr/>
+        <p:nvPr/>
+      </p:nvGrpSpPr>
+      <p:grpSpPr>
+        <a:xfrm>
+          <a:off x="0" y="0"/>
+          <a:ext cx="0" cy="0"/>
+          <a:chOff x="0" y="0"/>
+          <a:chExt cx="0" cy="0"/>
+        </a:xfrm>
+      </p:grpSpPr>
+      <p:sp>
+        <p:nvSpPr>
+          <p:cNvPr id="2" name="Title 1"/>
+          <p:cNvSpPr>
+            <a:spLocks noGrp="1"/>
+          </p:cNvSpPr>
+          <p:nvPr>
+            <p:ph type="title"/>
+          </p:nvPr>
+        </p:nvSpPr>
+        <p:spPr/>
+        <p:txBody>
+          <a:bodyPr/>
+          <a:lstStyle/>
+          <a:p>
+            <a:r>
+              <a:rPr lang="en-US" dirty="0" smtClean="0"/>
+              <a:t>PROTOTYPE ABOVE</a:t>
+            </a:r>
+            <a:br>
+              <a:rPr lang="en-US" dirty="0" smtClean="0"/>
+            </a:br>
+            <a:r>
+              <a:rPr lang="en-US" dirty="0" smtClean="0"/>
+              <a:t>QA RISK ANALYSIS BELOW</a:t>
+            </a:r>
+            <a:endParaRPr lang="en-US" dirty="0"/>
+          </a:p>
+        </p:txBody>
+      </p:sp>
+      <p:sp>
+        <p:nvSpPr>
+          <p:cNvPr id="3" name="Content Placeholder 2"/>
+          <p:cNvSpPr>
+            <a:spLocks noGrp="1"/>
+          </p:cNvSpPr>
+          <p:nvPr>
+            <p:ph idx="1"/>
+          </p:nvPr>
+        </p:nvSpPr>
+        <p:spPr/>
+        <p:txBody>
+          <a:bodyPr/>
+          <a:lstStyle/>
+          <a:p>
+            <a:endParaRPr lang="en-US" dirty="0"/>
+          </a:p>
+        </p:txBody>
+      </p:sp>
+    </p:spTree>
+    <p:extLst>
+      <p:ext uri="{BB962C8B-B14F-4D97-AF65-F5344CB8AC3E}">
+        <p14:creationId xmlns:p14="http://schemas.microsoft.com/office/powerpoint/2010/main" val="4148209602"/>
+      </p:ext>
+    </p:extLst>
+  </p:cSld>
+  <p:clrMapOvr>
+    <a:masterClrMapping/>
+  </p:clrMapOvr>
+</p:sld>
+</file>
+
+<file path=ppt/slides/slide14.xml><?xml version="1.0" encoding="utf-8"?>
+<p:sld xmlns:a="http://schemas.openxmlformats.org/drawingml/2006/main" xmlns:r="http://schemas.openxmlformats.org/officeDocument/2006/relationships" xmlns:p="http://schemas.openxmlformats.org/presentationml/2006/main">
+  <p:cSld>
+    <p:spTree>
+      <p:nvGrpSpPr>
+        <p:cNvPr id="1" name=""/>
+        <p:cNvGrpSpPr/>
+        <p:nvPr/>
+      </p:nvGrpSpPr>
+      <p:grpSpPr>
+        <a:xfrm>
+          <a:off x="0" y="0"/>
+          <a:ext cx="0" cy="0"/>
+          <a:chOff x="0" y="0"/>
+          <a:chExt cx="0" cy="0"/>
+        </a:xfrm>
+      </p:grpSpPr>
+      <p:sp>
+        <p:nvSpPr>
+          <p:cNvPr id="2" name="Title 1"/>
+          <p:cNvSpPr>
+            <a:spLocks noGrp="1"/>
+          </p:cNvSpPr>
+          <p:nvPr>
+            <p:ph type="title"/>
+          </p:nvPr>
+        </p:nvSpPr>
+        <p:spPr/>
+        <p:txBody>
+          <a:bodyPr/>
+          <a:lstStyle/>
+          <a:p>
+            <a:r>
+              <a:rPr lang="en-US" dirty="0" smtClean="0"/>
+              <a:t>QUALITY ASSURANCE</a:t>
+            </a:r>
+            <a:endParaRPr lang="en-US" dirty="0"/>
+          </a:p>
+        </p:txBody>
+      </p:sp>
+      <p:sp>
+        <p:nvSpPr>
+          <p:cNvPr id="3" name="Content Placeholder 2"/>
+          <p:cNvSpPr>
+            <a:spLocks noGrp="1"/>
+          </p:cNvSpPr>
+          <p:nvPr>
+            <p:ph idx="1"/>
+          </p:nvPr>
+        </p:nvSpPr>
+        <p:spPr/>
+        <p:txBody>
+          <a:bodyPr/>
+          <a:lstStyle/>
+          <a:p>
+            <a:endParaRPr lang="en-US"/>
+          </a:p>
+        </p:txBody>
+      </p:sp>
+    </p:spTree>
+    <p:extLst>
+      <p:ext uri="{BB962C8B-B14F-4D97-AF65-F5344CB8AC3E}">
+        <p14:creationId xmlns:p14="http://schemas.microsoft.com/office/powerpoint/2010/main" val="3755474298"/>
+      </p:ext>
+    </p:extLst>
+  </p:cSld>
+  <p:clrMapOvr>
+    <a:masterClrMapping/>
+  </p:clrMapOvr>
+</p:sld>
+</file>
+
+<file path=ppt/slides/slide15.xml><?xml version="1.0" encoding="utf-8"?>
+<p:sld xmlns:a="http://schemas.openxmlformats.org/drawingml/2006/main" xmlns:r="http://schemas.openxmlformats.org/officeDocument/2006/relationships" xmlns:p="http://schemas.openxmlformats.org/presentationml/2006/main">
+  <p:cSld>
+    <p:spTree>
+      <p:nvGrpSpPr>
+        <p:cNvPr id="1" name=""/>
+        <p:cNvGrpSpPr/>
+        <p:nvPr/>
+      </p:nvGrpSpPr>
+      <p:grpSpPr>
+        <a:xfrm>
+          <a:off x="0" y="0"/>
+          <a:ext cx="0" cy="0"/>
+          <a:chOff x="0" y="0"/>
+          <a:chExt cx="0" cy="0"/>
+        </a:xfrm>
+      </p:grpSpPr>
+      <p:sp>
+        <p:nvSpPr>
+          <p:cNvPr id="2" name="Title 1"/>
+          <p:cNvSpPr>
+            <a:spLocks noGrp="1"/>
+          </p:cNvSpPr>
+          <p:nvPr>
+            <p:ph type="title"/>
+          </p:nvPr>
+        </p:nvSpPr>
+        <p:spPr/>
+        <p:txBody>
+          <a:bodyPr/>
+          <a:lstStyle/>
+          <a:p>
+            <a:endParaRPr lang="en-US"/>
+          </a:p>
+        </p:txBody>
+      </p:sp>
+      <p:sp>
+        <p:nvSpPr>
+          <p:cNvPr id="3" name="Content Placeholder 2"/>
+          <p:cNvSpPr>
+            <a:spLocks noGrp="1"/>
+          </p:cNvSpPr>
+          <p:nvPr>
+            <p:ph idx="1"/>
+          </p:nvPr>
+        </p:nvSpPr>
+        <p:spPr/>
+        <p:txBody>
+          <a:bodyPr/>
+          <a:lstStyle/>
+          <a:p>
+            <a:endParaRPr lang="en-US" dirty="0"/>
+          </a:p>
+        </p:txBody>
+      </p:sp>
+    </p:spTree>
+    <p:extLst>
+      <p:ext uri="{BB962C8B-B14F-4D97-AF65-F5344CB8AC3E}">
+        <p14:creationId xmlns:p14="http://schemas.microsoft.com/office/powerpoint/2010/main" val="3968799973"/>
+      </p:ext>
+    </p:extLst>
+  </p:cSld>
+  <p:clrMapOvr>
+    <a:masterClrMapping/>
+  </p:clrMapOvr>
+</p:sld>
+</file>
+
+<file path=ppt/slides/slide16.xml><?xml version="1.0" encoding="utf-8"?>
+<p:sld xmlns:a="http://schemas.openxmlformats.org/drawingml/2006/main" xmlns:r="http://schemas.openxmlformats.org/officeDocument/2006/relationships" xmlns:p="http://schemas.openxmlformats.org/presentationml/2006/main">
+  <p:cSld>
+    <p:spTree>
+      <p:nvGrpSpPr>
+        <p:cNvPr id="1" name=""/>
+        <p:cNvGrpSpPr/>
+        <p:nvPr/>
+      </p:nvGrpSpPr>
+      <p:grpSpPr>
+        <a:xfrm>
+          <a:off x="0" y="0"/>
+          <a:ext cx="0" cy="0"/>
+          <a:chOff x="0" y="0"/>
+          <a:chExt cx="0" cy="0"/>
+        </a:xfrm>
+      </p:grpSpPr>
+      <p:sp>
+        <p:nvSpPr>
+          <p:cNvPr id="2" name="Title 1"/>
+          <p:cNvSpPr>
+            <a:spLocks noGrp="1"/>
+          </p:cNvSpPr>
+          <p:nvPr>
             <p:ph type="title"/>
           </p:nvPr>
         </p:nvSpPr>
@@ -8755,6 +9182,61 @@
     <p:extLst>
       <p:ext uri="{BB962C8B-B14F-4D97-AF65-F5344CB8AC3E}">
         <p14:creationId xmlns:p14="http://schemas.microsoft.com/office/powerpoint/2010/main" val="4157375115"/>
+      </p:ext>
+    </p:extLst>
+  </p:cSld>
+  <p:clrMapOvr>
+    <a:masterClrMapping/>
+  </p:clrMapOvr>
+</p:sld>
+</file>
+
+<file path=ppt/slides/slide17.xml><?xml version="1.0" encoding="utf-8"?>
+<p:sld xmlns:a="http://schemas.openxmlformats.org/drawingml/2006/main" xmlns:r="http://schemas.openxmlformats.org/officeDocument/2006/relationships" xmlns:p="http://schemas.openxmlformats.org/presentationml/2006/main">
+  <p:cSld>
+    <p:spTree>
+      <p:nvGrpSpPr>
+        <p:cNvPr id="1" name=""/>
+        <p:cNvGrpSpPr/>
+        <p:nvPr/>
+      </p:nvGrpSpPr>
+      <p:grpSpPr>
+        <a:xfrm>
+          <a:off x="0" y="0"/>
+          <a:ext cx="0" cy="0"/>
+          <a:chOff x="0" y="0"/>
+          <a:chExt cx="0" cy="0"/>
+        </a:xfrm>
+      </p:grpSpPr>
+      <p:sp>
+        <p:nvSpPr>
+          <p:cNvPr id="2" name="Title 1"/>
+          <p:cNvSpPr>
+            <a:spLocks noGrp="1"/>
+          </p:cNvSpPr>
+          <p:nvPr>
+            <p:ph type="title"/>
+          </p:nvPr>
+        </p:nvSpPr>
+        <p:spPr/>
+        <p:txBody>
+          <a:bodyPr>
+            <a:normAutofit/>
+          </a:bodyPr>
+          <a:lstStyle/>
+          <a:p>
+            <a:r>
+              <a:rPr lang="en-US" sz="4800" b="1" dirty="0" smtClean="0"/>
+              <a:t>QUESTIONS?</a:t>
+            </a:r>
+            <a:endParaRPr lang="en-US" sz="4800" b="1" dirty="0"/>
+          </a:p>
+        </p:txBody>
+      </p:sp>
+    </p:spTree>
+    <p:extLst>
+      <p:ext uri="{BB962C8B-B14F-4D97-AF65-F5344CB8AC3E}">
+        <p14:creationId xmlns:p14="http://schemas.microsoft.com/office/powerpoint/2010/main" val="1078082126"/>
       </p:ext>
     </p:extLst>
   </p:cSld>
@@ -9090,107 +9572,45 @@
           <a:p>
             <a:r>
               <a:rPr lang="en-US" dirty="0" smtClean="0"/>
-              <a:t>Project</a:t>
+              <a:t>Kanban/Scrum</a:t>
             </a:r>
             <a:endParaRPr lang="en-US" dirty="0"/>
           </a:p>
         </p:txBody>
       </p:sp>
-      <p:sp>
-        <p:nvSpPr>
-          <p:cNvPr id="3" name="Content Placeholder 2"/>
-          <p:cNvSpPr>
-            <a:spLocks noGrp="1"/>
-          </p:cNvSpPr>
+      <p:pic>
+        <p:nvPicPr>
+          <p:cNvPr id="4" name="Content Placeholder 3"/>
+          <p:cNvPicPr>
+            <a:picLocks noGrp="1" noChangeAspect="1"/>
+          </p:cNvPicPr>
           <p:nvPr>
             <p:ph idx="1"/>
           </p:nvPr>
-        </p:nvSpPr>
-        <p:spPr/>
-        <p:txBody>
-          <a:bodyPr/>
-          <a:lstStyle/>
-          <a:p>
-            <a:r>
-              <a:rPr lang="en-US" dirty="0"/>
-              <a:t>PIE Project (Personal Interactive Expeditions)</a:t>
-            </a:r>
-          </a:p>
-          <a:p>
-            <a:r>
-              <a:rPr lang="en-US" dirty="0">
-                <a:latin typeface="Century Gothic" charset="0"/>
-              </a:rPr>
-              <a:t>Client: Dr. Yvonne </a:t>
-            </a:r>
-            <a:r>
-              <a:rPr lang="en-US" dirty="0" err="1">
-                <a:latin typeface="Century Gothic" charset="0"/>
-              </a:rPr>
-              <a:t>Chueh</a:t>
-            </a:r>
-            <a:endParaRPr lang="en-US" dirty="0">
-              <a:latin typeface="Century Gothic" charset="0"/>
-            </a:endParaRPr>
-          </a:p>
-          <a:p>
-            <a:r>
-              <a:rPr lang="en-US" dirty="0">
-                <a:latin typeface="Century Gothic" charset="0"/>
-              </a:rPr>
-              <a:t>Faculty Mentor: Dr.  Ed </a:t>
-            </a:r>
-            <a:r>
-              <a:rPr lang="en-US" dirty="0" err="1">
-                <a:latin typeface="Century Gothic" charset="0"/>
-              </a:rPr>
-              <a:t>Lulofs</a:t>
-            </a:r>
-            <a:endParaRPr lang="en-US" dirty="0">
-              <a:latin typeface="Century Gothic" charset="0"/>
-            </a:endParaRPr>
-          </a:p>
-          <a:p>
-            <a:r>
-              <a:rPr lang="en-US" dirty="0"/>
-              <a:t>Goal: To develop a website that will aid the elderly </a:t>
-            </a:r>
-            <a:r>
-              <a:rPr lang="en-US"/>
-              <a:t>community </a:t>
-            </a:r>
-            <a:r>
-              <a:rPr lang="en-US" smtClean="0"/>
-              <a:t>which </a:t>
-            </a:r>
-            <a:r>
-              <a:rPr lang="en-US" dirty="0"/>
-              <a:t>is facing social isolation.</a:t>
-            </a:r>
-          </a:p>
-          <a:p>
-            <a:pPr lvl="1"/>
-            <a:r>
-              <a:rPr lang="en-US" sz="1800" dirty="0"/>
-              <a:t>This site will promote social activities and outings</a:t>
-            </a:r>
-          </a:p>
-          <a:p>
-            <a:pPr lvl="1"/>
-            <a:r>
-              <a:rPr lang="en-US" sz="1800" dirty="0"/>
-              <a:t>The simple design should aid with navigation, scheduling, and more</a:t>
-            </a:r>
-          </a:p>
-          <a:p>
-            <a:endParaRPr lang="en-US" dirty="0"/>
-          </a:p>
-        </p:txBody>
-      </p:sp>
+        </p:nvPicPr>
+        <p:blipFill>
+          <a:blip r:embed="rId2">
+            <a:extLst>
+              <a:ext uri="{28A0092B-C50C-407E-A947-70E740481C1C}">
+                <a14:useLocalDpi xmlns:a14="http://schemas.microsoft.com/office/drawing/2010/main" val="0"/>
+              </a:ext>
+            </a:extLst>
+          </a:blip>
+          <a:stretch>
+            <a:fillRect/>
+          </a:stretch>
+        </p:blipFill>
+        <p:spPr>
+          <a:xfrm>
+            <a:off x="1507066" y="1264555"/>
+            <a:ext cx="9530777" cy="5576098"/>
+          </a:xfrm>
+        </p:spPr>
+      </p:pic>
     </p:spTree>
     <p:extLst>
       <p:ext uri="{BB962C8B-B14F-4D97-AF65-F5344CB8AC3E}">
-        <p14:creationId xmlns:p14="http://schemas.microsoft.com/office/powerpoint/2010/main" val="2318258539"/>
+        <p14:creationId xmlns:p14="http://schemas.microsoft.com/office/powerpoint/2010/main" val="520551229"/>
       </p:ext>
     </p:extLst>
   </p:cSld>
@@ -9234,7 +9654,7 @@
           <a:p>
             <a:r>
               <a:rPr lang="en-US" dirty="0" smtClean="0"/>
-              <a:t>Challenge</a:t>
+              <a:t>Project</a:t>
             </a:r>
             <a:endParaRPr lang="en-US" dirty="0"/>
           </a:p>
@@ -9256,33 +9676,77 @@
           <a:lstStyle/>
           <a:p>
             <a:r>
-              <a:rPr lang="en-US" dirty="0" smtClean="0"/>
-              <a:t>Seniors are facing social isolation</a:t>
-            </a:r>
-          </a:p>
-          <a:p>
-            <a:pPr marL="0" indent="0">
-              <a:buNone/>
-            </a:pPr>
-            <a:endParaRPr lang="en-US" dirty="0" smtClean="0"/>
-          </a:p>
-          <a:p>
-            <a:r>
-              <a:rPr lang="en-US" dirty="0" smtClean="0"/>
-              <a:t>No site designed for seniors to engage in social outings</a:t>
-            </a:r>
-          </a:p>
-          <a:p>
-            <a:pPr marL="0" indent="0">
-              <a:buNone/>
-            </a:pPr>
-            <a:endParaRPr lang="en-US" dirty="0" smtClean="0"/>
-          </a:p>
-          <a:p>
-            <a:r>
-              <a:rPr lang="en-US" dirty="0" smtClean="0"/>
-              <a:t>Current sites not tailored to meet challenges of aging community </a:t>
-            </a:r>
+              <a:rPr lang="en-US" dirty="0"/>
+              <a:t>PIE Project (Personal Interactive Expeditions)</a:t>
+            </a:r>
+          </a:p>
+          <a:p>
+            <a:r>
+              <a:rPr lang="en-US" dirty="0">
+                <a:latin typeface="Century Gothic" charset="0"/>
+              </a:rPr>
+              <a:t>Client: Dr. Yvonne </a:t>
+            </a:r>
+            <a:r>
+              <a:rPr lang="en-US" dirty="0" err="1">
+                <a:latin typeface="Century Gothic" charset="0"/>
+              </a:rPr>
+              <a:t>Chueh</a:t>
+            </a:r>
+            <a:endParaRPr lang="en-US" dirty="0">
+              <a:latin typeface="Century Gothic" charset="0"/>
+            </a:endParaRPr>
+          </a:p>
+          <a:p>
+            <a:r>
+              <a:rPr lang="en-US" dirty="0">
+                <a:latin typeface="Century Gothic" charset="0"/>
+              </a:rPr>
+              <a:t>Faculty Mentor: Dr.  Ed </a:t>
+            </a:r>
+            <a:r>
+              <a:rPr lang="en-US" dirty="0" err="1">
+                <a:latin typeface="Century Gothic" charset="0"/>
+              </a:rPr>
+              <a:t>Lulofs</a:t>
+            </a:r>
+            <a:endParaRPr lang="en-US" dirty="0">
+              <a:latin typeface="Century Gothic" charset="0"/>
+            </a:endParaRPr>
+          </a:p>
+          <a:p>
+            <a:r>
+              <a:rPr lang="en-US" dirty="0"/>
+              <a:t>Goal: To develop a website that will aid the elderly </a:t>
+            </a:r>
+            <a:r>
+              <a:rPr lang="en-US"/>
+              <a:t>community </a:t>
+            </a:r>
+            <a:r>
+              <a:rPr lang="en-US" smtClean="0"/>
+              <a:t>which </a:t>
+            </a:r>
+            <a:r>
+              <a:rPr lang="en-US" dirty="0"/>
+              <a:t>is facing social isolation.</a:t>
+            </a:r>
+          </a:p>
+          <a:p>
+            <a:pPr lvl="1"/>
+            <a:r>
+              <a:rPr lang="en-US" sz="1800" dirty="0"/>
+              <a:t>This site will promote social activities and outings</a:t>
+            </a:r>
+          </a:p>
+          <a:p>
+            <a:pPr lvl="1"/>
+            <a:r>
+              <a:rPr lang="en-US" sz="1800" dirty="0"/>
+              <a:t>The simple design should aid with navigation, scheduling, and more</a:t>
+            </a:r>
+          </a:p>
+          <a:p>
             <a:endParaRPr lang="en-US" dirty="0"/>
           </a:p>
         </p:txBody>
@@ -9290,7 +9754,7 @@
     </p:spTree>
     <p:extLst>
       <p:ext uri="{BB962C8B-B14F-4D97-AF65-F5344CB8AC3E}">
-        <p14:creationId xmlns:p14="http://schemas.microsoft.com/office/powerpoint/2010/main" val="2049749837"/>
+        <p14:creationId xmlns:p14="http://schemas.microsoft.com/office/powerpoint/2010/main" val="2318258539"/>
       </p:ext>
     </p:extLst>
   </p:cSld>
@@ -9334,7 +9798,7 @@
           <a:p>
             <a:r>
               <a:rPr lang="en-US" dirty="0" smtClean="0"/>
-              <a:t>Solution</a:t>
+              <a:t>Challenge</a:t>
             </a:r>
             <a:endParaRPr lang="en-US" dirty="0"/>
           </a:p>
@@ -9357,16 +9821,32 @@
           <a:p>
             <a:r>
               <a:rPr lang="en-US" dirty="0" smtClean="0"/>
-              <a:t>Developing a website that encompasses senior social activities locally.</a:t>
-            </a:r>
+              <a:t>Seniors are facing social isolation</a:t>
+            </a:r>
+          </a:p>
+          <a:p>
+            <a:pPr marL="0" indent="0">
+              <a:buNone/>
+            </a:pPr>
+            <a:endParaRPr lang="en-US" dirty="0" smtClean="0"/>
           </a:p>
           <a:p>
             <a:r>
               <a:rPr lang="en-US" dirty="0" smtClean="0"/>
-              <a:t>Minimize site learning curve </a:t>
-            </a:r>
-          </a:p>
-          <a:p>
+              <a:t>No site designed for seniors to engage in social outings</a:t>
+            </a:r>
+          </a:p>
+          <a:p>
+            <a:pPr marL="0" indent="0">
+              <a:buNone/>
+            </a:pPr>
+            <a:endParaRPr lang="en-US" dirty="0" smtClean="0"/>
+          </a:p>
+          <a:p>
+            <a:r>
+              <a:rPr lang="en-US" dirty="0" smtClean="0"/>
+              <a:t>Current sites not tailored to meet challenges of aging community </a:t>
+            </a:r>
             <a:endParaRPr lang="en-US" dirty="0"/>
           </a:p>
         </p:txBody>
@@ -9374,7 +9854,7 @@
     </p:spTree>
     <p:extLst>
       <p:ext uri="{BB962C8B-B14F-4D97-AF65-F5344CB8AC3E}">
-        <p14:creationId xmlns:p14="http://schemas.microsoft.com/office/powerpoint/2010/main" val="2031163149"/>
+        <p14:creationId xmlns:p14="http://schemas.microsoft.com/office/powerpoint/2010/main" val="2049749837"/>
       </p:ext>
     </p:extLst>
   </p:cSld>
@@ -9417,9 +9897,10 @@
           <a:lstStyle/>
           <a:p>
             <a:r>
-              <a:rPr lang="en-US" dirty="0"/>
-              <a:t>Requirements</a:t>
-            </a:r>
+              <a:rPr lang="en-US" dirty="0" smtClean="0"/>
+              <a:t>Solution</a:t>
+            </a:r>
+            <a:endParaRPr lang="en-US" dirty="0"/>
           </a:p>
         </p:txBody>
       </p:sp>
@@ -9435,64 +9916,50 @@
         </p:nvSpPr>
         <p:spPr/>
         <p:txBody>
-          <a:bodyPr vert="horz" lIns="91440" tIns="45720" rIns="91440" bIns="45720" rtlCol="0" anchor="t">
-            <a:normAutofit/>
-          </a:bodyPr>
-          <a:lstStyle/>
-          <a:p>
-            <a:r>
-              <a:rPr lang="en-US" dirty="0"/>
-              <a:t>Hardware and Software</a:t>
-            </a:r>
-          </a:p>
-          <a:p>
-            <a:pPr lvl="1"/>
-            <a:r>
-              <a:rPr lang="en-US" dirty="0">
-                <a:latin typeface="Century Gothic" charset="0"/>
-              </a:rPr>
-              <a:t>Computers with Widely-used Browsers Installed </a:t>
-            </a:r>
-          </a:p>
-          <a:p>
-            <a:pPr lvl="1"/>
-            <a:r>
-              <a:rPr lang="en-US" dirty="0">
-                <a:latin typeface="Century Gothic" charset="0"/>
-              </a:rPr>
-              <a:t>HTML, CSS, PHP, and SQL editors</a:t>
-            </a:r>
-          </a:p>
-          <a:p>
-            <a:r>
-              <a:rPr lang="en-US" dirty="0"/>
-              <a:t>User Interaction</a:t>
-            </a:r>
-          </a:p>
-          <a:p>
-            <a:r>
-              <a:rPr lang="en-US" dirty="0"/>
-              <a:t>Functional Requirements</a:t>
-            </a:r>
-          </a:p>
-          <a:p>
-            <a:r>
-              <a:rPr lang="en-US" dirty="0"/>
-              <a:t>Nonfunctional Requirements</a:t>
-            </a:r>
-          </a:p>
-          <a:p>
-            <a:r>
-              <a:rPr lang="en-US" dirty="0"/>
-              <a:t>Feasibility</a:t>
-            </a:r>
+          <a:bodyPr/>
+          <a:lstStyle/>
+          <a:p>
+            <a:r>
+              <a:rPr lang="en-US" dirty="0" smtClean="0"/>
+              <a:t>Developing a website that encompasses senior social activities locally</a:t>
+            </a:r>
+            <a:r>
+              <a:rPr lang="en-US" dirty="0" smtClean="0"/>
+              <a:t>.</a:t>
+            </a:r>
+          </a:p>
+          <a:p>
+            <a:pPr marL="0" indent="0">
+              <a:buNone/>
+            </a:pPr>
+            <a:endParaRPr lang="en-US" dirty="0" smtClean="0"/>
+          </a:p>
+          <a:p>
+            <a:r>
+              <a:rPr lang="en-US" dirty="0" smtClean="0"/>
+              <a:t>Minimize site learning curve </a:t>
+            </a:r>
+            <a:endParaRPr lang="en-US" dirty="0" smtClean="0"/>
+          </a:p>
+          <a:p>
+            <a:endParaRPr lang="en-US" dirty="0"/>
+          </a:p>
+          <a:p>
+            <a:r>
+              <a:rPr lang="en-US" dirty="0" smtClean="0"/>
+              <a:t>Connect with local businesses to promote events</a:t>
+            </a:r>
+            <a:endParaRPr lang="en-US" dirty="0" smtClean="0"/>
+          </a:p>
+          <a:p>
+            <a:endParaRPr lang="en-US" dirty="0"/>
           </a:p>
         </p:txBody>
       </p:sp>
     </p:spTree>
     <p:extLst>
       <p:ext uri="{BB962C8B-B14F-4D97-AF65-F5344CB8AC3E}">
-        <p14:creationId xmlns:p14="http://schemas.microsoft.com/office/powerpoint/2010/main" val="1876008888"/>
+        <p14:creationId xmlns:p14="http://schemas.microsoft.com/office/powerpoint/2010/main" val="2031163149"/>
       </p:ext>
     </p:extLst>
   </p:cSld>
@@ -9526,7 +9993,7 @@
             <a:spLocks noGrp="1"/>
           </p:cNvSpPr>
           <p:nvPr>
-            <p:ph type="title"/>
+            <p:ph type="ctrTitle"/>
           </p:nvPr>
         </p:nvSpPr>
         <p:spPr/>
@@ -9535,87 +10002,43 @@
           <a:lstStyle/>
           <a:p>
             <a:r>
-              <a:rPr lang="en-US" dirty="0"/>
-              <a:t>Project Management Plan</a:t>
-            </a:r>
-          </a:p>
-        </p:txBody>
-      </p:sp>
-      <p:sp>
-        <p:nvSpPr>
-          <p:cNvPr id="3" name="Content Placeholder 2"/>
-          <p:cNvSpPr>
-            <a:spLocks noGrp="1"/>
-          </p:cNvSpPr>
-          <p:nvPr>
-            <p:ph idx="1"/>
+              <a:rPr lang="en-US" dirty="0" smtClean="0"/>
+              <a:t>ABOVE INTRO</a:t>
+            </a:r>
+            <a:br>
+              <a:rPr lang="en-US" dirty="0" smtClean="0"/>
+            </a:br>
+            <a:r>
+              <a:rPr lang="en-US" dirty="0" smtClean="0"/>
+              <a:t>BELOW PROJECT REQS</a:t>
+            </a:r>
+            <a:endParaRPr lang="en-US" dirty="0"/>
+          </a:p>
+        </p:txBody>
+      </p:sp>
+      <p:sp>
+        <p:nvSpPr>
+          <p:cNvPr id="3" name="Subtitle 2"/>
+          <p:cNvSpPr>
+            <a:spLocks noGrp="1"/>
+          </p:cNvSpPr>
+          <p:nvPr>
+            <p:ph type="subTitle" idx="1"/>
           </p:nvPr>
         </p:nvSpPr>
         <p:spPr/>
         <p:txBody>
-          <a:bodyPr vert="horz" lIns="91440" tIns="45720" rIns="91440" bIns="45720" rtlCol="0" anchor="t">
-            <a:normAutofit/>
-          </a:bodyPr>
-          <a:lstStyle/>
-          <a:p>
-            <a:r>
-              <a:rPr lang="en-US" dirty="0"/>
-              <a:t>Project Organization</a:t>
-            </a:r>
-          </a:p>
-          <a:p>
-            <a:pPr lvl="1"/>
-            <a:r>
-              <a:rPr lang="en-US" sz="1800" dirty="0" smtClean="0"/>
-              <a:t>Scrum/Kanban process (Trello)</a:t>
-            </a:r>
-            <a:endParaRPr lang="en-US" sz="1800" dirty="0"/>
-          </a:p>
-          <a:p>
-            <a:r>
-              <a:rPr lang="en-US" dirty="0"/>
-              <a:t>Risk Analysis</a:t>
-            </a:r>
-          </a:p>
-          <a:p>
-            <a:pPr lvl="1"/>
-            <a:r>
-              <a:rPr lang="en-US" sz="1800" dirty="0"/>
-              <a:t>Feature Overload</a:t>
-            </a:r>
-          </a:p>
-          <a:p>
-            <a:r>
-              <a:rPr lang="en-US" dirty="0"/>
-              <a:t>Hardware/Software Requirements</a:t>
-            </a:r>
-          </a:p>
-          <a:p>
-            <a:r>
-              <a:rPr lang="en-US" dirty="0"/>
-              <a:t>Project Schedule</a:t>
-            </a:r>
-          </a:p>
-          <a:p>
-            <a:pPr lvl="1"/>
-            <a:r>
-              <a:rPr lang="en-US" sz="1800" dirty="0"/>
-              <a:t>Reach new milestones each 2-week sprint</a:t>
-            </a:r>
-          </a:p>
-          <a:p>
-            <a:pPr lvl="1"/>
-            <a:r>
-              <a:rPr lang="en-US" sz="1800" dirty="0"/>
-              <a:t>SCRUM meetings and Client Meetings</a:t>
-            </a:r>
+          <a:bodyPr/>
+          <a:lstStyle/>
+          <a:p>
+            <a:endParaRPr lang="en-US"/>
           </a:p>
         </p:txBody>
       </p:sp>
     </p:spTree>
     <p:extLst>
       <p:ext uri="{BB962C8B-B14F-4D97-AF65-F5344CB8AC3E}">
-        <p14:creationId xmlns:p14="http://schemas.microsoft.com/office/powerpoint/2010/main" val="1768054810"/>
+        <p14:creationId xmlns:p14="http://schemas.microsoft.com/office/powerpoint/2010/main" val="91013316"/>
       </p:ext>
     </p:extLst>
   </p:cSld>
@@ -9658,10 +10081,9 @@
           <a:lstStyle/>
           <a:p>
             <a:r>
-              <a:rPr lang="en-US" dirty="0" smtClean="0"/>
-              <a:t>QA Plan</a:t>
-            </a:r>
-            <a:endParaRPr lang="en-US" dirty="0"/>
+              <a:rPr lang="en-US" dirty="0"/>
+              <a:t>Requirements</a:t>
+            </a:r>
           </a:p>
         </p:txBody>
       </p:sp>
@@ -9677,17 +10099,85 @@
         </p:nvSpPr>
         <p:spPr/>
         <p:txBody>
-          <a:bodyPr/>
-          <a:lstStyle/>
-          <a:p>
-            <a:endParaRPr lang="en-US"/>
+          <a:bodyPr vert="horz" lIns="91440" tIns="45720" rIns="91440" bIns="45720" rtlCol="0" anchor="t">
+            <a:normAutofit/>
+          </a:bodyPr>
+          <a:lstStyle/>
+          <a:p>
+            <a:r>
+              <a:rPr lang="en-US" dirty="0"/>
+              <a:t>Hardware and Software</a:t>
+            </a:r>
+          </a:p>
+          <a:p>
+            <a:pPr lvl="1"/>
+            <a:r>
+              <a:rPr lang="en-US" dirty="0">
+                <a:latin typeface="Century Gothic" charset="0"/>
+              </a:rPr>
+              <a:t>Computers with Widely-used Browsers Installed </a:t>
+            </a:r>
+          </a:p>
+          <a:p>
+            <a:pPr lvl="1"/>
+            <a:r>
+              <a:rPr lang="en-US" dirty="0">
+                <a:latin typeface="Century Gothic" charset="0"/>
+              </a:rPr>
+              <a:t>HTML, CSS</a:t>
+            </a:r>
+            <a:r>
+              <a:rPr lang="en-US" dirty="0" smtClean="0">
+                <a:latin typeface="Century Gothic" charset="0"/>
+              </a:rPr>
+              <a:t>, JavaScript, </a:t>
+            </a:r>
+            <a:r>
+              <a:rPr lang="en-US" dirty="0">
+                <a:latin typeface="Century Gothic" charset="0"/>
+              </a:rPr>
+              <a:t>PHP, and </a:t>
+            </a:r>
+            <a:r>
+              <a:rPr lang="en-US" dirty="0" smtClean="0">
+                <a:latin typeface="Century Gothic" charset="0"/>
+              </a:rPr>
+              <a:t>MySQL</a:t>
+            </a:r>
+            <a:endParaRPr lang="en-US" dirty="0">
+              <a:latin typeface="Century Gothic" charset="0"/>
+            </a:endParaRPr>
+          </a:p>
+          <a:p>
+            <a:r>
+              <a:rPr lang="en-US" dirty="0"/>
+              <a:t>User Interaction</a:t>
+            </a:r>
+          </a:p>
+          <a:p>
+            <a:r>
+              <a:rPr lang="en-US" dirty="0"/>
+              <a:t>Functional Requirements</a:t>
+            </a:r>
+          </a:p>
+          <a:p>
+            <a:r>
+              <a:rPr lang="en-US" dirty="0"/>
+              <a:t>Nonfunctional Requirements</a:t>
+            </a:r>
+          </a:p>
+          <a:p>
+            <a:r>
+              <a:rPr lang="en-US" dirty="0"/>
+              <a:t>Feasibility</a:t>
+            </a:r>
           </a:p>
         </p:txBody>
       </p:sp>
     </p:spTree>
     <p:extLst>
       <p:ext uri="{BB962C8B-B14F-4D97-AF65-F5344CB8AC3E}">
-        <p14:creationId xmlns:p14="http://schemas.microsoft.com/office/powerpoint/2010/main" val="4148209602"/>
+        <p14:creationId xmlns:p14="http://schemas.microsoft.com/office/powerpoint/2010/main" val="1876008888"/>
       </p:ext>
     </p:extLst>
   </p:cSld>

--- a/Presentation/12.8.15 Presentation (Revised).pptx
+++ b/Presentation/12.8.15 Presentation (Revised).pptx
@@ -5,7 +5,7 @@
     <p:sldMasterId id="2147483648" r:id="rId1"/>
   </p:sldMasterIdLst>
   <p:notesMasterIdLst>
-    <p:notesMasterId r:id="rId19"/>
+    <p:notesMasterId r:id="rId21"/>
   </p:notesMasterIdLst>
   <p:sldIdLst>
     <p:sldId id="256" r:id="rId2"/>
@@ -17,14 +17,16 @@
     <p:sldId id="265" r:id="rId8"/>
     <p:sldId id="269" r:id="rId9"/>
     <p:sldId id="260" r:id="rId10"/>
-    <p:sldId id="258" r:id="rId11"/>
-    <p:sldId id="270" r:id="rId12"/>
-    <p:sldId id="262" r:id="rId13"/>
-    <p:sldId id="266" r:id="rId14"/>
-    <p:sldId id="272" r:id="rId15"/>
-    <p:sldId id="273" r:id="rId16"/>
-    <p:sldId id="267" r:id="rId17"/>
-    <p:sldId id="271" r:id="rId18"/>
+    <p:sldId id="274" r:id="rId11"/>
+    <p:sldId id="275" r:id="rId12"/>
+    <p:sldId id="258" r:id="rId13"/>
+    <p:sldId id="270" r:id="rId14"/>
+    <p:sldId id="262" r:id="rId15"/>
+    <p:sldId id="266" r:id="rId16"/>
+    <p:sldId id="272" r:id="rId17"/>
+    <p:sldId id="273" r:id="rId18"/>
+    <p:sldId id="267" r:id="rId19"/>
+    <p:sldId id="271" r:id="rId20"/>
   </p:sldIdLst>
   <p:sldSz cx="12192000" cy="6858000"/>
   <p:notesSz cx="6858000" cy="9144000"/>
@@ -914,7 +916,7 @@
           <a:p>
             <a:fld id="{7D90AB93-7EBB-40C3-AABE-B1527F40B7D6}" type="slidenum">
               <a:rPr lang="en-US"/>
-              <a:t>10</a:t>
+              <a:t>12</a:t>
             </a:fld>
             <a:endParaRPr lang="en-US"/>
           </a:p>
@@ -998,7 +1000,7 @@
           <a:p>
             <a:fld id="{7D90AB93-7EBB-40C3-AABE-B1527F40B7D6}" type="slidenum">
               <a:rPr lang="en-US"/>
-              <a:t>12</a:t>
+              <a:t>14</a:t>
             </a:fld>
             <a:endParaRPr lang="en-US"/>
           </a:p>
@@ -8660,9 +8662,10 @@
           <a:lstStyle/>
           <a:p>
             <a:r>
-              <a:rPr lang="en-US" dirty="0"/>
-              <a:t>Project Management Plan</a:t>
-            </a:r>
+              <a:rPr lang="en-US" dirty="0" smtClean="0"/>
+              <a:t>Hardware and Software</a:t>
+            </a:r>
+            <a:endParaRPr lang="en-US" dirty="0"/>
           </a:p>
         </p:txBody>
       </p:sp>
@@ -8678,69 +8681,48 @@
         </p:nvSpPr>
         <p:spPr/>
         <p:txBody>
-          <a:bodyPr vert="horz" lIns="91440" tIns="45720" rIns="91440" bIns="45720" rtlCol="0" anchor="t">
-            <a:normAutofit/>
-          </a:bodyPr>
-          <a:lstStyle/>
-          <a:p>
-            <a:r>
-              <a:rPr lang="en-US" dirty="0"/>
-              <a:t>Project Organization</a:t>
-            </a:r>
-          </a:p>
-          <a:p>
-            <a:pPr lvl="1"/>
-            <a:r>
-              <a:rPr lang="en-US" sz="1800" dirty="0" smtClean="0"/>
-              <a:t>Scrum/Kanban process (Trello)</a:t>
-            </a:r>
-            <a:endParaRPr lang="en-US" sz="1800" dirty="0"/>
-          </a:p>
-          <a:p>
-            <a:r>
-              <a:rPr lang="en-US" dirty="0"/>
-              <a:t>Risk Analysis</a:t>
-            </a:r>
-          </a:p>
-          <a:p>
-            <a:pPr lvl="1"/>
-            <a:r>
-              <a:rPr lang="en-US" sz="1800" dirty="0"/>
-              <a:t>Feature Overload</a:t>
-            </a:r>
-          </a:p>
-          <a:p>
-            <a:r>
-              <a:rPr lang="en-US" dirty="0"/>
-              <a:t>Hardware/Software Requirements</a:t>
-            </a:r>
-          </a:p>
-          <a:p>
-            <a:r>
-              <a:rPr lang="en-US" dirty="0"/>
-              <a:t>Project Schedule</a:t>
-            </a:r>
-          </a:p>
-          <a:p>
-            <a:pPr lvl="1"/>
-            <a:r>
-              <a:rPr lang="en-US" sz="1800" dirty="0"/>
-              <a:t>Reach new milestones each 2-week sprint</a:t>
-            </a:r>
-          </a:p>
-          <a:p>
-            <a:pPr lvl="1"/>
-            <a:r>
-              <a:rPr lang="en-US" sz="1800" dirty="0"/>
-              <a:t>SCRUM meetings and Client Meetings</a:t>
-            </a:r>
+          <a:bodyPr/>
+          <a:lstStyle/>
+          <a:p>
+            <a:r>
+              <a:rPr lang="en-US" dirty="0" smtClean="0"/>
+              <a:t>Optimize for most prominent browser.</a:t>
+            </a:r>
+          </a:p>
+          <a:p>
+            <a:r>
+              <a:rPr lang="en-US" dirty="0" smtClean="0"/>
+              <a:t>Compatible with older versions. </a:t>
+            </a:r>
+            <a:endParaRPr lang="en-US" dirty="0"/>
+          </a:p>
+          <a:p>
+            <a:r>
+              <a:rPr lang="en-US" dirty="0" smtClean="0"/>
+              <a:t>Using HTML, CSS, JavaScript, PHP, MySQL</a:t>
+            </a:r>
+          </a:p>
+          <a:p>
+            <a:r>
+              <a:rPr lang="en-US" dirty="0" smtClean="0"/>
+              <a:t>MySQL Database</a:t>
+            </a:r>
+          </a:p>
+          <a:p>
+            <a:r>
+              <a:rPr lang="en-US" dirty="0" smtClean="0"/>
+              <a:t>Hosting site</a:t>
+            </a:r>
+          </a:p>
+          <a:p>
+            <a:endParaRPr lang="en-US" dirty="0"/>
           </a:p>
         </p:txBody>
       </p:sp>
     </p:spTree>
     <p:extLst>
       <p:ext uri="{BB962C8B-B14F-4D97-AF65-F5344CB8AC3E}">
-        <p14:creationId xmlns:p14="http://schemas.microsoft.com/office/powerpoint/2010/main" val="1768054810"/>
+        <p14:creationId xmlns:p14="http://schemas.microsoft.com/office/powerpoint/2010/main" val="2349178812"/>
       </p:ext>
     </p:extLst>
   </p:cSld>
@@ -8774,7 +8756,7 @@
             <a:spLocks noGrp="1"/>
           </p:cNvSpPr>
           <p:nvPr>
-            <p:ph type="ctrTitle"/>
+            <p:ph type="title"/>
           </p:nvPr>
         </p:nvSpPr>
         <p:spPr/>
@@ -8784,42 +8766,87 @@
           <a:p>
             <a:r>
               <a:rPr lang="en-US" dirty="0" smtClean="0"/>
-              <a:t>REQS ABOVE</a:t>
-            </a:r>
-            <a:br>
+              <a:t>Project Requirements</a:t>
+            </a:r>
+            <a:endParaRPr lang="en-US" dirty="0"/>
+          </a:p>
+        </p:txBody>
+      </p:sp>
+      <p:sp>
+        <p:nvSpPr>
+          <p:cNvPr id="3" name="Content Placeholder 2"/>
+          <p:cNvSpPr>
+            <a:spLocks noGrp="1"/>
+          </p:cNvSpPr>
+          <p:nvPr>
+            <p:ph idx="1"/>
+          </p:nvPr>
+        </p:nvSpPr>
+        <p:spPr/>
+        <p:txBody>
+          <a:bodyPr/>
+          <a:lstStyle/>
+          <a:p>
+            <a:r>
+              <a:rPr lang="en-US" dirty="0"/>
+              <a:t>Easy to use </a:t>
+            </a:r>
+            <a:r>
               <a:rPr lang="en-US" dirty="0" smtClean="0"/>
-            </a:br>
+              <a:t>interface</a:t>
+            </a:r>
+          </a:p>
+          <a:p>
             <a:r>
               <a:rPr lang="en-US" dirty="0" smtClean="0"/>
-              <a:t>PROTOTYPE DEMO BELOW</a:t>
-            </a:r>
+              <a:t>Create account</a:t>
+            </a:r>
+          </a:p>
+          <a:p>
+            <a:r>
+              <a:rPr lang="en-US" dirty="0" smtClean="0"/>
+              <a:t>Create Groups</a:t>
+            </a:r>
+          </a:p>
+          <a:p>
+            <a:r>
+              <a:rPr lang="en-US" dirty="0" smtClean="0"/>
+              <a:t>Create Events</a:t>
+            </a:r>
+          </a:p>
+          <a:p>
+            <a:r>
+              <a:rPr lang="en-US" dirty="0" smtClean="0"/>
+              <a:t>Invite Family/Friends</a:t>
+            </a:r>
+          </a:p>
+          <a:p>
+            <a:r>
+              <a:rPr lang="en-US" dirty="0" smtClean="0"/>
+              <a:t>Post and share photos</a:t>
+            </a:r>
+          </a:p>
+          <a:p>
+            <a:r>
+              <a:rPr lang="en-US" dirty="0" smtClean="0"/>
+              <a:t>View local events</a:t>
+            </a:r>
+          </a:p>
+          <a:p>
+            <a:r>
+              <a:rPr lang="en-US" dirty="0" smtClean="0"/>
+              <a:t>Special local deals</a:t>
+            </a:r>
+          </a:p>
+          <a:p>
             <a:endParaRPr lang="en-US" dirty="0"/>
-          </a:p>
-        </p:txBody>
-      </p:sp>
-      <p:sp>
-        <p:nvSpPr>
-          <p:cNvPr id="3" name="Subtitle 2"/>
-          <p:cNvSpPr>
-            <a:spLocks noGrp="1"/>
-          </p:cNvSpPr>
-          <p:nvPr>
-            <p:ph type="subTitle" idx="1"/>
-          </p:nvPr>
-        </p:nvSpPr>
-        <p:spPr/>
-        <p:txBody>
-          <a:bodyPr/>
-          <a:lstStyle/>
-          <a:p>
-            <a:endParaRPr lang="en-US"/>
           </a:p>
         </p:txBody>
       </p:sp>
     </p:spTree>
     <p:extLst>
       <p:ext uri="{BB962C8B-B14F-4D97-AF65-F5344CB8AC3E}">
-        <p14:creationId xmlns:p14="http://schemas.microsoft.com/office/powerpoint/2010/main" val="51987764"/>
+        <p14:creationId xmlns:p14="http://schemas.microsoft.com/office/powerpoint/2010/main" val="3788729043"/>
       </p:ext>
     </p:extLst>
   </p:cSld>
@@ -8863,7 +8890,7 @@
           <a:p>
             <a:r>
               <a:rPr lang="en-US" dirty="0"/>
-              <a:t>Prototype</a:t>
+              <a:t>Project Management Plan</a:t>
             </a:r>
           </a:p>
         </p:txBody>
@@ -8880,17 +8907,69 @@
         </p:nvSpPr>
         <p:spPr/>
         <p:txBody>
-          <a:bodyPr/>
-          <a:lstStyle/>
-          <a:p>
-            <a:endParaRPr lang="en-US"/>
+          <a:bodyPr vert="horz" lIns="91440" tIns="45720" rIns="91440" bIns="45720" rtlCol="0" anchor="t">
+            <a:normAutofit/>
+          </a:bodyPr>
+          <a:lstStyle/>
+          <a:p>
+            <a:r>
+              <a:rPr lang="en-US" dirty="0"/>
+              <a:t>Project Organization</a:t>
+            </a:r>
+          </a:p>
+          <a:p>
+            <a:pPr lvl="1"/>
+            <a:r>
+              <a:rPr lang="en-US" sz="1800" dirty="0" smtClean="0"/>
+              <a:t>Scrum/Kanban process (Trello)</a:t>
+            </a:r>
+            <a:endParaRPr lang="en-US" sz="1800" dirty="0"/>
+          </a:p>
+          <a:p>
+            <a:r>
+              <a:rPr lang="en-US" dirty="0"/>
+              <a:t>Risk Analysis</a:t>
+            </a:r>
+          </a:p>
+          <a:p>
+            <a:pPr lvl="1"/>
+            <a:r>
+              <a:rPr lang="en-US" sz="1800" dirty="0"/>
+              <a:t>Feature Overload</a:t>
+            </a:r>
+          </a:p>
+          <a:p>
+            <a:r>
+              <a:rPr lang="en-US" dirty="0"/>
+              <a:t>Hardware/Software Requirements</a:t>
+            </a:r>
+          </a:p>
+          <a:p>
+            <a:r>
+              <a:rPr lang="en-US" dirty="0"/>
+              <a:t>Project Schedule</a:t>
+            </a:r>
+          </a:p>
+          <a:p>
+            <a:pPr lvl="1"/>
+            <a:r>
+              <a:rPr lang="en-US" sz="1800" dirty="0"/>
+              <a:t>Reach new milestones each 2-week sprint</a:t>
+            </a:r>
+          </a:p>
+          <a:p>
+            <a:pPr lvl="1"/>
+            <a:r>
+              <a:rPr lang="en-US" sz="1800" dirty="0"/>
+              <a:t>SCRUM meetings and Client Meetings</a:t>
+            </a:r>
           </a:p>
         </p:txBody>
       </p:sp>
     </p:spTree>
     <p:extLst>
       <p:ext uri="{BB962C8B-B14F-4D97-AF65-F5344CB8AC3E}">
-        <p14:creationId xmlns:p14="http://schemas.microsoft.com/office/powerpoint/2010/main" val="2018556856"/>
+        <p14:creationId xmlns:p14="http://schemas.microsoft.com/office/powerpoint/2010/main" val="1768054810"/>
       </p:ext>
     </p:extLst>
   </p:cSld>
@@ -8924,7 +9003,7 @@
             <a:spLocks noGrp="1"/>
           </p:cNvSpPr>
           <p:nvPr>
-            <p:ph type="title"/>
+            <p:ph type="ctrTitle"/>
           </p:nvPr>
         </p:nvSpPr>
         <p:spPr/>
@@ -8934,14 +9013,14 @@
           <a:p>
             <a:r>
               <a:rPr lang="en-US" dirty="0" smtClean="0"/>
-              <a:t>PROTOTYPE ABOVE</a:t>
+              <a:t>REQS ABOVE</a:t>
             </a:r>
             <a:br>
               <a:rPr lang="en-US" dirty="0" smtClean="0"/>
             </a:br>
             <a:r>
               <a:rPr lang="en-US" dirty="0" smtClean="0"/>
-              <a:t>QA RISK ANALYSIS BELOW</a:t>
+              <a:t>PROTOTYPE DEMO BELOW</a:t>
             </a:r>
             <a:endParaRPr lang="en-US" dirty="0"/>
           </a:p>
@@ -8949,12 +9028,12 @@
       </p:sp>
       <p:sp>
         <p:nvSpPr>
-          <p:cNvPr id="3" name="Content Placeholder 2"/>
-          <p:cNvSpPr>
-            <a:spLocks noGrp="1"/>
-          </p:cNvSpPr>
-          <p:nvPr>
-            <p:ph idx="1"/>
+          <p:cNvPr id="3" name="Subtitle 2"/>
+          <p:cNvSpPr>
+            <a:spLocks noGrp="1"/>
+          </p:cNvSpPr>
+          <p:nvPr>
+            <p:ph type="subTitle" idx="1"/>
           </p:nvPr>
         </p:nvSpPr>
         <p:spPr/>
@@ -8962,14 +9041,14 @@
           <a:bodyPr/>
           <a:lstStyle/>
           <a:p>
-            <a:endParaRPr lang="en-US" dirty="0"/>
+            <a:endParaRPr lang="en-US"/>
           </a:p>
         </p:txBody>
       </p:sp>
     </p:spTree>
     <p:extLst>
       <p:ext uri="{BB962C8B-B14F-4D97-AF65-F5344CB8AC3E}">
-        <p14:creationId xmlns:p14="http://schemas.microsoft.com/office/powerpoint/2010/main" val="4148209602"/>
+        <p14:creationId xmlns:p14="http://schemas.microsoft.com/office/powerpoint/2010/main" val="51987764"/>
       </p:ext>
     </p:extLst>
   </p:cSld>
@@ -9012,10 +9091,9 @@
           <a:lstStyle/>
           <a:p>
             <a:r>
-              <a:rPr lang="en-US" dirty="0" smtClean="0"/>
-              <a:t>QUALITY ASSURANCE</a:t>
-            </a:r>
-            <a:endParaRPr lang="en-US" dirty="0"/>
+              <a:rPr lang="en-US" dirty="0"/>
+              <a:t>Prototype</a:t>
+            </a:r>
           </a:p>
         </p:txBody>
       </p:sp>
@@ -9041,7 +9119,7 @@
     </p:spTree>
     <p:extLst>
       <p:ext uri="{BB962C8B-B14F-4D97-AF65-F5344CB8AC3E}">
-        <p14:creationId xmlns:p14="http://schemas.microsoft.com/office/powerpoint/2010/main" val="3755474298"/>
+        <p14:creationId xmlns:p14="http://schemas.microsoft.com/office/powerpoint/2010/main" val="2018556856"/>
       </p:ext>
     </p:extLst>
   </p:cSld>
@@ -9083,7 +9161,18 @@
           <a:bodyPr/>
           <a:lstStyle/>
           <a:p>
-            <a:endParaRPr lang="en-US"/>
+            <a:r>
+              <a:rPr lang="en-US" dirty="0" smtClean="0"/>
+              <a:t>PROTOTYPE ABOVE</a:t>
+            </a:r>
+            <a:br>
+              <a:rPr lang="en-US" dirty="0" smtClean="0"/>
+            </a:br>
+            <a:r>
+              <a:rPr lang="en-US" dirty="0" smtClean="0"/>
+              <a:t>QA RISK ANALYSIS BELOW</a:t>
+            </a:r>
+            <a:endParaRPr lang="en-US" dirty="0"/>
           </a:p>
         </p:txBody>
       </p:sp>
@@ -9109,7 +9198,7 @@
     </p:spTree>
     <p:extLst>
       <p:ext uri="{BB962C8B-B14F-4D97-AF65-F5344CB8AC3E}">
-        <p14:creationId xmlns:p14="http://schemas.microsoft.com/office/powerpoint/2010/main" val="3968799973"/>
+        <p14:creationId xmlns:p14="http://schemas.microsoft.com/office/powerpoint/2010/main" val="4148209602"/>
       </p:ext>
     </p:extLst>
   </p:cSld>
@@ -9153,6 +9242,150 @@
           <a:p>
             <a:r>
               <a:rPr lang="en-US" dirty="0" smtClean="0"/>
+              <a:t>QUALITY ASSURANCE</a:t>
+            </a:r>
+            <a:endParaRPr lang="en-US" dirty="0"/>
+          </a:p>
+        </p:txBody>
+      </p:sp>
+      <p:sp>
+        <p:nvSpPr>
+          <p:cNvPr id="3" name="Content Placeholder 2"/>
+          <p:cNvSpPr>
+            <a:spLocks noGrp="1"/>
+          </p:cNvSpPr>
+          <p:nvPr>
+            <p:ph idx="1"/>
+          </p:nvPr>
+        </p:nvSpPr>
+        <p:spPr/>
+        <p:txBody>
+          <a:bodyPr/>
+          <a:lstStyle/>
+          <a:p>
+            <a:endParaRPr lang="en-US"/>
+          </a:p>
+        </p:txBody>
+      </p:sp>
+    </p:spTree>
+    <p:extLst>
+      <p:ext uri="{BB962C8B-B14F-4D97-AF65-F5344CB8AC3E}">
+        <p14:creationId xmlns:p14="http://schemas.microsoft.com/office/powerpoint/2010/main" val="3755474298"/>
+      </p:ext>
+    </p:extLst>
+  </p:cSld>
+  <p:clrMapOvr>
+    <a:masterClrMapping/>
+  </p:clrMapOvr>
+</p:sld>
+</file>
+
+<file path=ppt/slides/slide17.xml><?xml version="1.0" encoding="utf-8"?>
+<p:sld xmlns:a="http://schemas.openxmlformats.org/drawingml/2006/main" xmlns:r="http://schemas.openxmlformats.org/officeDocument/2006/relationships" xmlns:p="http://schemas.openxmlformats.org/presentationml/2006/main">
+  <p:cSld>
+    <p:spTree>
+      <p:nvGrpSpPr>
+        <p:cNvPr id="1" name=""/>
+        <p:cNvGrpSpPr/>
+        <p:nvPr/>
+      </p:nvGrpSpPr>
+      <p:grpSpPr>
+        <a:xfrm>
+          <a:off x="0" y="0"/>
+          <a:ext cx="0" cy="0"/>
+          <a:chOff x="0" y="0"/>
+          <a:chExt cx="0" cy="0"/>
+        </a:xfrm>
+      </p:grpSpPr>
+      <p:sp>
+        <p:nvSpPr>
+          <p:cNvPr id="2" name="Title 1"/>
+          <p:cNvSpPr>
+            <a:spLocks noGrp="1"/>
+          </p:cNvSpPr>
+          <p:nvPr>
+            <p:ph type="title"/>
+          </p:nvPr>
+        </p:nvSpPr>
+        <p:spPr/>
+        <p:txBody>
+          <a:bodyPr/>
+          <a:lstStyle/>
+          <a:p>
+            <a:r>
+              <a:rPr lang="en-US" dirty="0" smtClean="0"/>
+              <a:t>Risk Analysis</a:t>
+            </a:r>
+            <a:endParaRPr lang="en-US" dirty="0"/>
+          </a:p>
+        </p:txBody>
+      </p:sp>
+      <p:sp>
+        <p:nvSpPr>
+          <p:cNvPr id="3" name="Content Placeholder 2"/>
+          <p:cNvSpPr>
+            <a:spLocks noGrp="1"/>
+          </p:cNvSpPr>
+          <p:nvPr>
+            <p:ph idx="1"/>
+          </p:nvPr>
+        </p:nvSpPr>
+        <p:spPr/>
+        <p:txBody>
+          <a:bodyPr/>
+          <a:lstStyle/>
+          <a:p>
+            <a:endParaRPr lang="en-US" dirty="0"/>
+          </a:p>
+        </p:txBody>
+      </p:sp>
+    </p:spTree>
+    <p:extLst>
+      <p:ext uri="{BB962C8B-B14F-4D97-AF65-F5344CB8AC3E}">
+        <p14:creationId xmlns:p14="http://schemas.microsoft.com/office/powerpoint/2010/main" val="3968799973"/>
+      </p:ext>
+    </p:extLst>
+  </p:cSld>
+  <p:clrMapOvr>
+    <a:masterClrMapping/>
+  </p:clrMapOvr>
+</p:sld>
+</file>
+
+<file path=ppt/slides/slide18.xml><?xml version="1.0" encoding="utf-8"?>
+<p:sld xmlns:a="http://schemas.openxmlformats.org/drawingml/2006/main" xmlns:r="http://schemas.openxmlformats.org/officeDocument/2006/relationships" xmlns:p="http://schemas.openxmlformats.org/presentationml/2006/main">
+  <p:cSld>
+    <p:spTree>
+      <p:nvGrpSpPr>
+        <p:cNvPr id="1" name=""/>
+        <p:cNvGrpSpPr/>
+        <p:nvPr/>
+      </p:nvGrpSpPr>
+      <p:grpSpPr>
+        <a:xfrm>
+          <a:off x="0" y="0"/>
+          <a:ext cx="0" cy="0"/>
+          <a:chOff x="0" y="0"/>
+          <a:chExt cx="0" cy="0"/>
+        </a:xfrm>
+      </p:grpSpPr>
+      <p:sp>
+        <p:nvSpPr>
+          <p:cNvPr id="2" name="Title 1"/>
+          <p:cNvSpPr>
+            <a:spLocks noGrp="1"/>
+          </p:cNvSpPr>
+          <p:nvPr>
+            <p:ph type="title"/>
+          </p:nvPr>
+        </p:nvSpPr>
+        <p:spPr/>
+        <p:txBody>
+          <a:bodyPr/>
+          <a:lstStyle/>
+          <a:p>
+            <a:r>
+              <a:rPr lang="en-US" dirty="0" smtClean="0"/>
               <a:t>Conclusion</a:t>
             </a:r>
             <a:endParaRPr lang="en-US" dirty="0"/>
@@ -9191,7 +9424,7 @@
 </p:sld>
 </file>
 
-<file path=ppt/slides/slide17.xml><?xml version="1.0" encoding="utf-8"?>
+<file path=ppt/slides/slide19.xml><?xml version="1.0" encoding="utf-8"?>
 <p:sld xmlns:a="http://schemas.openxmlformats.org/drawingml/2006/main" xmlns:r="http://schemas.openxmlformats.org/officeDocument/2006/relationships" xmlns:p="http://schemas.openxmlformats.org/presentationml/2006/main">
   <p:cSld>
     <p:spTree>
@@ -9921,11 +10154,7 @@
           <a:p>
             <a:r>
               <a:rPr lang="en-US" dirty="0" smtClean="0"/>
-              <a:t>Developing a website that encompasses senior social activities locally</a:t>
-            </a:r>
-            <a:r>
-              <a:rPr lang="en-US" dirty="0" smtClean="0"/>
-              <a:t>.</a:t>
+              <a:t>Developing a website that encompasses senior social activities locally.</a:t>
             </a:r>
           </a:p>
           <a:p>
@@ -9939,7 +10168,6 @@
               <a:rPr lang="en-US" dirty="0" smtClean="0"/>
               <a:t>Minimize site learning curve </a:t>
             </a:r>
-            <a:endParaRPr lang="en-US" dirty="0" smtClean="0"/>
           </a:p>
           <a:p>
             <a:endParaRPr lang="en-US" dirty="0"/>
@@ -9949,7 +10177,6 @@
               <a:rPr lang="en-US" dirty="0" smtClean="0"/>
               <a:t>Connect with local businesses to promote events</a:t>
             </a:r>
-            <a:endParaRPr lang="en-US" dirty="0" smtClean="0"/>
           </a:p>
           <a:p>
             <a:endParaRPr lang="en-US" dirty="0"/>

--- a/Presentation/12.8.15 Presentation (Revised).pptx
+++ b/Presentation/12.8.15 Presentation (Revised).pptx
@@ -9320,25 +9320,590 @@
           </a:p>
         </p:txBody>
       </p:sp>
-      <p:sp>
-        <p:nvSpPr>
-          <p:cNvPr id="3" name="Content Placeholder 2"/>
-          <p:cNvSpPr>
-            <a:spLocks noGrp="1"/>
-          </p:cNvSpPr>
+      <p:graphicFrame>
+        <p:nvGraphicFramePr>
+          <p:cNvPr id="4" name="Content Placeholder 3"/>
+          <p:cNvGraphicFramePr>
+            <a:graphicFrameLocks noGrp="1"/>
+          </p:cNvGraphicFramePr>
           <p:nvPr>
             <p:ph idx="1"/>
-          </p:nvPr>
-        </p:nvSpPr>
-        <p:spPr/>
-        <p:txBody>
-          <a:bodyPr/>
-          <a:lstStyle/>
-          <a:p>
-            <a:endParaRPr lang="en-US" dirty="0"/>
-          </a:p>
-        </p:txBody>
-      </p:sp>
+            <p:extLst>
+              <p:ext uri="{D42A27DB-BD31-4B8C-83A1-F6EECF244321}">
+                <p14:modId xmlns:p14="http://schemas.microsoft.com/office/powerpoint/2010/main" val="2819606056"/>
+              </p:ext>
+            </p:extLst>
+          </p:nvPr>
+        </p:nvGraphicFramePr>
+        <p:xfrm>
+          <a:off x="2589213" y="2133600"/>
+          <a:ext cx="8915400" cy="2966720"/>
+        </p:xfrm>
+        <a:graphic>
+          <a:graphicData uri="http://schemas.openxmlformats.org/drawingml/2006/table">
+            <a:tbl>
+              <a:tblPr firstRow="1" bandRow="1">
+                <a:tableStyleId>{5C22544A-7EE6-4342-B048-85BDC9FD1C3A}</a:tableStyleId>
+              </a:tblPr>
+              <a:tblGrid>
+                <a:gridCol w="2050520"/>
+                <a:gridCol w="1515640"/>
+                <a:gridCol w="1783080"/>
+                <a:gridCol w="1783080"/>
+                <a:gridCol w="1783080"/>
+              </a:tblGrid>
+              <a:tr h="370840">
+                <a:tc>
+                  <a:txBody>
+                    <a:bodyPr/>
+                    <a:lstStyle/>
+                    <a:p>
+                      <a:r>
+                        <a:rPr lang="en-US" dirty="0" smtClean="0"/>
+                        <a:t>Issue</a:t>
+                      </a:r>
+                      <a:endParaRPr lang="en-US" dirty="0"/>
+                    </a:p>
+                  </a:txBody>
+                  <a:tcPr/>
+                </a:tc>
+                <a:tc>
+                  <a:txBody>
+                    <a:bodyPr/>
+                    <a:lstStyle/>
+                    <a:p>
+                      <a:r>
+                        <a:rPr lang="en-US" dirty="0" smtClean="0"/>
+                        <a:t>Impact</a:t>
+                      </a:r>
+                      <a:endParaRPr lang="en-US" dirty="0"/>
+                    </a:p>
+                  </a:txBody>
+                  <a:tcPr/>
+                </a:tc>
+                <a:tc>
+                  <a:txBody>
+                    <a:bodyPr/>
+                    <a:lstStyle/>
+                    <a:p>
+                      <a:r>
+                        <a:rPr lang="en-US" dirty="0" smtClean="0"/>
+                        <a:t>Feasibility</a:t>
+                      </a:r>
+                      <a:endParaRPr lang="en-US" dirty="0"/>
+                    </a:p>
+                  </a:txBody>
+                  <a:tcPr/>
+                </a:tc>
+                <a:tc>
+                  <a:txBody>
+                    <a:bodyPr/>
+                    <a:lstStyle/>
+                    <a:p>
+                      <a:r>
+                        <a:rPr lang="en-US" dirty="0" smtClean="0"/>
+                        <a:t>Weighted</a:t>
+                      </a:r>
+                      <a:endParaRPr lang="en-US" dirty="0"/>
+                    </a:p>
+                  </a:txBody>
+                  <a:tcPr/>
+                </a:tc>
+                <a:tc>
+                  <a:txBody>
+                    <a:bodyPr/>
+                    <a:lstStyle/>
+                    <a:p>
+                      <a:r>
+                        <a:rPr lang="en-US" dirty="0" smtClean="0"/>
+                        <a:t>Priority</a:t>
+                      </a:r>
+                      <a:endParaRPr lang="en-US" dirty="0"/>
+                    </a:p>
+                  </a:txBody>
+                  <a:tcPr/>
+                </a:tc>
+              </a:tr>
+              <a:tr h="370840">
+                <a:tc>
+                  <a:txBody>
+                    <a:bodyPr/>
+                    <a:lstStyle/>
+                    <a:p>
+                      <a:r>
+                        <a:rPr lang="en-US" dirty="0" smtClean="0"/>
+                        <a:t>Compatibility</a:t>
+                      </a:r>
+                      <a:endParaRPr lang="en-US" dirty="0"/>
+                    </a:p>
+                  </a:txBody>
+                  <a:tcPr/>
+                </a:tc>
+                <a:tc>
+                  <a:txBody>
+                    <a:bodyPr/>
+                    <a:lstStyle/>
+                    <a:p>
+                      <a:r>
+                        <a:rPr lang="en-US" dirty="0" smtClean="0"/>
+                        <a:t>HIGH</a:t>
+                      </a:r>
+                      <a:endParaRPr lang="en-US" dirty="0"/>
+                    </a:p>
+                  </a:txBody>
+                  <a:tcPr/>
+                </a:tc>
+                <a:tc>
+                  <a:txBody>
+                    <a:bodyPr/>
+                    <a:lstStyle/>
+                    <a:p>
+                      <a:r>
+                        <a:rPr lang="en-US" dirty="0" smtClean="0"/>
+                        <a:t>Definite</a:t>
+                      </a:r>
+                      <a:endParaRPr lang="en-US" dirty="0"/>
+                    </a:p>
+                  </a:txBody>
+                  <a:tcPr/>
+                </a:tc>
+                <a:tc>
+                  <a:txBody>
+                    <a:bodyPr/>
+                    <a:lstStyle/>
+                    <a:p>
+                      <a:r>
+                        <a:rPr lang="en-US" dirty="0" smtClean="0"/>
+                        <a:t>1</a:t>
+                      </a:r>
+                      <a:endParaRPr lang="en-US" dirty="0"/>
+                    </a:p>
+                  </a:txBody>
+                  <a:tcPr/>
+                </a:tc>
+                <a:tc>
+                  <a:txBody>
+                    <a:bodyPr/>
+                    <a:lstStyle/>
+                    <a:p>
+                      <a:r>
+                        <a:rPr lang="en-US" dirty="0" smtClean="0"/>
+                        <a:t>HIGH</a:t>
+                      </a:r>
+                      <a:endParaRPr lang="en-US" dirty="0"/>
+                    </a:p>
+                  </a:txBody>
+                  <a:tcPr/>
+                </a:tc>
+              </a:tr>
+              <a:tr h="370840">
+                <a:tc>
+                  <a:txBody>
+                    <a:bodyPr/>
+                    <a:lstStyle/>
+                    <a:p>
+                      <a:r>
+                        <a:rPr lang="en-US" dirty="0" smtClean="0"/>
+                        <a:t>Readable Text</a:t>
+                      </a:r>
+                      <a:endParaRPr lang="en-US" dirty="0"/>
+                    </a:p>
+                  </a:txBody>
+                  <a:tcPr/>
+                </a:tc>
+                <a:tc>
+                  <a:txBody>
+                    <a:bodyPr/>
+                    <a:lstStyle/>
+                    <a:p>
+                      <a:r>
+                        <a:rPr lang="en-US" dirty="0" smtClean="0"/>
+                        <a:t>HIGH</a:t>
+                      </a:r>
+                      <a:endParaRPr lang="en-US" dirty="0"/>
+                    </a:p>
+                  </a:txBody>
+                  <a:tcPr/>
+                </a:tc>
+                <a:tc>
+                  <a:txBody>
+                    <a:bodyPr/>
+                    <a:lstStyle/>
+                    <a:p>
+                      <a:r>
+                        <a:rPr lang="en-US" dirty="0" smtClean="0"/>
+                        <a:t>HIGH</a:t>
+                      </a:r>
+                      <a:endParaRPr lang="en-US" dirty="0"/>
+                    </a:p>
+                  </a:txBody>
+                  <a:tcPr/>
+                </a:tc>
+                <a:tc>
+                  <a:txBody>
+                    <a:bodyPr/>
+                    <a:lstStyle/>
+                    <a:p>
+                      <a:r>
+                        <a:rPr lang="en-US" dirty="0" smtClean="0"/>
+                        <a:t>1</a:t>
+                      </a:r>
+                      <a:endParaRPr lang="en-US" dirty="0"/>
+                    </a:p>
+                  </a:txBody>
+                  <a:tcPr/>
+                </a:tc>
+                <a:tc>
+                  <a:txBody>
+                    <a:bodyPr/>
+                    <a:lstStyle/>
+                    <a:p>
+                      <a:r>
+                        <a:rPr lang="en-US" dirty="0" smtClean="0"/>
+                        <a:t>HIGH</a:t>
+                      </a:r>
+                      <a:endParaRPr lang="en-US" dirty="0"/>
+                    </a:p>
+                  </a:txBody>
+                  <a:tcPr/>
+                </a:tc>
+              </a:tr>
+              <a:tr h="370840">
+                <a:tc>
+                  <a:txBody>
+                    <a:bodyPr/>
+                    <a:lstStyle/>
+                    <a:p>
+                      <a:endParaRPr lang="en-US" dirty="0"/>
+                    </a:p>
+                  </a:txBody>
+                  <a:tcPr/>
+                </a:tc>
+                <a:tc>
+                  <a:txBody>
+                    <a:bodyPr/>
+                    <a:lstStyle/>
+                    <a:p>
+                      <a:endParaRPr lang="en-US" dirty="0"/>
+                    </a:p>
+                  </a:txBody>
+                  <a:tcPr/>
+                </a:tc>
+                <a:tc>
+                  <a:txBody>
+                    <a:bodyPr/>
+                    <a:lstStyle/>
+                    <a:p>
+                      <a:endParaRPr lang="en-US" dirty="0"/>
+                    </a:p>
+                  </a:txBody>
+                  <a:tcPr/>
+                </a:tc>
+                <a:tc>
+                  <a:txBody>
+                    <a:bodyPr/>
+                    <a:lstStyle/>
+                    <a:p>
+                      <a:endParaRPr lang="en-US" dirty="0"/>
+                    </a:p>
+                  </a:txBody>
+                  <a:tcPr/>
+                </a:tc>
+                <a:tc>
+                  <a:txBody>
+                    <a:bodyPr/>
+                    <a:lstStyle/>
+                    <a:p>
+                      <a:endParaRPr lang="en-US" dirty="0"/>
+                    </a:p>
+                  </a:txBody>
+                  <a:tcPr/>
+                </a:tc>
+              </a:tr>
+              <a:tr h="370840">
+                <a:tc>
+                  <a:txBody>
+                    <a:bodyPr/>
+                    <a:lstStyle/>
+                    <a:p>
+                      <a:endParaRPr lang="en-US" dirty="0"/>
+                    </a:p>
+                  </a:txBody>
+                  <a:tcPr/>
+                </a:tc>
+                <a:tc>
+                  <a:txBody>
+                    <a:bodyPr/>
+                    <a:lstStyle/>
+                    <a:p>
+                      <a:endParaRPr lang="en-US" dirty="0"/>
+                    </a:p>
+                  </a:txBody>
+                  <a:tcPr/>
+                </a:tc>
+                <a:tc>
+                  <a:txBody>
+                    <a:bodyPr/>
+                    <a:lstStyle/>
+                    <a:p>
+                      <a:endParaRPr lang="en-US" dirty="0"/>
+                    </a:p>
+                  </a:txBody>
+                  <a:tcPr/>
+                </a:tc>
+                <a:tc>
+                  <a:txBody>
+                    <a:bodyPr/>
+                    <a:lstStyle/>
+                    <a:p>
+                      <a:endParaRPr lang="en-US" dirty="0"/>
+                    </a:p>
+                  </a:txBody>
+                  <a:tcPr/>
+                </a:tc>
+                <a:tc>
+                  <a:txBody>
+                    <a:bodyPr/>
+                    <a:lstStyle/>
+                    <a:p>
+                      <a:endParaRPr lang="en-US" dirty="0"/>
+                    </a:p>
+                  </a:txBody>
+                  <a:tcPr/>
+                </a:tc>
+              </a:tr>
+              <a:tr h="370840">
+                <a:tc>
+                  <a:txBody>
+                    <a:bodyPr/>
+                    <a:lstStyle/>
+                    <a:p>
+                      <a:r>
+                        <a:rPr lang="en-US" dirty="0" smtClean="0"/>
+                        <a:t>Share</a:t>
+                      </a:r>
+                      <a:r>
+                        <a:rPr lang="en-US" baseline="0" dirty="0" smtClean="0"/>
+                        <a:t> Photos</a:t>
+                      </a:r>
+                      <a:endParaRPr lang="en-US" dirty="0"/>
+                    </a:p>
+                  </a:txBody>
+                  <a:tcPr/>
+                </a:tc>
+                <a:tc>
+                  <a:txBody>
+                    <a:bodyPr/>
+                    <a:lstStyle/>
+                    <a:p>
+                      <a:r>
+                        <a:rPr lang="en-US" dirty="0" smtClean="0"/>
+                        <a:t>MED</a:t>
+                      </a:r>
+                      <a:endParaRPr lang="en-US" dirty="0"/>
+                    </a:p>
+                  </a:txBody>
+                  <a:tcPr/>
+                </a:tc>
+                <a:tc>
+                  <a:txBody>
+                    <a:bodyPr/>
+                    <a:lstStyle/>
+                    <a:p>
+                      <a:r>
+                        <a:rPr lang="en-US" dirty="0" smtClean="0"/>
+                        <a:t>HIGH</a:t>
+                      </a:r>
+                      <a:endParaRPr lang="en-US" dirty="0"/>
+                    </a:p>
+                  </a:txBody>
+                  <a:tcPr/>
+                </a:tc>
+                <a:tc>
+                  <a:txBody>
+                    <a:bodyPr/>
+                    <a:lstStyle/>
+                    <a:p>
+                      <a:r>
+                        <a:rPr lang="en-US" dirty="0" smtClean="0"/>
+                        <a:t>3</a:t>
+                      </a:r>
+                      <a:endParaRPr lang="en-US" dirty="0"/>
+                    </a:p>
+                  </a:txBody>
+                  <a:tcPr/>
+                </a:tc>
+                <a:tc>
+                  <a:txBody>
+                    <a:bodyPr/>
+                    <a:lstStyle/>
+                    <a:p>
+                      <a:r>
+                        <a:rPr lang="en-US" dirty="0" smtClean="0"/>
+                        <a:t>HIGH</a:t>
+                      </a:r>
+                      <a:endParaRPr lang="en-US" dirty="0"/>
+                    </a:p>
+                  </a:txBody>
+                  <a:tcPr/>
+                </a:tc>
+              </a:tr>
+              <a:tr h="370840">
+                <a:tc>
+                  <a:txBody>
+                    <a:bodyPr/>
+                    <a:lstStyle/>
+                    <a:p>
+                      <a:r>
+                        <a:rPr lang="en-US" dirty="0" smtClean="0"/>
+                        <a:t>Pay</a:t>
+                      </a:r>
+                      <a:r>
+                        <a:rPr lang="en-US" baseline="0" dirty="0" smtClean="0"/>
+                        <a:t> Option</a:t>
+                      </a:r>
+                      <a:endParaRPr lang="en-US" dirty="0"/>
+                    </a:p>
+                  </a:txBody>
+                  <a:tcPr/>
+                </a:tc>
+                <a:tc>
+                  <a:txBody>
+                    <a:bodyPr/>
+                    <a:lstStyle/>
+                    <a:p>
+                      <a:r>
+                        <a:rPr lang="en-US" dirty="0" smtClean="0"/>
+                        <a:t>LOW</a:t>
+                      </a:r>
+                      <a:endParaRPr lang="en-US" dirty="0"/>
+                    </a:p>
+                  </a:txBody>
+                  <a:tcPr/>
+                </a:tc>
+                <a:tc>
+                  <a:txBody>
+                    <a:bodyPr/>
+                    <a:lstStyle/>
+                    <a:p>
+                      <a:r>
+                        <a:rPr lang="en-US" dirty="0" smtClean="0"/>
+                        <a:t>MED</a:t>
+                      </a:r>
+                      <a:endParaRPr lang="en-US" dirty="0"/>
+                    </a:p>
+                  </a:txBody>
+                  <a:tcPr/>
+                </a:tc>
+                <a:tc>
+                  <a:txBody>
+                    <a:bodyPr/>
+                    <a:lstStyle/>
+                    <a:p>
+                      <a:r>
+                        <a:rPr lang="en-US" dirty="0" smtClean="0"/>
+                        <a:t>7</a:t>
+                      </a:r>
+                      <a:endParaRPr lang="en-US" dirty="0"/>
+                    </a:p>
+                  </a:txBody>
+                  <a:tcPr/>
+                </a:tc>
+                <a:tc>
+                  <a:txBody>
+                    <a:bodyPr/>
+                    <a:lstStyle/>
+                    <a:p>
+                      <a:r>
+                        <a:rPr lang="en-US" dirty="0" smtClean="0"/>
+                        <a:t>LOW</a:t>
+                      </a:r>
+                      <a:endParaRPr lang="en-US" dirty="0"/>
+                    </a:p>
+                  </a:txBody>
+                  <a:tcPr/>
+                </a:tc>
+              </a:tr>
+              <a:tr h="370840">
+                <a:tc>
+                  <a:txBody>
+                    <a:bodyPr/>
+                    <a:lstStyle/>
+                    <a:p>
+                      <a:r>
+                        <a:rPr lang="en-US" dirty="0" err="1" smtClean="0"/>
+                        <a:t>Mult</a:t>
+                      </a:r>
+                      <a:r>
+                        <a:rPr lang="en-US" dirty="0" smtClean="0"/>
+                        <a:t> Lang</a:t>
+                      </a:r>
+                      <a:endParaRPr lang="en-US" dirty="0"/>
+                    </a:p>
+                  </a:txBody>
+                  <a:tcPr/>
+                </a:tc>
+                <a:tc>
+                  <a:txBody>
+                    <a:bodyPr/>
+                    <a:lstStyle/>
+                    <a:p>
+                      <a:r>
+                        <a:rPr lang="en-US" dirty="0" smtClean="0"/>
+                        <a:t>LOW</a:t>
+                      </a:r>
+                      <a:endParaRPr lang="en-US" dirty="0"/>
+                    </a:p>
+                  </a:txBody>
+                  <a:tcPr/>
+                </a:tc>
+                <a:tc>
+                  <a:txBody>
+                    <a:bodyPr/>
+                    <a:lstStyle/>
+                    <a:p>
+                      <a:r>
+                        <a:rPr lang="en-US" dirty="0" smtClean="0"/>
+                        <a:t>LOW</a:t>
+                      </a:r>
+                      <a:endParaRPr lang="en-US" dirty="0"/>
+                    </a:p>
+                  </a:txBody>
+                  <a:tcPr/>
+                </a:tc>
+                <a:tc>
+                  <a:txBody>
+                    <a:bodyPr/>
+                    <a:lstStyle/>
+                    <a:p>
+                      <a:r>
+                        <a:rPr lang="en-US" dirty="0" smtClean="0"/>
+                        <a:t>10</a:t>
+                      </a:r>
+                      <a:endParaRPr lang="en-US" dirty="0"/>
+                    </a:p>
+                  </a:txBody>
+                  <a:tcPr/>
+                </a:tc>
+                <a:tc>
+                  <a:txBody>
+                    <a:bodyPr/>
+                    <a:lstStyle/>
+                    <a:p>
+                      <a:r>
+                        <a:rPr lang="en-US" dirty="0" smtClean="0"/>
+                        <a:t>LOW</a:t>
+                      </a:r>
+                      <a:endParaRPr lang="en-US" dirty="0"/>
+                    </a:p>
+                  </a:txBody>
+                  <a:tcPr/>
+                </a:tc>
+              </a:tr>
+            </a:tbl>
+          </a:graphicData>
+        </a:graphic>
+      </p:graphicFrame>
     </p:spTree>
     <p:extLst>
       <p:ext uri="{BB962C8B-B14F-4D97-AF65-F5344CB8AC3E}">

--- a/Presentation/12.8.15 Presentation (Revised).pptx
+++ b/Presentation/12.8.15 Presentation (Revised).pptx
@@ -5,28 +5,30 @@
     <p:sldMasterId id="2147483648" r:id="rId1"/>
   </p:sldMasterIdLst>
   <p:notesMasterIdLst>
-    <p:notesMasterId r:id="rId21"/>
+    <p:notesMasterId r:id="rId23"/>
   </p:notesMasterIdLst>
   <p:sldIdLst>
     <p:sldId id="256" r:id="rId2"/>
     <p:sldId id="257" r:id="rId3"/>
-    <p:sldId id="261" r:id="rId4"/>
-    <p:sldId id="268" r:id="rId5"/>
-    <p:sldId id="263" r:id="rId6"/>
-    <p:sldId id="264" r:id="rId7"/>
-    <p:sldId id="265" r:id="rId8"/>
-    <p:sldId id="269" r:id="rId9"/>
-    <p:sldId id="260" r:id="rId10"/>
-    <p:sldId id="274" r:id="rId11"/>
-    <p:sldId id="275" r:id="rId12"/>
-    <p:sldId id="258" r:id="rId13"/>
-    <p:sldId id="270" r:id="rId14"/>
-    <p:sldId id="262" r:id="rId15"/>
-    <p:sldId id="266" r:id="rId16"/>
-    <p:sldId id="272" r:id="rId17"/>
-    <p:sldId id="273" r:id="rId18"/>
-    <p:sldId id="267" r:id="rId19"/>
-    <p:sldId id="271" r:id="rId20"/>
+    <p:sldId id="279" r:id="rId4"/>
+    <p:sldId id="261" r:id="rId5"/>
+    <p:sldId id="268" r:id="rId6"/>
+    <p:sldId id="263" r:id="rId7"/>
+    <p:sldId id="264" r:id="rId8"/>
+    <p:sldId id="265" r:id="rId9"/>
+    <p:sldId id="276" r:id="rId10"/>
+    <p:sldId id="269" r:id="rId11"/>
+    <p:sldId id="260" r:id="rId12"/>
+    <p:sldId id="274" r:id="rId13"/>
+    <p:sldId id="277" r:id="rId14"/>
+    <p:sldId id="278" r:id="rId15"/>
+    <p:sldId id="270" r:id="rId16"/>
+    <p:sldId id="262" r:id="rId17"/>
+    <p:sldId id="266" r:id="rId18"/>
+    <p:sldId id="272" r:id="rId19"/>
+    <p:sldId id="273" r:id="rId20"/>
+    <p:sldId id="267" r:id="rId21"/>
+    <p:sldId id="271" r:id="rId22"/>
   </p:sldIdLst>
   <p:sldSz cx="12192000" cy="6858000"/>
   <p:notesSz cx="6858000" cy="9144000"/>
@@ -738,7 +740,7 @@
           <a:p>
             <a:fld id="{7D90AB93-7EBB-40C3-AABE-B1527F40B7D6}" type="slidenum">
               <a:rPr lang="en-US"/>
-              <a:t>3</a:t>
+              <a:t>4</a:t>
             </a:fld>
             <a:endParaRPr lang="en-US"/>
           </a:p>
@@ -827,7 +829,7 @@
           <a:p>
             <a:fld id="{7D90AB93-7EBB-40C3-AABE-B1527F40B7D6}" type="slidenum">
               <a:rPr lang="en-US"/>
-              <a:t>9</a:t>
+              <a:t>11</a:t>
             </a:fld>
             <a:endParaRPr lang="en-US"/>
           </a:p>
@@ -890,12 +892,7 @@
           <a:bodyPr/>
           <a:lstStyle/>
           <a:p>
-            <a:r>
-              <a:rPr lang="en-US">
-                <a:latin typeface="Calibri"/>
-              </a:rPr>
-              <a:t>Zach: We have been using an agile Kanban method for the project organization. Kanban is a method where group members can post tasks, or small portions of the project. Those tasks are then taken through a cycle of development and quality assurance until they are accepted. (Maybe show trello). Our team roles consist of 3 developers and one quality assurance supervisor. Each member also has a secondary role such as SCRUM Master, Documentation Manager, or Version Control Manager. Each member will cycle through each role in order to get the most experience out of this project. Our main concern in this project is feature overload. Our client wants a site similar to Meal Train with donations, a paid version, translations for international users, and more. While we will focus on the necessary functionalities first, we have to make sure we aren't bogged down with unnecessary tasks. The hardware and software we will be using is mainly computers with widely-used browsers, such as Firefox, Chrome, and Safari. We will also be using web editing software to create the site and SQL to manage any databases. We plan to reach new milestones during each 2-week sprint. We will also be having weekly group meetings, weekly meetings with our faculty mentor (Professor Lulofs), and client meetings every other week.</a:t>
-            </a:r>
+            <a:endParaRPr lang="en-US"/>
           </a:p>
         </p:txBody>
       </p:sp>
@@ -916,91 +913,7 @@
           <a:p>
             <a:fld id="{7D90AB93-7EBB-40C3-AABE-B1527F40B7D6}" type="slidenum">
               <a:rPr lang="en-US"/>
-              <a:t>12</a:t>
-            </a:fld>
-            <a:endParaRPr lang="en-US"/>
-          </a:p>
-        </p:txBody>
-      </p:sp>
-    </p:spTree>
-    <p:extLst>
-      <p:ext uri="{BB962C8B-B14F-4D97-AF65-F5344CB8AC3E}">
-        <p14:creationId xmlns:p14="http://schemas.microsoft.com/office/powerpoint/2010/main" val="1089983151"/>
-      </p:ext>
-    </p:extLst>
-  </p:cSld>
-  <p:clrMapOvr>
-    <a:masterClrMapping/>
-  </p:clrMapOvr>
-</p:notes>
-</file>
-
-<file path=ppt/notesSlides/notesSlide6.xml><?xml version="1.0" encoding="utf-8"?>
-<p:notes xmlns:a="http://schemas.openxmlformats.org/drawingml/2006/main" xmlns:r="http://schemas.openxmlformats.org/officeDocument/2006/relationships" xmlns:p="http://schemas.openxmlformats.org/presentationml/2006/main">
-  <p:cSld>
-    <p:spTree>
-      <p:nvGrpSpPr>
-        <p:cNvPr id="1" name=""/>
-        <p:cNvGrpSpPr/>
-        <p:nvPr/>
-      </p:nvGrpSpPr>
-      <p:grpSpPr>
-        <a:xfrm>
-          <a:off x="0" y="0"/>
-          <a:ext cx="0" cy="0"/>
-          <a:chOff x="0" y="0"/>
-          <a:chExt cx="0" cy="0"/>
-        </a:xfrm>
-      </p:grpSpPr>
-      <p:sp>
-        <p:nvSpPr>
-          <p:cNvPr id="2" name="Slide Image Placeholder 1"/>
-          <p:cNvSpPr>
-            <a:spLocks noGrp="1" noRot="1" noChangeAspect="1"/>
-          </p:cNvSpPr>
-          <p:nvPr>
-            <p:ph type="sldImg"/>
-          </p:nvPr>
-        </p:nvSpPr>
-        <p:spPr/>
-      </p:sp>
-      <p:sp>
-        <p:nvSpPr>
-          <p:cNvPr id="3" name="Notes Placeholder 2"/>
-          <p:cNvSpPr>
-            <a:spLocks noGrp="1"/>
-          </p:cNvSpPr>
-          <p:nvPr>
-            <p:ph type="body" idx="1"/>
-          </p:nvPr>
-        </p:nvSpPr>
-        <p:spPr/>
-        <p:txBody>
-          <a:bodyPr/>
-          <a:lstStyle/>
-          <a:p>
-            <a:endParaRPr lang="en-US"/>
-          </a:p>
-        </p:txBody>
-      </p:sp>
-      <p:sp>
-        <p:nvSpPr>
-          <p:cNvPr id="4" name="Slide Number Placeholder 3"/>
-          <p:cNvSpPr>
-            <a:spLocks noGrp="1"/>
-          </p:cNvSpPr>
-          <p:nvPr>
-            <p:ph type="sldNum" sz="quarter" idx="10"/>
-          </p:nvPr>
-        </p:nvSpPr>
-        <p:spPr/>
-        <p:txBody>
-          <a:bodyPr/>
-          <a:lstStyle/>
-          <a:p>
-            <a:fld id="{7D90AB93-7EBB-40C3-AABE-B1527F40B7D6}" type="slidenum">
-              <a:rPr lang="en-US"/>
-              <a:t>14</a:t>
+              <a:t>16</a:t>
             </a:fld>
             <a:endParaRPr lang="en-US"/>
           </a:p>
@@ -8582,8 +8495,8 @@
               <a:t>, Timothy </a:t>
             </a:r>
             <a:r>
-              <a:rPr lang="en-US" dirty="0" err="1"/>
-              <a:t>Nahkisa</a:t>
+              <a:rPr lang="en-US" dirty="0" err="1" smtClean="0"/>
+              <a:t>Nakhisa</a:t>
             </a:r>
             <a:r>
               <a:rPr lang="en-US" dirty="0"/>
@@ -8653,7 +8566,7 @@
             <a:spLocks noGrp="1"/>
           </p:cNvSpPr>
           <p:nvPr>
-            <p:ph type="title"/>
+            <p:ph type="ctrTitle"/>
           </p:nvPr>
         </p:nvSpPr>
         <p:spPr/>
@@ -8663,7 +8576,14 @@
           <a:p>
             <a:r>
               <a:rPr lang="en-US" dirty="0" smtClean="0"/>
-              <a:t>Hardware and Software</a:t>
+              <a:t>ABOVE INTRO</a:t>
+            </a:r>
+            <a:br>
+              <a:rPr lang="en-US" dirty="0" smtClean="0"/>
+            </a:br>
+            <a:r>
+              <a:rPr lang="en-US" dirty="0" smtClean="0"/>
+              <a:t>BELOW PROJECT REQS</a:t>
             </a:r>
             <a:endParaRPr lang="en-US" dirty="0"/>
           </a:p>
@@ -8671,12 +8591,12 @@
       </p:sp>
       <p:sp>
         <p:nvSpPr>
-          <p:cNvPr id="3" name="Content Placeholder 2"/>
-          <p:cNvSpPr>
-            <a:spLocks noGrp="1"/>
-          </p:cNvSpPr>
-          <p:nvPr>
-            <p:ph idx="1"/>
+          <p:cNvPr id="3" name="Subtitle 2"/>
+          <p:cNvSpPr>
+            <a:spLocks noGrp="1"/>
+          </p:cNvSpPr>
+          <p:nvPr>
+            <p:ph type="subTitle" idx="1"/>
           </p:nvPr>
         </p:nvSpPr>
         <p:spPr/>
@@ -8684,45 +8604,14 @@
           <a:bodyPr/>
           <a:lstStyle/>
           <a:p>
-            <a:r>
-              <a:rPr lang="en-US" dirty="0" smtClean="0"/>
-              <a:t>Optimize for most prominent browser.</a:t>
-            </a:r>
-          </a:p>
-          <a:p>
-            <a:r>
-              <a:rPr lang="en-US" dirty="0" smtClean="0"/>
-              <a:t>Compatible with older versions. </a:t>
-            </a:r>
-            <a:endParaRPr lang="en-US" dirty="0"/>
-          </a:p>
-          <a:p>
-            <a:r>
-              <a:rPr lang="en-US" dirty="0" smtClean="0"/>
-              <a:t>Using HTML, CSS, JavaScript, PHP, MySQL</a:t>
-            </a:r>
-          </a:p>
-          <a:p>
-            <a:r>
-              <a:rPr lang="en-US" dirty="0" smtClean="0"/>
-              <a:t>MySQL Database</a:t>
-            </a:r>
-          </a:p>
-          <a:p>
-            <a:r>
-              <a:rPr lang="en-US" dirty="0" smtClean="0"/>
-              <a:t>Hosting site</a:t>
-            </a:r>
-          </a:p>
-          <a:p>
-            <a:endParaRPr lang="en-US" dirty="0"/>
+            <a:endParaRPr lang="en-US"/>
           </a:p>
         </p:txBody>
       </p:sp>
     </p:spTree>
     <p:extLst>
       <p:ext uri="{BB962C8B-B14F-4D97-AF65-F5344CB8AC3E}">
-        <p14:creationId xmlns:p14="http://schemas.microsoft.com/office/powerpoint/2010/main" val="2349178812"/>
+        <p14:creationId xmlns:p14="http://schemas.microsoft.com/office/powerpoint/2010/main" val="91013316"/>
       </p:ext>
     </p:extLst>
   </p:cSld>
@@ -8765,80 +8654,100 @@
           <a:lstStyle/>
           <a:p>
             <a:r>
+              <a:rPr lang="en-US" dirty="0"/>
+              <a:t>Requirements</a:t>
+            </a:r>
+          </a:p>
+        </p:txBody>
+      </p:sp>
+      <p:sp>
+        <p:nvSpPr>
+          <p:cNvPr id="3" name="Content Placeholder 2"/>
+          <p:cNvSpPr>
+            <a:spLocks noGrp="1"/>
+          </p:cNvSpPr>
+          <p:nvPr>
+            <p:ph idx="1"/>
+          </p:nvPr>
+        </p:nvSpPr>
+        <p:spPr/>
+        <p:txBody>
+          <a:bodyPr vert="horz" lIns="91440" tIns="45720" rIns="91440" bIns="45720" rtlCol="0" anchor="t">
+            <a:normAutofit/>
+          </a:bodyPr>
+          <a:lstStyle/>
+          <a:p>
+            <a:r>
+              <a:rPr lang="en-US" dirty="0"/>
+              <a:t>Hardware and Software</a:t>
+            </a:r>
+          </a:p>
+          <a:p>
+            <a:pPr lvl="1"/>
+            <a:r>
+              <a:rPr lang="en-US" dirty="0">
+                <a:latin typeface="Century Gothic" charset="0"/>
+              </a:rPr>
+              <a:t>Computers with Widely-used Browsers Installed </a:t>
+            </a:r>
+          </a:p>
+          <a:p>
+            <a:pPr lvl="1"/>
+            <a:r>
+              <a:rPr lang="en-US" dirty="0">
+                <a:latin typeface="Century Gothic" charset="0"/>
+              </a:rPr>
+              <a:t>HTML, CSS</a:t>
+            </a:r>
+            <a:r>
+              <a:rPr lang="en-US" dirty="0" smtClean="0">
+                <a:latin typeface="Century Gothic" charset="0"/>
+              </a:rPr>
+              <a:t>, JavaScript, </a:t>
+            </a:r>
+            <a:r>
+              <a:rPr lang="en-US" dirty="0">
+                <a:latin typeface="Century Gothic" charset="0"/>
+              </a:rPr>
+              <a:t>PHP, and </a:t>
+            </a:r>
+            <a:r>
+              <a:rPr lang="en-US" dirty="0" smtClean="0">
+                <a:latin typeface="Century Gothic" charset="0"/>
+              </a:rPr>
+              <a:t>MySQL</a:t>
+            </a:r>
+            <a:endParaRPr lang="en-US" dirty="0">
+              <a:latin typeface="Century Gothic" charset="0"/>
+            </a:endParaRPr>
+          </a:p>
+          <a:p>
+            <a:r>
+              <a:rPr lang="en-US" dirty="0"/>
+              <a:t>User </a:t>
+            </a:r>
+            <a:r>
               <a:rPr lang="en-US" dirty="0" smtClean="0"/>
-              <a:t>Project Requirements</a:t>
-            </a:r>
-            <a:endParaRPr lang="en-US" dirty="0"/>
-          </a:p>
-        </p:txBody>
-      </p:sp>
-      <p:sp>
-        <p:nvSpPr>
-          <p:cNvPr id="3" name="Content Placeholder 2"/>
-          <p:cNvSpPr>
-            <a:spLocks noGrp="1"/>
-          </p:cNvSpPr>
-          <p:nvPr>
-            <p:ph idx="1"/>
-          </p:nvPr>
-        </p:nvSpPr>
-        <p:spPr/>
-        <p:txBody>
-          <a:bodyPr/>
-          <a:lstStyle/>
-          <a:p>
-            <a:r>
-              <a:rPr lang="en-US" dirty="0"/>
-              <a:t>Easy to use </a:t>
-            </a:r>
+              <a:t>Interaction</a:t>
+            </a:r>
+          </a:p>
+          <a:p>
             <a:r>
               <a:rPr lang="en-US" dirty="0" smtClean="0"/>
-              <a:t>interface</a:t>
+              <a:t>Functional Requirements</a:t>
             </a:r>
           </a:p>
           <a:p>
             <a:r>
               <a:rPr lang="en-US" dirty="0" smtClean="0"/>
-              <a:t>Create account</a:t>
+              <a:t>Nonfunctional Requirements</a:t>
             </a:r>
           </a:p>
           <a:p>
             <a:r>
               <a:rPr lang="en-US" dirty="0" smtClean="0"/>
-              <a:t>Create Groups</a:t>
-            </a:r>
-          </a:p>
-          <a:p>
-            <a:r>
-              <a:rPr lang="en-US" dirty="0" smtClean="0"/>
-              <a:t>Create Events</a:t>
-            </a:r>
-          </a:p>
-          <a:p>
-            <a:r>
-              <a:rPr lang="en-US" dirty="0" smtClean="0"/>
-              <a:t>Invite Family/Friends</a:t>
-            </a:r>
-          </a:p>
-          <a:p>
-            <a:r>
-              <a:rPr lang="en-US" dirty="0" smtClean="0"/>
-              <a:t>Post and share photos</a:t>
-            </a:r>
-          </a:p>
-          <a:p>
-            <a:r>
-              <a:rPr lang="en-US" dirty="0" smtClean="0"/>
-              <a:t>View local events</a:t>
-            </a:r>
-          </a:p>
-          <a:p>
-            <a:r>
-              <a:rPr lang="en-US" dirty="0" smtClean="0"/>
-              <a:t>Special local deals</a:t>
-            </a:r>
-          </a:p>
-          <a:p>
+              <a:t>Feasibility</a:t>
+            </a:r>
             <a:endParaRPr lang="en-US" dirty="0"/>
           </a:p>
         </p:txBody>
@@ -8846,7 +8755,7 @@
     </p:spTree>
     <p:extLst>
       <p:ext uri="{BB962C8B-B14F-4D97-AF65-F5344CB8AC3E}">
-        <p14:creationId xmlns:p14="http://schemas.microsoft.com/office/powerpoint/2010/main" val="3788729043"/>
+        <p14:creationId xmlns:p14="http://schemas.microsoft.com/office/powerpoint/2010/main" val="1876008888"/>
       </p:ext>
     </p:extLst>
   </p:cSld>
@@ -8889,9 +8798,10 @@
           <a:lstStyle/>
           <a:p>
             <a:r>
-              <a:rPr lang="en-US" dirty="0"/>
-              <a:t>Project Management Plan</a:t>
-            </a:r>
+              <a:rPr lang="en-US" dirty="0" smtClean="0"/>
+              <a:t>Hardware and Software</a:t>
+            </a:r>
+            <a:endParaRPr lang="en-US" dirty="0"/>
           </a:p>
         </p:txBody>
       </p:sp>
@@ -8907,69 +8817,48 @@
         </p:nvSpPr>
         <p:spPr/>
         <p:txBody>
-          <a:bodyPr vert="horz" lIns="91440" tIns="45720" rIns="91440" bIns="45720" rtlCol="0" anchor="t">
-            <a:normAutofit/>
-          </a:bodyPr>
-          <a:lstStyle/>
-          <a:p>
-            <a:r>
-              <a:rPr lang="en-US" dirty="0"/>
-              <a:t>Project Organization</a:t>
-            </a:r>
-          </a:p>
-          <a:p>
-            <a:pPr lvl="1"/>
-            <a:r>
-              <a:rPr lang="en-US" sz="1800" dirty="0" smtClean="0"/>
-              <a:t>Scrum/Kanban process (Trello)</a:t>
-            </a:r>
-            <a:endParaRPr lang="en-US" sz="1800" dirty="0"/>
-          </a:p>
-          <a:p>
-            <a:r>
-              <a:rPr lang="en-US" dirty="0"/>
-              <a:t>Risk Analysis</a:t>
-            </a:r>
-          </a:p>
-          <a:p>
-            <a:pPr lvl="1"/>
-            <a:r>
-              <a:rPr lang="en-US" sz="1800" dirty="0"/>
-              <a:t>Feature Overload</a:t>
-            </a:r>
-          </a:p>
-          <a:p>
-            <a:r>
-              <a:rPr lang="en-US" dirty="0"/>
-              <a:t>Hardware/Software Requirements</a:t>
-            </a:r>
-          </a:p>
-          <a:p>
-            <a:r>
-              <a:rPr lang="en-US" dirty="0"/>
-              <a:t>Project Schedule</a:t>
-            </a:r>
-          </a:p>
-          <a:p>
-            <a:pPr lvl="1"/>
-            <a:r>
-              <a:rPr lang="en-US" sz="1800" dirty="0"/>
-              <a:t>Reach new milestones each 2-week sprint</a:t>
-            </a:r>
-          </a:p>
-          <a:p>
-            <a:pPr lvl="1"/>
-            <a:r>
-              <a:rPr lang="en-US" sz="1800" dirty="0"/>
-              <a:t>SCRUM meetings and Client Meetings</a:t>
-            </a:r>
+          <a:bodyPr/>
+          <a:lstStyle/>
+          <a:p>
+            <a:r>
+              <a:rPr lang="en-US" dirty="0" smtClean="0"/>
+              <a:t>Optimize for most prominent browser.</a:t>
+            </a:r>
+          </a:p>
+          <a:p>
+            <a:r>
+              <a:rPr lang="en-US" dirty="0" smtClean="0"/>
+              <a:t>Compatible with older versions. </a:t>
+            </a:r>
+            <a:endParaRPr lang="en-US" dirty="0"/>
+          </a:p>
+          <a:p>
+            <a:r>
+              <a:rPr lang="en-US" dirty="0" smtClean="0"/>
+              <a:t>Using HTML, CSS, JavaScript, PHP, MySQL</a:t>
+            </a:r>
+          </a:p>
+          <a:p>
+            <a:r>
+              <a:rPr lang="en-US" dirty="0" smtClean="0"/>
+              <a:t>MySQL Database</a:t>
+            </a:r>
+          </a:p>
+          <a:p>
+            <a:r>
+              <a:rPr lang="en-US" dirty="0" smtClean="0"/>
+              <a:t>Hosting site</a:t>
+            </a:r>
+          </a:p>
+          <a:p>
+            <a:endParaRPr lang="en-US" dirty="0"/>
           </a:p>
         </p:txBody>
       </p:sp>
     </p:spTree>
     <p:extLst>
       <p:ext uri="{BB962C8B-B14F-4D97-AF65-F5344CB8AC3E}">
-        <p14:creationId xmlns:p14="http://schemas.microsoft.com/office/powerpoint/2010/main" val="1768054810"/>
+        <p14:creationId xmlns:p14="http://schemas.microsoft.com/office/powerpoint/2010/main" val="2349178812"/>
       </p:ext>
     </p:extLst>
   </p:cSld>
@@ -9003,7 +8892,7 @@
             <a:spLocks noGrp="1"/>
           </p:cNvSpPr>
           <p:nvPr>
-            <p:ph type="ctrTitle"/>
+            <p:ph type="title"/>
           </p:nvPr>
         </p:nvSpPr>
         <p:spPr/>
@@ -9013,14 +8902,7 @@
           <a:p>
             <a:r>
               <a:rPr lang="en-US" dirty="0" smtClean="0"/>
-              <a:t>REQS ABOVE</a:t>
-            </a:r>
-            <a:br>
-              <a:rPr lang="en-US" dirty="0" smtClean="0"/>
-            </a:br>
-            <a:r>
-              <a:rPr lang="en-US" dirty="0" smtClean="0"/>
-              <a:t>PROTOTYPE DEMO BELOW</a:t>
+              <a:t>Primary Requirements</a:t>
             </a:r>
             <a:endParaRPr lang="en-US" dirty="0"/>
           </a:p>
@@ -9028,12 +8910,12 @@
       </p:sp>
       <p:sp>
         <p:nvSpPr>
-          <p:cNvPr id="3" name="Subtitle 2"/>
-          <p:cNvSpPr>
-            <a:spLocks noGrp="1"/>
-          </p:cNvSpPr>
-          <p:nvPr>
-            <p:ph type="subTitle" idx="1"/>
+          <p:cNvPr id="3" name="Content Placeholder 2"/>
+          <p:cNvSpPr>
+            <a:spLocks noGrp="1"/>
+          </p:cNvSpPr>
+          <p:nvPr>
+            <p:ph idx="1"/>
           </p:nvPr>
         </p:nvSpPr>
         <p:spPr/>
@@ -9041,14 +8923,42 @@
           <a:bodyPr/>
           <a:lstStyle/>
           <a:p>
-            <a:endParaRPr lang="en-US"/>
+            <a:pPr fontAlgn="base"/>
+            <a:r>
+              <a:rPr lang="en-US" dirty="0"/>
+              <a:t>Storing user information in a database​</a:t>
+            </a:r>
+          </a:p>
+          <a:p>
+            <a:pPr fontAlgn="base"/>
+            <a:r>
+              <a:rPr lang="en-US" dirty="0"/>
+              <a:t>Creating an easy-to-navigate interface​</a:t>
+            </a:r>
+          </a:p>
+          <a:p>
+            <a:pPr fontAlgn="base"/>
+            <a:r>
+              <a:rPr lang="en-US" dirty="0"/>
+              <a:t>Creating a calendar for organizing activities​</a:t>
+            </a:r>
+          </a:p>
+          <a:p>
+            <a:pPr fontAlgn="base"/>
+            <a:r>
+              <a:rPr lang="en-US" dirty="0"/>
+              <a:t>Hosting the website on a server</a:t>
+            </a:r>
+          </a:p>
+          <a:p>
+            <a:endParaRPr lang="en-US" dirty="0"/>
           </a:p>
         </p:txBody>
       </p:sp>
     </p:spTree>
     <p:extLst>
       <p:ext uri="{BB962C8B-B14F-4D97-AF65-F5344CB8AC3E}">
-        <p14:creationId xmlns:p14="http://schemas.microsoft.com/office/powerpoint/2010/main" val="51987764"/>
+        <p14:creationId xmlns:p14="http://schemas.microsoft.com/office/powerpoint/2010/main" val="3473971252"/>
       </p:ext>
     </p:extLst>
   </p:cSld>
@@ -9091,35 +9001,67 @@
           <a:lstStyle/>
           <a:p>
             <a:r>
+              <a:rPr lang="en-US" dirty="0" smtClean="0"/>
+              <a:t>Secondary Requirements</a:t>
+            </a:r>
+            <a:endParaRPr lang="en-US" dirty="0"/>
+          </a:p>
+        </p:txBody>
+      </p:sp>
+      <p:sp>
+        <p:nvSpPr>
+          <p:cNvPr id="3" name="Content Placeholder 2"/>
+          <p:cNvSpPr>
+            <a:spLocks noGrp="1"/>
+          </p:cNvSpPr>
+          <p:nvPr>
+            <p:ph idx="1"/>
+          </p:nvPr>
+        </p:nvSpPr>
+        <p:spPr/>
+        <p:txBody>
+          <a:bodyPr/>
+          <a:lstStyle/>
+          <a:p>
+            <a:pPr fontAlgn="base"/>
+            <a:r>
               <a:rPr lang="en-US" dirty="0"/>
-              <a:t>Prototype</a:t>
-            </a:r>
-          </a:p>
-        </p:txBody>
-      </p:sp>
-      <p:sp>
-        <p:nvSpPr>
-          <p:cNvPr id="3" name="Content Placeholder 2"/>
-          <p:cNvSpPr>
-            <a:spLocks noGrp="1"/>
-          </p:cNvSpPr>
-          <p:nvPr>
-            <p:ph idx="1"/>
-          </p:nvPr>
-        </p:nvSpPr>
-        <p:spPr/>
-        <p:txBody>
-          <a:bodyPr/>
-          <a:lstStyle/>
-          <a:p>
-            <a:endParaRPr lang="en-US"/>
+              <a:t>Adding donations​</a:t>
+            </a:r>
+          </a:p>
+          <a:p>
+            <a:pPr fontAlgn="base"/>
+            <a:r>
+              <a:rPr lang="en-US" dirty="0"/>
+              <a:t>Translating the site for international users​</a:t>
+            </a:r>
+          </a:p>
+          <a:p>
+            <a:pPr fontAlgn="base"/>
+            <a:r>
+              <a:rPr lang="en-US" dirty="0"/>
+              <a:t>Finding potential volunteers​</a:t>
+            </a:r>
+          </a:p>
+          <a:p>
+            <a:pPr fontAlgn="base"/>
+            <a:r>
+              <a:rPr lang="en-US" dirty="0"/>
+              <a:t>Background checks</a:t>
+            </a:r>
+          </a:p>
+          <a:p>
+            <a:pPr marL="0" indent="0">
+              <a:buNone/>
+            </a:pPr>
+            <a:endParaRPr lang="en-US" dirty="0"/>
           </a:p>
         </p:txBody>
       </p:sp>
     </p:spTree>
     <p:extLst>
       <p:ext uri="{BB962C8B-B14F-4D97-AF65-F5344CB8AC3E}">
-        <p14:creationId xmlns:p14="http://schemas.microsoft.com/office/powerpoint/2010/main" val="2018556856"/>
+        <p14:creationId xmlns:p14="http://schemas.microsoft.com/office/powerpoint/2010/main" val="3066709142"/>
       </p:ext>
     </p:extLst>
   </p:cSld>
@@ -9153,7 +9095,7 @@
             <a:spLocks noGrp="1"/>
           </p:cNvSpPr>
           <p:nvPr>
-            <p:ph type="title"/>
+            <p:ph type="ctrTitle"/>
           </p:nvPr>
         </p:nvSpPr>
         <p:spPr/>
@@ -9163,14 +9105,14 @@
           <a:p>
             <a:r>
               <a:rPr lang="en-US" dirty="0" smtClean="0"/>
-              <a:t>PROTOTYPE ABOVE</a:t>
+              <a:t>REQS ABOVE</a:t>
             </a:r>
             <a:br>
               <a:rPr lang="en-US" dirty="0" smtClean="0"/>
             </a:br>
             <a:r>
               <a:rPr lang="en-US" dirty="0" smtClean="0"/>
-              <a:t>QA RISK ANALYSIS BELOW</a:t>
+              <a:t>PROTOTYPE DEMO BELOW</a:t>
             </a:r>
             <a:endParaRPr lang="en-US" dirty="0"/>
           </a:p>
@@ -9178,12 +9120,12 @@
       </p:sp>
       <p:sp>
         <p:nvSpPr>
-          <p:cNvPr id="3" name="Content Placeholder 2"/>
-          <p:cNvSpPr>
-            <a:spLocks noGrp="1"/>
-          </p:cNvSpPr>
-          <p:nvPr>
-            <p:ph idx="1"/>
+          <p:cNvPr id="3" name="Subtitle 2"/>
+          <p:cNvSpPr>
+            <a:spLocks noGrp="1"/>
+          </p:cNvSpPr>
+          <p:nvPr>
+            <p:ph type="subTitle" idx="1"/>
           </p:nvPr>
         </p:nvSpPr>
         <p:spPr/>
@@ -9191,14 +9133,14 @@
           <a:bodyPr/>
           <a:lstStyle/>
           <a:p>
-            <a:endParaRPr lang="en-US" dirty="0"/>
+            <a:endParaRPr lang="en-US"/>
           </a:p>
         </p:txBody>
       </p:sp>
     </p:spTree>
     <p:extLst>
       <p:ext uri="{BB962C8B-B14F-4D97-AF65-F5344CB8AC3E}">
-        <p14:creationId xmlns:p14="http://schemas.microsoft.com/office/powerpoint/2010/main" val="4148209602"/>
+        <p14:creationId xmlns:p14="http://schemas.microsoft.com/office/powerpoint/2010/main" val="51987764"/>
       </p:ext>
     </p:extLst>
   </p:cSld>
@@ -9241,10 +9183,9 @@
           <a:lstStyle/>
           <a:p>
             <a:r>
-              <a:rPr lang="en-US" dirty="0" smtClean="0"/>
-              <a:t>QUALITY ASSURANCE</a:t>
-            </a:r>
-            <a:endParaRPr lang="en-US" dirty="0"/>
+              <a:rPr lang="en-US" dirty="0"/>
+              <a:t>Prototype</a:t>
+            </a:r>
           </a:p>
         </p:txBody>
       </p:sp>
@@ -9270,7 +9211,7 @@
     </p:spTree>
     <p:extLst>
       <p:ext uri="{BB962C8B-B14F-4D97-AF65-F5344CB8AC3E}">
-        <p14:creationId xmlns:p14="http://schemas.microsoft.com/office/powerpoint/2010/main" val="3755474298"/>
+        <p14:creationId xmlns:p14="http://schemas.microsoft.com/office/powerpoint/2010/main" val="2018556856"/>
       </p:ext>
     </p:extLst>
   </p:cSld>
@@ -9314,6 +9255,189 @@
           <a:p>
             <a:r>
               <a:rPr lang="en-US" dirty="0" smtClean="0"/>
+              <a:t>PROTOTYPE ABOVE</a:t>
+            </a:r>
+            <a:br>
+              <a:rPr lang="en-US" dirty="0" smtClean="0"/>
+            </a:br>
+            <a:r>
+              <a:rPr lang="en-US" dirty="0" smtClean="0"/>
+              <a:t>QA RISK ANALYSIS BELOW</a:t>
+            </a:r>
+            <a:endParaRPr lang="en-US" dirty="0"/>
+          </a:p>
+        </p:txBody>
+      </p:sp>
+      <p:sp>
+        <p:nvSpPr>
+          <p:cNvPr id="3" name="Content Placeholder 2"/>
+          <p:cNvSpPr>
+            <a:spLocks noGrp="1"/>
+          </p:cNvSpPr>
+          <p:nvPr>
+            <p:ph idx="1"/>
+          </p:nvPr>
+        </p:nvSpPr>
+        <p:spPr/>
+        <p:txBody>
+          <a:bodyPr/>
+          <a:lstStyle/>
+          <a:p>
+            <a:endParaRPr lang="en-US" dirty="0"/>
+          </a:p>
+        </p:txBody>
+      </p:sp>
+    </p:spTree>
+    <p:extLst>
+      <p:ext uri="{BB962C8B-B14F-4D97-AF65-F5344CB8AC3E}">
+        <p14:creationId xmlns:p14="http://schemas.microsoft.com/office/powerpoint/2010/main" val="4148209602"/>
+      </p:ext>
+    </p:extLst>
+  </p:cSld>
+  <p:clrMapOvr>
+    <a:masterClrMapping/>
+  </p:clrMapOvr>
+</p:sld>
+</file>
+
+<file path=ppt/slides/slide18.xml><?xml version="1.0" encoding="utf-8"?>
+<p:sld xmlns:a="http://schemas.openxmlformats.org/drawingml/2006/main" xmlns:r="http://schemas.openxmlformats.org/officeDocument/2006/relationships" xmlns:p="http://schemas.openxmlformats.org/presentationml/2006/main">
+  <p:cSld>
+    <p:spTree>
+      <p:nvGrpSpPr>
+        <p:cNvPr id="1" name=""/>
+        <p:cNvGrpSpPr/>
+        <p:nvPr/>
+      </p:nvGrpSpPr>
+      <p:grpSpPr>
+        <a:xfrm>
+          <a:off x="0" y="0"/>
+          <a:ext cx="0" cy="0"/>
+          <a:chOff x="0" y="0"/>
+          <a:chExt cx="0" cy="0"/>
+        </a:xfrm>
+      </p:grpSpPr>
+      <p:sp>
+        <p:nvSpPr>
+          <p:cNvPr id="2" name="Title 1"/>
+          <p:cNvSpPr>
+            <a:spLocks noGrp="1"/>
+          </p:cNvSpPr>
+          <p:nvPr>
+            <p:ph type="title"/>
+          </p:nvPr>
+        </p:nvSpPr>
+        <p:spPr/>
+        <p:txBody>
+          <a:bodyPr/>
+          <a:lstStyle/>
+          <a:p>
+            <a:r>
+              <a:rPr lang="en-US" dirty="0" smtClean="0"/>
+              <a:t>QUALITY ASSURANCE</a:t>
+            </a:r>
+            <a:endParaRPr lang="en-US" dirty="0"/>
+          </a:p>
+        </p:txBody>
+      </p:sp>
+      <p:sp>
+        <p:nvSpPr>
+          <p:cNvPr id="3" name="Content Placeholder 2"/>
+          <p:cNvSpPr>
+            <a:spLocks noGrp="1"/>
+          </p:cNvSpPr>
+          <p:nvPr>
+            <p:ph idx="1"/>
+          </p:nvPr>
+        </p:nvSpPr>
+        <p:spPr/>
+        <p:txBody>
+          <a:bodyPr/>
+          <a:lstStyle/>
+          <a:p>
+            <a:r>
+              <a:rPr lang="en-US" dirty="0" smtClean="0"/>
+              <a:t>Bi-</a:t>
+            </a:r>
+            <a:r>
+              <a:rPr lang="en-US" dirty="0"/>
+              <a:t>w</a:t>
+            </a:r>
+            <a:r>
+              <a:rPr lang="en-US" dirty="0" smtClean="0"/>
+              <a:t>eekly discussions with client</a:t>
+            </a:r>
+          </a:p>
+          <a:p>
+            <a:pPr lvl="1"/>
+            <a:r>
+              <a:rPr lang="en-US" dirty="0" smtClean="0"/>
+              <a:t>Free reign on design</a:t>
+            </a:r>
+          </a:p>
+          <a:p>
+            <a:r>
+              <a:rPr lang="en-US" dirty="0" smtClean="0"/>
+              <a:t>Finished sections are put through QA in Trello</a:t>
+            </a:r>
+            <a:endParaRPr lang="en-US" dirty="0"/>
+          </a:p>
+          <a:p>
+            <a:r>
+              <a:rPr lang="en-US" dirty="0" smtClean="0"/>
+              <a:t>Planning on testing with end-users for feedback</a:t>
+            </a:r>
+            <a:endParaRPr lang="en-US" dirty="0"/>
+          </a:p>
+        </p:txBody>
+      </p:sp>
+    </p:spTree>
+    <p:extLst>
+      <p:ext uri="{BB962C8B-B14F-4D97-AF65-F5344CB8AC3E}">
+        <p14:creationId xmlns:p14="http://schemas.microsoft.com/office/powerpoint/2010/main" val="3755474298"/>
+      </p:ext>
+    </p:extLst>
+  </p:cSld>
+  <p:clrMapOvr>
+    <a:masterClrMapping/>
+  </p:clrMapOvr>
+</p:sld>
+</file>
+
+<file path=ppt/slides/slide19.xml><?xml version="1.0" encoding="utf-8"?>
+<p:sld xmlns:a="http://schemas.openxmlformats.org/drawingml/2006/main" xmlns:r="http://schemas.openxmlformats.org/officeDocument/2006/relationships" xmlns:p="http://schemas.openxmlformats.org/presentationml/2006/main">
+  <p:cSld>
+    <p:spTree>
+      <p:nvGrpSpPr>
+        <p:cNvPr id="1" name=""/>
+        <p:cNvGrpSpPr/>
+        <p:nvPr/>
+      </p:nvGrpSpPr>
+      <p:grpSpPr>
+        <a:xfrm>
+          <a:off x="0" y="0"/>
+          <a:ext cx="0" cy="0"/>
+          <a:chOff x="0" y="0"/>
+          <a:chExt cx="0" cy="0"/>
+        </a:xfrm>
+      </p:grpSpPr>
+      <p:sp>
+        <p:nvSpPr>
+          <p:cNvPr id="2" name="Title 1"/>
+          <p:cNvSpPr>
+            <a:spLocks noGrp="1"/>
+          </p:cNvSpPr>
+          <p:nvPr>
+            <p:ph type="title"/>
+          </p:nvPr>
+        </p:nvSpPr>
+        <p:spPr/>
+        <p:txBody>
+          <a:bodyPr/>
+          <a:lstStyle/>
+          <a:p>
+            <a:r>
+              <a:rPr lang="en-US" dirty="0" smtClean="0"/>
               <a:t>Risk Analysis</a:t>
             </a:r>
             <a:endParaRPr lang="en-US" dirty="0"/>
@@ -9330,14 +9454,14 @@
             <p:ph idx="1"/>
             <p:extLst>
               <p:ext uri="{D42A27DB-BD31-4B8C-83A1-F6EECF244321}">
-                <p14:modId xmlns:p14="http://schemas.microsoft.com/office/powerpoint/2010/main" val="2819606056"/>
+                <p14:modId xmlns:p14="http://schemas.microsoft.com/office/powerpoint/2010/main" val="286602734"/>
               </p:ext>
             </p:extLst>
           </p:nvPr>
         </p:nvGraphicFramePr>
         <p:xfrm>
           <a:off x="2589213" y="2133600"/>
-          <a:ext cx="8915400" cy="2966720"/>
+          <a:ext cx="7132320" cy="2966720"/>
         </p:xfrm>
         <a:graphic>
           <a:graphicData uri="http://schemas.openxmlformats.org/drawingml/2006/table">
@@ -9348,7 +9472,6 @@
               <a:tblGrid>
                 <a:gridCol w="2050520"/>
                 <a:gridCol w="1515640"/>
-                <a:gridCol w="1783080"/>
                 <a:gridCol w="1783080"/>
                 <a:gridCol w="1783080"/>
               </a:tblGrid>
@@ -9389,20 +9512,6 @@
                       <a:r>
                         <a:rPr lang="en-US" dirty="0" smtClean="0"/>
                         <a:t>Feasibility</a:t>
-                      </a:r>
-                      <a:endParaRPr lang="en-US" dirty="0"/>
-                    </a:p>
-                  </a:txBody>
-                  <a:tcPr/>
-                </a:tc>
-                <a:tc>
-                  <a:txBody>
-                    <a:bodyPr/>
-                    <a:lstStyle/>
-                    <a:p>
-                      <a:r>
-                        <a:rPr lang="en-US" dirty="0" smtClean="0"/>
-                        <a:t>Weighted</a:t>
                       </a:r>
                       <a:endParaRPr lang="en-US" dirty="0"/>
                     </a:p>
@@ -9460,21 +9569,7 @@
                     <a:p>
                       <a:r>
                         <a:rPr lang="en-US" dirty="0" smtClean="0"/>
-                        <a:t>Definite</a:t>
-                      </a:r>
-                      <a:endParaRPr lang="en-US" dirty="0"/>
-                    </a:p>
-                  </a:txBody>
-                  <a:tcPr/>
-                </a:tc>
-                <a:tc>
-                  <a:txBody>
-                    <a:bodyPr/>
-                    <a:lstStyle/>
-                    <a:p>
-                      <a:r>
-                        <a:rPr lang="en-US" dirty="0" smtClean="0"/>
-                        <a:t>1</a:t>
+                        <a:t>HIGH</a:t>
                       </a:r>
                       <a:endParaRPr lang="en-US" dirty="0"/>
                     </a:p>
@@ -9546,20 +9641,6 @@
                     <a:p>
                       <a:r>
                         <a:rPr lang="en-US" dirty="0" smtClean="0"/>
-                        <a:t>1</a:t>
-                      </a:r>
-                      <a:endParaRPr lang="en-US" dirty="0"/>
-                    </a:p>
-                  </a:txBody>
-                  <a:tcPr/>
-                </a:tc>
-                <a:tc>
-                  <a:txBody>
-                    <a:bodyPr/>
-                    <a:lstStyle/>
-                    <a:p>
-                      <a:r>
-                        <a:rPr lang="en-US" dirty="0" smtClean="0"/>
                         <a:t>HIGH</a:t>
                       </a:r>
                       <a:endParaRPr lang="en-US" dirty="0"/>
@@ -9609,16 +9690,6 @@
                   </a:txBody>
                   <a:tcPr/>
                 </a:tc>
-                <a:tc>
-                  <a:txBody>
-                    <a:bodyPr/>
-                    <a:lstStyle/>
-                    <a:p>
-                      <a:endParaRPr lang="en-US" dirty="0"/>
-                    </a:p>
-                  </a:txBody>
-                  <a:tcPr/>
-                </a:tc>
               </a:tr>
               <a:tr h="370840">
                 <a:tc>
@@ -9626,6 +9697,10 @@
                     <a:bodyPr/>
                     <a:lstStyle/>
                     <a:p>
+                      <a:r>
+                        <a:rPr lang="en-US" dirty="0" smtClean="0"/>
+                        <a:t>Volunteers</a:t>
+                      </a:r>
                       <a:endParaRPr lang="en-US" dirty="0"/>
                     </a:p>
                   </a:txBody>
@@ -9636,6 +9711,10 @@
                     <a:bodyPr/>
                     <a:lstStyle/>
                     <a:p>
+                      <a:r>
+                        <a:rPr lang="en-US" dirty="0" smtClean="0"/>
+                        <a:t>HIGH</a:t>
+                      </a:r>
                       <a:endParaRPr lang="en-US" dirty="0"/>
                     </a:p>
                   </a:txBody>
@@ -9646,6 +9725,10 @@
                     <a:bodyPr/>
                     <a:lstStyle/>
                     <a:p>
+                      <a:r>
+                        <a:rPr lang="en-US" dirty="0" smtClean="0"/>
+                        <a:t>MED</a:t>
+                      </a:r>
                       <a:endParaRPr lang="en-US" dirty="0"/>
                     </a:p>
                   </a:txBody>
@@ -9656,16 +9739,10 @@
                     <a:bodyPr/>
                     <a:lstStyle/>
                     <a:p>
-                      <a:endParaRPr lang="en-US" dirty="0"/>
-                    </a:p>
-                  </a:txBody>
-                  <a:tcPr/>
-                </a:tc>
-                <a:tc>
-                  <a:txBody>
-                    <a:bodyPr/>
-                    <a:lstStyle/>
-                    <a:p>
+                      <a:r>
+                        <a:rPr lang="en-US" dirty="0" smtClean="0"/>
+                        <a:t>MED</a:t>
+                      </a:r>
                       <a:endParaRPr lang="en-US" dirty="0"/>
                     </a:p>
                   </a:txBody>
@@ -9726,20 +9803,6 @@
                     <a:p>
                       <a:r>
                         <a:rPr lang="en-US" dirty="0" smtClean="0"/>
-                        <a:t>3</a:t>
-                      </a:r>
-                      <a:endParaRPr lang="en-US" dirty="0"/>
-                    </a:p>
-                  </a:txBody>
-                  <a:tcPr/>
-                </a:tc>
-                <a:tc>
-                  <a:txBody>
-                    <a:bodyPr/>
-                    <a:lstStyle/>
-                    <a:p>
-                      <a:r>
-                        <a:rPr lang="en-US" dirty="0" smtClean="0"/>
                         <a:t>HIGH</a:t>
                       </a:r>
                       <a:endParaRPr lang="en-US" dirty="0"/>
@@ -9756,11 +9819,15 @@
                     <a:p>
                       <a:r>
                         <a:rPr lang="en-US" dirty="0" smtClean="0"/>
-                        <a:t>Pay</a:t>
+                        <a:t>Paid</a:t>
                       </a:r>
                       <a:r>
                         <a:rPr lang="en-US" baseline="0" dirty="0" smtClean="0"/>
-                        <a:t> Option</a:t>
+                        <a:t> </a:t>
+                      </a:r>
+                      <a:r>
+                        <a:rPr lang="en-US" baseline="0" dirty="0" smtClean="0"/>
+                        <a:t>Option</a:t>
                       </a:r>
                       <a:endParaRPr lang="en-US" dirty="0"/>
                     </a:p>
@@ -9802,20 +9869,6 @@
                     <a:p>
                       <a:r>
                         <a:rPr lang="en-US" dirty="0" smtClean="0"/>
-                        <a:t>7</a:t>
-                      </a:r>
-                      <a:endParaRPr lang="en-US" dirty="0"/>
-                    </a:p>
-                  </a:txBody>
-                  <a:tcPr/>
-                </a:tc>
-                <a:tc>
-                  <a:txBody>
-                    <a:bodyPr/>
-                    <a:lstStyle/>
-                    <a:p>
-                      <a:r>
-                        <a:rPr lang="en-US" dirty="0" smtClean="0"/>
                         <a:t>LOW</a:t>
                       </a:r>
                       <a:endParaRPr lang="en-US" dirty="0"/>
@@ -9831,12 +9884,8 @@
                     <a:lstStyle/>
                     <a:p>
                       <a:r>
-                        <a:rPr lang="en-US" dirty="0" err="1" smtClean="0"/>
-                        <a:t>Mult</a:t>
-                      </a:r>
-                      <a:r>
                         <a:rPr lang="en-US" dirty="0" smtClean="0"/>
-                        <a:t> Lang</a:t>
+                        <a:t>Languages</a:t>
                       </a:r>
                       <a:endParaRPr lang="en-US" dirty="0"/>
                     </a:p>
@@ -9878,20 +9927,6 @@
                     <a:p>
                       <a:r>
                         <a:rPr lang="en-US" dirty="0" smtClean="0"/>
-                        <a:t>10</a:t>
-                      </a:r>
-                      <a:endParaRPr lang="en-US" dirty="0"/>
-                    </a:p>
-                  </a:txBody>
-                  <a:tcPr/>
-                </a:tc>
-                <a:tc>
-                  <a:txBody>
-                    <a:bodyPr/>
-                    <a:lstStyle/>
-                    <a:p>
-                      <a:r>
-                        <a:rPr lang="en-US" dirty="0" smtClean="0"/>
                         <a:t>LOW</a:t>
                       </a:r>
                       <a:endParaRPr lang="en-US" dirty="0"/>
@@ -9908,133 +9943,6 @@
     <p:extLst>
       <p:ext uri="{BB962C8B-B14F-4D97-AF65-F5344CB8AC3E}">
         <p14:creationId xmlns:p14="http://schemas.microsoft.com/office/powerpoint/2010/main" val="3968799973"/>
-      </p:ext>
-    </p:extLst>
-  </p:cSld>
-  <p:clrMapOvr>
-    <a:masterClrMapping/>
-  </p:clrMapOvr>
-</p:sld>
-</file>
-
-<file path=ppt/slides/slide18.xml><?xml version="1.0" encoding="utf-8"?>
-<p:sld xmlns:a="http://schemas.openxmlformats.org/drawingml/2006/main" xmlns:r="http://schemas.openxmlformats.org/officeDocument/2006/relationships" xmlns:p="http://schemas.openxmlformats.org/presentationml/2006/main">
-  <p:cSld>
-    <p:spTree>
-      <p:nvGrpSpPr>
-        <p:cNvPr id="1" name=""/>
-        <p:cNvGrpSpPr/>
-        <p:nvPr/>
-      </p:nvGrpSpPr>
-      <p:grpSpPr>
-        <a:xfrm>
-          <a:off x="0" y="0"/>
-          <a:ext cx="0" cy="0"/>
-          <a:chOff x="0" y="0"/>
-          <a:chExt cx="0" cy="0"/>
-        </a:xfrm>
-      </p:grpSpPr>
-      <p:sp>
-        <p:nvSpPr>
-          <p:cNvPr id="2" name="Title 1"/>
-          <p:cNvSpPr>
-            <a:spLocks noGrp="1"/>
-          </p:cNvSpPr>
-          <p:nvPr>
-            <p:ph type="title"/>
-          </p:nvPr>
-        </p:nvSpPr>
-        <p:spPr/>
-        <p:txBody>
-          <a:bodyPr/>
-          <a:lstStyle/>
-          <a:p>
-            <a:r>
-              <a:rPr lang="en-US" dirty="0" smtClean="0"/>
-              <a:t>Conclusion</a:t>
-            </a:r>
-            <a:endParaRPr lang="en-US" dirty="0"/>
-          </a:p>
-        </p:txBody>
-      </p:sp>
-      <p:sp>
-        <p:nvSpPr>
-          <p:cNvPr id="3" name="Content Placeholder 2"/>
-          <p:cNvSpPr>
-            <a:spLocks noGrp="1"/>
-          </p:cNvSpPr>
-          <p:nvPr>
-            <p:ph idx="1"/>
-          </p:nvPr>
-        </p:nvSpPr>
-        <p:spPr/>
-        <p:txBody>
-          <a:bodyPr/>
-          <a:lstStyle/>
-          <a:p>
-            <a:endParaRPr lang="en-US"/>
-          </a:p>
-        </p:txBody>
-      </p:sp>
-    </p:spTree>
-    <p:extLst>
-      <p:ext uri="{BB962C8B-B14F-4D97-AF65-F5344CB8AC3E}">
-        <p14:creationId xmlns:p14="http://schemas.microsoft.com/office/powerpoint/2010/main" val="4157375115"/>
-      </p:ext>
-    </p:extLst>
-  </p:cSld>
-  <p:clrMapOvr>
-    <a:masterClrMapping/>
-  </p:clrMapOvr>
-</p:sld>
-</file>
-
-<file path=ppt/slides/slide19.xml><?xml version="1.0" encoding="utf-8"?>
-<p:sld xmlns:a="http://schemas.openxmlformats.org/drawingml/2006/main" xmlns:r="http://schemas.openxmlformats.org/officeDocument/2006/relationships" xmlns:p="http://schemas.openxmlformats.org/presentationml/2006/main">
-  <p:cSld>
-    <p:spTree>
-      <p:nvGrpSpPr>
-        <p:cNvPr id="1" name=""/>
-        <p:cNvGrpSpPr/>
-        <p:nvPr/>
-      </p:nvGrpSpPr>
-      <p:grpSpPr>
-        <a:xfrm>
-          <a:off x="0" y="0"/>
-          <a:ext cx="0" cy="0"/>
-          <a:chOff x="0" y="0"/>
-          <a:chExt cx="0" cy="0"/>
-        </a:xfrm>
-      </p:grpSpPr>
-      <p:sp>
-        <p:nvSpPr>
-          <p:cNvPr id="2" name="Title 1"/>
-          <p:cNvSpPr>
-            <a:spLocks noGrp="1"/>
-          </p:cNvSpPr>
-          <p:nvPr>
-            <p:ph type="title"/>
-          </p:nvPr>
-        </p:nvSpPr>
-        <p:spPr/>
-        <p:txBody>
-          <a:bodyPr>
-            <a:normAutofit/>
-          </a:bodyPr>
-          <a:lstStyle/>
-          <a:p>
-            <a:r>
-              <a:rPr lang="en-US" sz="4800" b="1" dirty="0" smtClean="0"/>
-              <a:t>QUESTIONS?</a:t>
-            </a:r>
-            <a:endParaRPr lang="en-US" sz="4800" b="1" dirty="0"/>
-          </a:p>
-        </p:txBody>
-      </p:sp>
-    </p:spTree>
-    <p:extLst>
-      <p:ext uri="{BB962C8B-B14F-4D97-AF65-F5344CB8AC3E}">
-        <p14:creationId xmlns:p14="http://schemas.microsoft.com/office/powerpoint/2010/main" val="1078082126"/>
       </p:ext>
     </p:extLst>
   </p:cSld>
@@ -10145,7 +10053,322 @@
 </p:sld>
 </file>
 
+<file path=ppt/slides/slide20.xml><?xml version="1.0" encoding="utf-8"?>
+<p:sld xmlns:a="http://schemas.openxmlformats.org/drawingml/2006/main" xmlns:r="http://schemas.openxmlformats.org/officeDocument/2006/relationships" xmlns:p="http://schemas.openxmlformats.org/presentationml/2006/main">
+  <p:cSld>
+    <p:spTree>
+      <p:nvGrpSpPr>
+        <p:cNvPr id="1" name=""/>
+        <p:cNvGrpSpPr/>
+        <p:nvPr/>
+      </p:nvGrpSpPr>
+      <p:grpSpPr>
+        <a:xfrm>
+          <a:off x="0" y="0"/>
+          <a:ext cx="0" cy="0"/>
+          <a:chOff x="0" y="0"/>
+          <a:chExt cx="0" cy="0"/>
+        </a:xfrm>
+      </p:grpSpPr>
+      <p:sp>
+        <p:nvSpPr>
+          <p:cNvPr id="2" name="Title 1"/>
+          <p:cNvSpPr>
+            <a:spLocks noGrp="1"/>
+          </p:cNvSpPr>
+          <p:nvPr>
+            <p:ph type="title"/>
+          </p:nvPr>
+        </p:nvSpPr>
+        <p:spPr/>
+        <p:txBody>
+          <a:bodyPr/>
+          <a:lstStyle/>
+          <a:p>
+            <a:r>
+              <a:rPr lang="en-US" dirty="0" smtClean="0"/>
+              <a:t>Conclusion</a:t>
+            </a:r>
+            <a:endParaRPr lang="en-US" dirty="0"/>
+          </a:p>
+        </p:txBody>
+      </p:sp>
+      <p:sp>
+        <p:nvSpPr>
+          <p:cNvPr id="3" name="Content Placeholder 2"/>
+          <p:cNvSpPr>
+            <a:spLocks noGrp="1"/>
+          </p:cNvSpPr>
+          <p:nvPr>
+            <p:ph idx="1"/>
+          </p:nvPr>
+        </p:nvSpPr>
+        <p:spPr/>
+        <p:txBody>
+          <a:bodyPr>
+            <a:normAutofit/>
+          </a:bodyPr>
+          <a:lstStyle/>
+          <a:p>
+            <a:r>
+              <a:rPr lang="en-US" dirty="0" smtClean="0"/>
+              <a:t>PIE is a site to promote healthy social activities for the elderly</a:t>
+            </a:r>
+          </a:p>
+          <a:p>
+            <a:r>
+              <a:rPr lang="en-US" dirty="0" smtClean="0"/>
+              <a:t>Completed tasks:</a:t>
+            </a:r>
+          </a:p>
+          <a:p>
+            <a:pPr lvl="1" fontAlgn="base"/>
+            <a:r>
+              <a:rPr lang="en-US" dirty="0"/>
+              <a:t>Storing user information in a database​</a:t>
+            </a:r>
+          </a:p>
+          <a:p>
+            <a:pPr lvl="1" fontAlgn="base"/>
+            <a:r>
+              <a:rPr lang="en-US" dirty="0"/>
+              <a:t>Creating an easy-to-navigate interface​</a:t>
+            </a:r>
+          </a:p>
+          <a:p>
+            <a:r>
+              <a:rPr lang="en-US" dirty="0" smtClean="0"/>
+              <a:t>Future tasks:</a:t>
+            </a:r>
+          </a:p>
+          <a:p>
+            <a:pPr lvl="1"/>
+            <a:r>
+              <a:rPr lang="en-US" dirty="0" smtClean="0"/>
+              <a:t>Creating a calendar to organize activities</a:t>
+            </a:r>
+          </a:p>
+          <a:p>
+            <a:pPr lvl="1"/>
+            <a:r>
+              <a:rPr lang="en-US" dirty="0" smtClean="0"/>
+              <a:t>Hosting the website</a:t>
+            </a:r>
+            <a:endParaRPr lang="en-US" dirty="0"/>
+          </a:p>
+          <a:p>
+            <a:pPr lvl="1"/>
+            <a:endParaRPr lang="en-US" dirty="0" smtClean="0"/>
+          </a:p>
+          <a:p>
+            <a:endParaRPr lang="en-US" dirty="0"/>
+          </a:p>
+        </p:txBody>
+      </p:sp>
+    </p:spTree>
+    <p:extLst>
+      <p:ext uri="{BB962C8B-B14F-4D97-AF65-F5344CB8AC3E}">
+        <p14:creationId xmlns:p14="http://schemas.microsoft.com/office/powerpoint/2010/main" val="4157375115"/>
+      </p:ext>
+    </p:extLst>
+  </p:cSld>
+  <p:clrMapOvr>
+    <a:masterClrMapping/>
+  </p:clrMapOvr>
+</p:sld>
+</file>
+
+<file path=ppt/slides/slide21.xml><?xml version="1.0" encoding="utf-8"?>
+<p:sld xmlns:a="http://schemas.openxmlformats.org/drawingml/2006/main" xmlns:r="http://schemas.openxmlformats.org/officeDocument/2006/relationships" xmlns:p="http://schemas.openxmlformats.org/presentationml/2006/main">
+  <p:cSld>
+    <p:spTree>
+      <p:nvGrpSpPr>
+        <p:cNvPr id="1" name=""/>
+        <p:cNvGrpSpPr/>
+        <p:nvPr/>
+      </p:nvGrpSpPr>
+      <p:grpSpPr>
+        <a:xfrm>
+          <a:off x="0" y="0"/>
+          <a:ext cx="0" cy="0"/>
+          <a:chOff x="0" y="0"/>
+          <a:chExt cx="0" cy="0"/>
+        </a:xfrm>
+      </p:grpSpPr>
+      <p:sp>
+        <p:nvSpPr>
+          <p:cNvPr id="2" name="Title 1"/>
+          <p:cNvSpPr>
+            <a:spLocks noGrp="1"/>
+          </p:cNvSpPr>
+          <p:nvPr>
+            <p:ph type="title"/>
+          </p:nvPr>
+        </p:nvSpPr>
+        <p:spPr/>
+        <p:txBody>
+          <a:bodyPr>
+            <a:normAutofit/>
+          </a:bodyPr>
+          <a:lstStyle/>
+          <a:p>
+            <a:r>
+              <a:rPr lang="en-US" sz="4800" b="1" dirty="0" smtClean="0"/>
+              <a:t>QUESTIONS?</a:t>
+            </a:r>
+            <a:endParaRPr lang="en-US" sz="4800" b="1" dirty="0"/>
+          </a:p>
+        </p:txBody>
+      </p:sp>
+    </p:spTree>
+    <p:extLst>
+      <p:ext uri="{BB962C8B-B14F-4D97-AF65-F5344CB8AC3E}">
+        <p14:creationId xmlns:p14="http://schemas.microsoft.com/office/powerpoint/2010/main" val="1078082126"/>
+      </p:ext>
+    </p:extLst>
+  </p:cSld>
+  <p:clrMapOvr>
+    <a:masterClrMapping/>
+  </p:clrMapOvr>
+</p:sld>
+</file>
+
 <file path=ppt/slides/slide3.xml><?xml version="1.0" encoding="utf-8"?>
+<p:sld xmlns:a="http://schemas.openxmlformats.org/drawingml/2006/main" xmlns:r="http://schemas.openxmlformats.org/officeDocument/2006/relationships" xmlns:p="http://schemas.openxmlformats.org/presentationml/2006/main">
+  <p:cSld>
+    <p:spTree>
+      <p:nvGrpSpPr>
+        <p:cNvPr id="1" name=""/>
+        <p:cNvGrpSpPr/>
+        <p:nvPr/>
+      </p:nvGrpSpPr>
+      <p:grpSpPr>
+        <a:xfrm>
+          <a:off x="0" y="0"/>
+          <a:ext cx="0" cy="0"/>
+          <a:chOff x="0" y="0"/>
+          <a:chExt cx="0" cy="0"/>
+        </a:xfrm>
+      </p:grpSpPr>
+      <p:sp>
+        <p:nvSpPr>
+          <p:cNvPr id="2" name="Title 1"/>
+          <p:cNvSpPr>
+            <a:spLocks noGrp="1"/>
+          </p:cNvSpPr>
+          <p:nvPr>
+            <p:ph type="title"/>
+          </p:nvPr>
+        </p:nvSpPr>
+        <p:spPr/>
+        <p:txBody>
+          <a:bodyPr/>
+          <a:lstStyle/>
+          <a:p>
+            <a:r>
+              <a:rPr lang="en-US" dirty="0"/>
+              <a:t>Project Schedule</a:t>
+            </a:r>
+            <a:br>
+              <a:rPr lang="en-US" dirty="0"/>
+            </a:br>
+            <a:endParaRPr lang="en-US" dirty="0"/>
+          </a:p>
+        </p:txBody>
+      </p:sp>
+      <p:sp>
+        <p:nvSpPr>
+          <p:cNvPr id="3" name="Content Placeholder 2"/>
+          <p:cNvSpPr>
+            <a:spLocks noGrp="1"/>
+          </p:cNvSpPr>
+          <p:nvPr>
+            <p:ph idx="1"/>
+          </p:nvPr>
+        </p:nvSpPr>
+        <p:spPr/>
+        <p:txBody>
+          <a:bodyPr/>
+          <a:lstStyle/>
+          <a:p>
+            <a:pPr lvl="1"/>
+            <a:r>
+              <a:rPr lang="en-US" sz="1800" dirty="0" smtClean="0"/>
+              <a:t>Reach </a:t>
+            </a:r>
+            <a:r>
+              <a:rPr lang="en-US" sz="1800" dirty="0"/>
+              <a:t>new milestones each 2-week </a:t>
+            </a:r>
+            <a:r>
+              <a:rPr lang="en-US" sz="1800" dirty="0" smtClean="0"/>
+              <a:t>sprint</a:t>
+            </a:r>
+          </a:p>
+          <a:p>
+            <a:pPr lvl="2"/>
+            <a:r>
+              <a:rPr lang="en-US" dirty="0" smtClean="0"/>
+              <a:t>Review and plan after each sprint</a:t>
+            </a:r>
+            <a:endParaRPr lang="en-US" dirty="0"/>
+          </a:p>
+          <a:p>
+            <a:pPr lvl="1"/>
+            <a:r>
+              <a:rPr lang="en-US" sz="1800" dirty="0"/>
+              <a:t>SCRUM </a:t>
+            </a:r>
+            <a:r>
+              <a:rPr lang="en-US" sz="1800" dirty="0" smtClean="0"/>
+              <a:t>meetings, </a:t>
+            </a:r>
+            <a:r>
+              <a:rPr lang="en-US" sz="1800" dirty="0"/>
+              <a:t>Client </a:t>
+            </a:r>
+            <a:r>
+              <a:rPr lang="en-US" sz="1800" dirty="0" smtClean="0"/>
+              <a:t>and Faculty Meetings</a:t>
+            </a:r>
+          </a:p>
+          <a:p>
+            <a:pPr lvl="1"/>
+            <a:r>
+              <a:rPr lang="en-US" sz="1800" dirty="0" smtClean="0"/>
+              <a:t>Projections:</a:t>
+            </a:r>
+          </a:p>
+          <a:p>
+            <a:pPr lvl="2"/>
+            <a:r>
+              <a:rPr lang="en-US" dirty="0" smtClean="0"/>
+              <a:t>Hosting and testing by January 15</a:t>
+            </a:r>
+          </a:p>
+          <a:p>
+            <a:pPr lvl="1"/>
+            <a:endParaRPr lang="en-US" sz="1800" dirty="0"/>
+          </a:p>
+          <a:p>
+            <a:endParaRPr lang="en-US" dirty="0"/>
+          </a:p>
+        </p:txBody>
+      </p:sp>
+    </p:spTree>
+    <p:extLst>
+      <p:ext uri="{BB962C8B-B14F-4D97-AF65-F5344CB8AC3E}">
+        <p14:creationId xmlns:p14="http://schemas.microsoft.com/office/powerpoint/2010/main" val="199080205"/>
+      </p:ext>
+    </p:extLst>
+  </p:cSld>
+  <p:clrMapOvr>
+    <a:masterClrMapping/>
+  </p:clrMapOvr>
+</p:sld>
+</file>
+
+<file path=ppt/slides/slide4.xml><?xml version="1.0" encoding="utf-8"?>
 <p:sld xmlns:a="http://schemas.openxmlformats.org/drawingml/2006/main" xmlns:r="http://schemas.openxmlformats.org/officeDocument/2006/relationships" xmlns:p="http://schemas.openxmlformats.org/presentationml/2006/main">
   <p:cSld>
     <p:spTree>
@@ -10336,7 +10559,7 @@
 </p:sld>
 </file>
 
-<file path=ppt/slides/slide4.xml><?xml version="1.0" encoding="utf-8"?>
+<file path=ppt/slides/slide5.xml><?xml version="1.0" encoding="utf-8"?>
 <p:sld xmlns:a="http://schemas.openxmlformats.org/drawingml/2006/main" xmlns:r="http://schemas.openxmlformats.org/officeDocument/2006/relationships" xmlns:p="http://schemas.openxmlformats.org/presentationml/2006/main">
   <p:cSld>
     <p:spTree>
@@ -10418,150 +10641,6 @@
 </p:sld>
 </file>
 
-<file path=ppt/slides/slide5.xml><?xml version="1.0" encoding="utf-8"?>
-<p:sld xmlns:a="http://schemas.openxmlformats.org/drawingml/2006/main" xmlns:r="http://schemas.openxmlformats.org/officeDocument/2006/relationships" xmlns:p="http://schemas.openxmlformats.org/presentationml/2006/main">
-  <p:cSld>
-    <p:spTree>
-      <p:nvGrpSpPr>
-        <p:cNvPr id="1" name=""/>
-        <p:cNvGrpSpPr/>
-        <p:nvPr/>
-      </p:nvGrpSpPr>
-      <p:grpSpPr>
-        <a:xfrm>
-          <a:off x="0" y="0"/>
-          <a:ext cx="0" cy="0"/>
-          <a:chOff x="0" y="0"/>
-          <a:chExt cx="0" cy="0"/>
-        </a:xfrm>
-      </p:grpSpPr>
-      <p:sp>
-        <p:nvSpPr>
-          <p:cNvPr id="2" name="Title 1"/>
-          <p:cNvSpPr>
-            <a:spLocks noGrp="1"/>
-          </p:cNvSpPr>
-          <p:nvPr>
-            <p:ph type="title"/>
-          </p:nvPr>
-        </p:nvSpPr>
-        <p:spPr/>
-        <p:txBody>
-          <a:bodyPr/>
-          <a:lstStyle/>
-          <a:p>
-            <a:r>
-              <a:rPr lang="en-US" dirty="0" smtClean="0"/>
-              <a:t>Project</a:t>
-            </a:r>
-            <a:endParaRPr lang="en-US" dirty="0"/>
-          </a:p>
-        </p:txBody>
-      </p:sp>
-      <p:sp>
-        <p:nvSpPr>
-          <p:cNvPr id="3" name="Content Placeholder 2"/>
-          <p:cNvSpPr>
-            <a:spLocks noGrp="1"/>
-          </p:cNvSpPr>
-          <p:nvPr>
-            <p:ph idx="1"/>
-          </p:nvPr>
-        </p:nvSpPr>
-        <p:spPr/>
-        <p:txBody>
-          <a:bodyPr/>
-          <a:lstStyle/>
-          <a:p>
-            <a:r>
-              <a:rPr lang="en-US" dirty="0"/>
-              <a:t>PIE Project (Personal Interactive Expeditions)</a:t>
-            </a:r>
-          </a:p>
-          <a:p>
-            <a:r>
-              <a:rPr lang="en-US" dirty="0">
-                <a:latin typeface="Century Gothic" charset="0"/>
-              </a:rPr>
-              <a:t>Client: Dr. Yvonne </a:t>
-            </a:r>
-            <a:r>
-              <a:rPr lang="en-US" dirty="0" err="1">
-                <a:latin typeface="Century Gothic" charset="0"/>
-              </a:rPr>
-              <a:t>Chueh</a:t>
-            </a:r>
-            <a:endParaRPr lang="en-US" dirty="0">
-              <a:latin typeface="Century Gothic" charset="0"/>
-            </a:endParaRPr>
-          </a:p>
-          <a:p>
-            <a:r>
-              <a:rPr lang="en-US" dirty="0">
-                <a:latin typeface="Century Gothic" charset="0"/>
-              </a:rPr>
-              <a:t>Faculty Mentor: Dr.  Ed </a:t>
-            </a:r>
-            <a:r>
-              <a:rPr lang="en-US" dirty="0" err="1">
-                <a:latin typeface="Century Gothic" charset="0"/>
-              </a:rPr>
-              <a:t>Lulofs</a:t>
-            </a:r>
-            <a:endParaRPr lang="en-US" dirty="0">
-              <a:latin typeface="Century Gothic" charset="0"/>
-            </a:endParaRPr>
-          </a:p>
-          <a:p>
-            <a:r>
-              <a:rPr lang="en-US" dirty="0"/>
-              <a:t>Goal: To develop a website that will aid the elderly </a:t>
-            </a:r>
-            <a:r>
-              <a:rPr lang="en-US"/>
-              <a:t>community </a:t>
-            </a:r>
-            <a:r>
-              <a:rPr lang="en-US" smtClean="0"/>
-              <a:t>which </a:t>
-            </a:r>
-            <a:r>
-              <a:rPr lang="en-US" dirty="0"/>
-              <a:t>is facing social isolation.</a:t>
-            </a:r>
-          </a:p>
-          <a:p>
-            <a:pPr lvl="1"/>
-            <a:r>
-              <a:rPr lang="en-US" sz="1800" dirty="0"/>
-              <a:t>This site will promote social activities and outings</a:t>
-            </a:r>
-          </a:p>
-          <a:p>
-            <a:pPr lvl="1"/>
-            <a:r>
-              <a:rPr lang="en-US" sz="1800" dirty="0"/>
-              <a:t>The simple design should aid with navigation, scheduling, and more</a:t>
-            </a:r>
-          </a:p>
-          <a:p>
-            <a:endParaRPr lang="en-US" dirty="0"/>
-          </a:p>
-        </p:txBody>
-      </p:sp>
-    </p:spTree>
-    <p:extLst>
-      <p:ext uri="{BB962C8B-B14F-4D97-AF65-F5344CB8AC3E}">
-        <p14:creationId xmlns:p14="http://schemas.microsoft.com/office/powerpoint/2010/main" val="2318258539"/>
-      </p:ext>
-    </p:extLst>
-  </p:cSld>
-  <p:clrMapOvr>
-    <a:masterClrMapping/>
-  </p:clrMapOvr>
-</p:sld>
-</file>
-
 <file path=ppt/slides/slide6.xml><?xml version="1.0" encoding="utf-8"?>
 <p:sld xmlns:a="http://schemas.openxmlformats.org/drawingml/2006/main" xmlns:r="http://schemas.openxmlformats.org/officeDocument/2006/relationships" xmlns:p="http://schemas.openxmlformats.org/presentationml/2006/main">
   <p:cSld>
@@ -10596,7 +10675,7 @@
           <a:p>
             <a:r>
               <a:rPr lang="en-US" dirty="0" smtClean="0"/>
-              <a:t>Challenge</a:t>
+              <a:t>Project</a:t>
             </a:r>
             <a:endParaRPr lang="en-US" dirty="0"/>
           </a:p>
@@ -10618,33 +10697,77 @@
           <a:lstStyle/>
           <a:p>
             <a:r>
-              <a:rPr lang="en-US" dirty="0" smtClean="0"/>
-              <a:t>Seniors are facing social isolation</a:t>
-            </a:r>
-          </a:p>
-          <a:p>
-            <a:pPr marL="0" indent="0">
-              <a:buNone/>
-            </a:pPr>
-            <a:endParaRPr lang="en-US" dirty="0" smtClean="0"/>
-          </a:p>
-          <a:p>
-            <a:r>
-              <a:rPr lang="en-US" dirty="0" smtClean="0"/>
-              <a:t>No site designed for seniors to engage in social outings</a:t>
-            </a:r>
-          </a:p>
-          <a:p>
-            <a:pPr marL="0" indent="0">
-              <a:buNone/>
-            </a:pPr>
-            <a:endParaRPr lang="en-US" dirty="0" smtClean="0"/>
-          </a:p>
-          <a:p>
-            <a:r>
-              <a:rPr lang="en-US" dirty="0" smtClean="0"/>
-              <a:t>Current sites not tailored to meet challenges of aging community </a:t>
-            </a:r>
+              <a:rPr lang="en-US" dirty="0"/>
+              <a:t>PIE Project (Personal Interactive Expeditions)</a:t>
+            </a:r>
+          </a:p>
+          <a:p>
+            <a:r>
+              <a:rPr lang="en-US" dirty="0">
+                <a:latin typeface="Century Gothic" charset="0"/>
+              </a:rPr>
+              <a:t>Client: Dr. Yvonne </a:t>
+            </a:r>
+            <a:r>
+              <a:rPr lang="en-US" dirty="0" err="1">
+                <a:latin typeface="Century Gothic" charset="0"/>
+              </a:rPr>
+              <a:t>Chueh</a:t>
+            </a:r>
+            <a:endParaRPr lang="en-US" dirty="0">
+              <a:latin typeface="Century Gothic" charset="0"/>
+            </a:endParaRPr>
+          </a:p>
+          <a:p>
+            <a:r>
+              <a:rPr lang="en-US" dirty="0">
+                <a:latin typeface="Century Gothic" charset="0"/>
+              </a:rPr>
+              <a:t>Faculty Mentor: Dr.  Ed </a:t>
+            </a:r>
+            <a:r>
+              <a:rPr lang="en-US" dirty="0" err="1">
+                <a:latin typeface="Century Gothic" charset="0"/>
+              </a:rPr>
+              <a:t>Lulofs</a:t>
+            </a:r>
+            <a:endParaRPr lang="en-US" dirty="0">
+              <a:latin typeface="Century Gothic" charset="0"/>
+            </a:endParaRPr>
+          </a:p>
+          <a:p>
+            <a:r>
+              <a:rPr lang="en-US" dirty="0"/>
+              <a:t>Goal: To develop a website that will aid the elderly </a:t>
+            </a:r>
+            <a:r>
+              <a:rPr lang="en-US"/>
+              <a:t>community </a:t>
+            </a:r>
+            <a:r>
+              <a:rPr lang="en-US" smtClean="0"/>
+              <a:t>which </a:t>
+            </a:r>
+            <a:r>
+              <a:rPr lang="en-US" dirty="0"/>
+              <a:t>is facing social isolation.</a:t>
+            </a:r>
+          </a:p>
+          <a:p>
+            <a:pPr lvl="1"/>
+            <a:r>
+              <a:rPr lang="en-US" sz="1800" dirty="0"/>
+              <a:t>This site will promote social activities and outings</a:t>
+            </a:r>
+          </a:p>
+          <a:p>
+            <a:pPr lvl="1"/>
+            <a:r>
+              <a:rPr lang="en-US" sz="1800" dirty="0"/>
+              <a:t>The simple design should aid with navigation, scheduling, and more</a:t>
+            </a:r>
+          </a:p>
+          <a:p>
             <a:endParaRPr lang="en-US" dirty="0"/>
           </a:p>
         </p:txBody>
@@ -10652,7 +10775,7 @@
     </p:spTree>
     <p:extLst>
       <p:ext uri="{BB962C8B-B14F-4D97-AF65-F5344CB8AC3E}">
-        <p14:creationId xmlns:p14="http://schemas.microsoft.com/office/powerpoint/2010/main" val="2049749837"/>
+        <p14:creationId xmlns:p14="http://schemas.microsoft.com/office/powerpoint/2010/main" val="2318258539"/>
       </p:ext>
     </p:extLst>
   </p:cSld>
@@ -10696,7 +10819,7 @@
           <a:p>
             <a:r>
               <a:rPr lang="en-US" dirty="0" smtClean="0"/>
-              <a:t>Solution</a:t>
+              <a:t>Challenge</a:t>
             </a:r>
             <a:endParaRPr lang="en-US" dirty="0"/>
           </a:p>
@@ -10719,31 +10842,30 @@
           <a:p>
             <a:r>
               <a:rPr lang="en-US" dirty="0" smtClean="0"/>
-              <a:t>Developing a website that encompasses senior social activities locally.</a:t>
-            </a:r>
-          </a:p>
-          <a:p>
-            <a:pPr marL="0" indent="0">
-              <a:buNone/>
-            </a:pPr>
+              <a:t>Seniors are facing social </a:t>
+            </a:r>
+            <a:r>
+              <a:rPr lang="en-US" dirty="0" smtClean="0"/>
+              <a:t>isolation</a:t>
+            </a:r>
             <a:endParaRPr lang="en-US" dirty="0" smtClean="0"/>
           </a:p>
           <a:p>
             <a:r>
               <a:rPr lang="en-US" dirty="0" smtClean="0"/>
-              <a:t>Minimize site learning curve </a:t>
-            </a:r>
-          </a:p>
-          <a:p>
-            <a:endParaRPr lang="en-US" dirty="0"/>
-          </a:p>
-          <a:p>
+              <a:t>No site designed for seniors to engage in social </a:t>
+            </a:r>
             <a:r>
               <a:rPr lang="en-US" dirty="0" smtClean="0"/>
-              <a:t>Connect with local businesses to promote events</a:t>
-            </a:r>
-          </a:p>
-          <a:p>
+              <a:t>outings</a:t>
+            </a:r>
+            <a:endParaRPr lang="en-US" dirty="0" smtClean="0"/>
+          </a:p>
+          <a:p>
+            <a:r>
+              <a:rPr lang="en-US" dirty="0" smtClean="0"/>
+              <a:t>Current sites not tailored to meet challenges of aging community </a:t>
+            </a:r>
             <a:endParaRPr lang="en-US" dirty="0"/>
           </a:p>
         </p:txBody>
@@ -10751,7 +10873,7 @@
     </p:spTree>
     <p:extLst>
       <p:ext uri="{BB962C8B-B14F-4D97-AF65-F5344CB8AC3E}">
-        <p14:creationId xmlns:p14="http://schemas.microsoft.com/office/powerpoint/2010/main" val="2031163149"/>
+        <p14:creationId xmlns:p14="http://schemas.microsoft.com/office/powerpoint/2010/main" val="2049749837"/>
       </p:ext>
     </p:extLst>
   </p:cSld>
@@ -10785,7 +10907,7 @@
             <a:spLocks noGrp="1"/>
           </p:cNvSpPr>
           <p:nvPr>
-            <p:ph type="ctrTitle"/>
+            <p:ph type="title"/>
           </p:nvPr>
         </p:nvSpPr>
         <p:spPr/>
@@ -10795,42 +10917,59 @@
           <a:p>
             <a:r>
               <a:rPr lang="en-US" dirty="0" smtClean="0"/>
-              <a:t>ABOVE INTRO</a:t>
-            </a:r>
-            <a:br>
+              <a:t>Solution</a:t>
+            </a:r>
+            <a:endParaRPr lang="en-US" dirty="0"/>
+          </a:p>
+        </p:txBody>
+      </p:sp>
+      <p:sp>
+        <p:nvSpPr>
+          <p:cNvPr id="3" name="Content Placeholder 2"/>
+          <p:cNvSpPr>
+            <a:spLocks noGrp="1"/>
+          </p:cNvSpPr>
+          <p:nvPr>
+            <p:ph idx="1"/>
+          </p:nvPr>
+        </p:nvSpPr>
+        <p:spPr/>
+        <p:txBody>
+          <a:bodyPr/>
+          <a:lstStyle/>
+          <a:p>
+            <a:r>
               <a:rPr lang="en-US" dirty="0" smtClean="0"/>
-            </a:br>
+              <a:t>Developing a website that encompasses senior social activities locally</a:t>
+            </a:r>
             <a:r>
               <a:rPr lang="en-US" dirty="0" smtClean="0"/>
-              <a:t>BELOW PROJECT REQS</a:t>
+              <a:t>.</a:t>
+            </a:r>
+            <a:endParaRPr lang="en-US" dirty="0" smtClean="0"/>
+          </a:p>
+          <a:p>
+            <a:r>
+              <a:rPr lang="en-US" dirty="0" smtClean="0"/>
+              <a:t>Minimize site learning curve </a:t>
             </a:r>
             <a:endParaRPr lang="en-US" dirty="0"/>
           </a:p>
-        </p:txBody>
-      </p:sp>
-      <p:sp>
-        <p:nvSpPr>
-          <p:cNvPr id="3" name="Subtitle 2"/>
-          <p:cNvSpPr>
-            <a:spLocks noGrp="1"/>
-          </p:cNvSpPr>
-          <p:nvPr>
-            <p:ph type="subTitle" idx="1"/>
-          </p:nvPr>
-        </p:nvSpPr>
-        <p:spPr/>
-        <p:txBody>
-          <a:bodyPr/>
-          <a:lstStyle/>
-          <a:p>
-            <a:endParaRPr lang="en-US"/>
+          <a:p>
+            <a:r>
+              <a:rPr lang="en-US" dirty="0" smtClean="0"/>
+              <a:t>Connect with local businesses to promote events</a:t>
+            </a:r>
+          </a:p>
+          <a:p>
+            <a:endParaRPr lang="en-US" dirty="0"/>
           </a:p>
         </p:txBody>
       </p:sp>
     </p:spTree>
     <p:extLst>
       <p:ext uri="{BB962C8B-B14F-4D97-AF65-F5344CB8AC3E}">
-        <p14:creationId xmlns:p14="http://schemas.microsoft.com/office/powerpoint/2010/main" val="91013316"/>
+        <p14:creationId xmlns:p14="http://schemas.microsoft.com/office/powerpoint/2010/main" val="2031163149"/>
       </p:ext>
     </p:extLst>
   </p:cSld>
@@ -10873,9 +11012,10 @@
           <a:lstStyle/>
           <a:p>
             <a:r>
-              <a:rPr lang="en-US" dirty="0"/>
-              <a:t>Requirements</a:t>
-            </a:r>
+              <a:rPr lang="en-US" dirty="0" smtClean="0"/>
+              <a:t>Overview</a:t>
+            </a:r>
+            <a:endParaRPr lang="en-US" dirty="0"/>
           </a:p>
         </p:txBody>
       </p:sp>
@@ -10891,77 +11031,42 @@
         </p:nvSpPr>
         <p:spPr/>
         <p:txBody>
-          <a:bodyPr vert="horz" lIns="91440" tIns="45720" rIns="91440" bIns="45720" rtlCol="0" anchor="t">
-            <a:normAutofit/>
-          </a:bodyPr>
-          <a:lstStyle/>
-          <a:p>
-            <a:r>
-              <a:rPr lang="en-US" dirty="0"/>
-              <a:t>Hardware and Software</a:t>
-            </a:r>
-          </a:p>
-          <a:p>
-            <a:pPr lvl="1"/>
-            <a:r>
-              <a:rPr lang="en-US" dirty="0">
-                <a:latin typeface="Century Gothic" charset="0"/>
-              </a:rPr>
-              <a:t>Computers with Widely-used Browsers Installed </a:t>
-            </a:r>
-          </a:p>
-          <a:p>
-            <a:pPr lvl="1"/>
-            <a:r>
-              <a:rPr lang="en-US" dirty="0">
-                <a:latin typeface="Century Gothic" charset="0"/>
-              </a:rPr>
-              <a:t>HTML, CSS</a:t>
-            </a:r>
-            <a:r>
-              <a:rPr lang="en-US" dirty="0" smtClean="0">
-                <a:latin typeface="Century Gothic" charset="0"/>
-              </a:rPr>
-              <a:t>, JavaScript, </a:t>
-            </a:r>
-            <a:r>
-              <a:rPr lang="en-US" dirty="0">
-                <a:latin typeface="Century Gothic" charset="0"/>
-              </a:rPr>
-              <a:t>PHP, and </a:t>
-            </a:r>
-            <a:r>
-              <a:rPr lang="en-US" dirty="0" smtClean="0">
-                <a:latin typeface="Century Gothic" charset="0"/>
-              </a:rPr>
-              <a:t>MySQL</a:t>
-            </a:r>
-            <a:endParaRPr lang="en-US" dirty="0">
-              <a:latin typeface="Century Gothic" charset="0"/>
-            </a:endParaRPr>
-          </a:p>
-          <a:p>
-            <a:r>
-              <a:rPr lang="en-US" dirty="0"/>
-              <a:t>User Interaction</a:t>
-            </a:r>
-          </a:p>
-          <a:p>
-            <a:r>
-              <a:rPr lang="en-US" dirty="0"/>
-              <a:t>Functional Requirements</a:t>
-            </a:r>
-          </a:p>
-          <a:p>
-            <a:r>
-              <a:rPr lang="en-US" dirty="0"/>
-              <a:t>Nonfunctional Requirements</a:t>
-            </a:r>
-          </a:p>
-          <a:p>
-            <a:r>
-              <a:rPr lang="en-US" dirty="0"/>
-              <a:t>Feasibility</a:t>
+          <a:bodyPr/>
+          <a:lstStyle/>
+          <a:p>
+            <a:r>
+              <a:rPr lang="en-US" dirty="0" smtClean="0"/>
+              <a:t>Project Requirements</a:t>
+            </a:r>
+          </a:p>
+          <a:p>
+            <a:r>
+              <a:rPr lang="en-US" dirty="0" smtClean="0"/>
+              <a:t>Prototype Demo</a:t>
+            </a:r>
+          </a:p>
+          <a:p>
+            <a:r>
+              <a:rPr lang="en-US" dirty="0" smtClean="0"/>
+              <a:t>Quality Assurance Plan</a:t>
+            </a:r>
+          </a:p>
+          <a:p>
+            <a:r>
+              <a:rPr lang="en-US" dirty="0" smtClean="0"/>
+              <a:t>Risk Analysis</a:t>
+            </a:r>
+          </a:p>
+          <a:p>
+            <a:r>
+              <a:rPr lang="en-US" dirty="0" smtClean="0"/>
+              <a:t>Conclusion</a:t>
+            </a:r>
+          </a:p>
+          <a:p>
+            <a:r>
+              <a:rPr lang="en-US" dirty="0" smtClean="0"/>
+              <a:t>Q &amp; A</a:t>
             </a:r>
           </a:p>
         </p:txBody>
@@ -10969,7 +11074,7 @@
     </p:spTree>
     <p:extLst>
       <p:ext uri="{BB962C8B-B14F-4D97-AF65-F5344CB8AC3E}">
-        <p14:creationId xmlns:p14="http://schemas.microsoft.com/office/powerpoint/2010/main" val="1876008888"/>
+        <p14:creationId xmlns:p14="http://schemas.microsoft.com/office/powerpoint/2010/main" val="2766114588"/>
       </p:ext>
     </p:extLst>
   </p:cSld>

--- a/Presentation/12.8.15 Presentation (Revised).pptx
+++ b/Presentation/12.8.15 Presentation (Revised).pptx
@@ -5,7 +5,7 @@
     <p:sldMasterId id="2147483648" r:id="rId1"/>
   </p:sldMasterIdLst>
   <p:notesMasterIdLst>
-    <p:notesMasterId r:id="rId23"/>
+    <p:notesMasterId r:id="rId20"/>
   </p:notesMasterIdLst>
   <p:sldIdLst>
     <p:sldId id="256" r:id="rId2"/>
@@ -17,18 +17,15 @@
     <p:sldId id="264" r:id="rId8"/>
     <p:sldId id="265" r:id="rId9"/>
     <p:sldId id="276" r:id="rId10"/>
-    <p:sldId id="269" r:id="rId11"/>
-    <p:sldId id="260" r:id="rId12"/>
-    <p:sldId id="274" r:id="rId13"/>
-    <p:sldId id="277" r:id="rId14"/>
-    <p:sldId id="278" r:id="rId15"/>
-    <p:sldId id="270" r:id="rId16"/>
-    <p:sldId id="262" r:id="rId17"/>
-    <p:sldId id="266" r:id="rId18"/>
-    <p:sldId id="272" r:id="rId19"/>
-    <p:sldId id="273" r:id="rId20"/>
-    <p:sldId id="267" r:id="rId21"/>
-    <p:sldId id="271" r:id="rId22"/>
+    <p:sldId id="274" r:id="rId11"/>
+    <p:sldId id="277" r:id="rId12"/>
+    <p:sldId id="278" r:id="rId13"/>
+    <p:sldId id="280" r:id="rId14"/>
+    <p:sldId id="262" r:id="rId15"/>
+    <p:sldId id="272" r:id="rId16"/>
+    <p:sldId id="273" r:id="rId17"/>
+    <p:sldId id="267" r:id="rId18"/>
+    <p:sldId id="271" r:id="rId19"/>
   </p:sldIdLst>
   <p:sldSz cx="12192000" cy="6858000"/>
   <p:notesSz cx="6858000" cy="9144000"/>
@@ -803,12 +800,7 @@
           <a:bodyPr/>
           <a:lstStyle/>
           <a:p>
-            <a:r>
-              <a:rPr lang="en-US">
-                <a:latin typeface="Calibri"/>
-              </a:rPr>
-              <a:t>Timo: As stated in the project management plan, we will need computers with multiple browsers and editors for web development languages and SQL. The user will interact with the site by being able to see other people in the area that want to host or plan a meal event. They will be able to request or accept invitations to these events. This information will be located on the user's homepage for easy accessibility. The user will also be able to upload photos or videos that they want to store or share. The functional requirements include two main sections: primary (or necessary) functions, and secondary (or nonessential) functions. The main functional requirements that we will be working on are: hosting the website on a server, creating a database to store user information, adding a calendar to organize user activities, implementing a background check or other security measures, and creating and designing the website. When the primary requirements are completed, we will work on a paid version, adding donations, and more. The nonfunctional requirements include efficiency, reliability, and ease of use. We believe that we will have a working product by the end of winter quarter. However, there are a lot of secondary functions that Dr. Chueh has mentioned that we may or may not be able to complete. (If you want, you can add the use case diagrams or something and just walk through those for user interaction .)</a:t>
-            </a:r>
+            <a:endParaRPr lang="en-US"/>
           </a:p>
         </p:txBody>
       </p:sp>
@@ -829,91 +821,7 @@
           <a:p>
             <a:fld id="{7D90AB93-7EBB-40C3-AABE-B1527F40B7D6}" type="slidenum">
               <a:rPr lang="en-US"/>
-              <a:t>11</a:t>
-            </a:fld>
-            <a:endParaRPr lang="en-US"/>
-          </a:p>
-        </p:txBody>
-      </p:sp>
-    </p:spTree>
-    <p:extLst>
-      <p:ext uri="{BB962C8B-B14F-4D97-AF65-F5344CB8AC3E}">
-        <p14:creationId xmlns:p14="http://schemas.microsoft.com/office/powerpoint/2010/main" val="3316204642"/>
-      </p:ext>
-    </p:extLst>
-  </p:cSld>
-  <p:clrMapOvr>
-    <a:masterClrMapping/>
-  </p:clrMapOvr>
-</p:notes>
-</file>
-
-<file path=ppt/notesSlides/notesSlide5.xml><?xml version="1.0" encoding="utf-8"?>
-<p:notes xmlns:a="http://schemas.openxmlformats.org/drawingml/2006/main" xmlns:r="http://schemas.openxmlformats.org/officeDocument/2006/relationships" xmlns:p="http://schemas.openxmlformats.org/presentationml/2006/main">
-  <p:cSld>
-    <p:spTree>
-      <p:nvGrpSpPr>
-        <p:cNvPr id="1" name=""/>
-        <p:cNvGrpSpPr/>
-        <p:nvPr/>
-      </p:nvGrpSpPr>
-      <p:grpSpPr>
-        <a:xfrm>
-          <a:off x="0" y="0"/>
-          <a:ext cx="0" cy="0"/>
-          <a:chOff x="0" y="0"/>
-          <a:chExt cx="0" cy="0"/>
-        </a:xfrm>
-      </p:grpSpPr>
-      <p:sp>
-        <p:nvSpPr>
-          <p:cNvPr id="2" name="Slide Image Placeholder 1"/>
-          <p:cNvSpPr>
-            <a:spLocks noGrp="1" noRot="1" noChangeAspect="1"/>
-          </p:cNvSpPr>
-          <p:nvPr>
-            <p:ph type="sldImg"/>
-          </p:nvPr>
-        </p:nvSpPr>
-        <p:spPr/>
-      </p:sp>
-      <p:sp>
-        <p:nvSpPr>
-          <p:cNvPr id="3" name="Notes Placeholder 2"/>
-          <p:cNvSpPr>
-            <a:spLocks noGrp="1"/>
-          </p:cNvSpPr>
-          <p:nvPr>
-            <p:ph type="body" idx="1"/>
-          </p:nvPr>
-        </p:nvSpPr>
-        <p:spPr/>
-        <p:txBody>
-          <a:bodyPr/>
-          <a:lstStyle/>
-          <a:p>
-            <a:endParaRPr lang="en-US"/>
-          </a:p>
-        </p:txBody>
-      </p:sp>
-      <p:sp>
-        <p:nvSpPr>
-          <p:cNvPr id="4" name="Slide Number Placeholder 3"/>
-          <p:cNvSpPr>
-            <a:spLocks noGrp="1"/>
-          </p:cNvSpPr>
-          <p:nvPr>
-            <p:ph type="sldNum" sz="quarter" idx="10"/>
-          </p:nvPr>
-        </p:nvSpPr>
-        <p:spPr/>
-        <p:txBody>
-          <a:bodyPr/>
-          <a:lstStyle/>
-          <a:p>
-            <a:fld id="{7D90AB93-7EBB-40C3-AABE-B1527F40B7D6}" type="slidenum">
-              <a:rPr lang="en-US"/>
-              <a:t>16</a:t>
+              <a:t>14</a:t>
             </a:fld>
             <a:endParaRPr lang="en-US"/>
           </a:p>
@@ -8487,8 +8395,8 @@
               <a:t>By: Colin Harrison, Christian </a:t>
             </a:r>
             <a:r>
-              <a:rPr lang="en-US" dirty="0" err="1"/>
-              <a:t>Mcmurtrie</a:t>
+              <a:rPr lang="en-US" dirty="0" err="1" smtClean="0"/>
+              <a:t>McMurtrie</a:t>
             </a:r>
             <a:r>
               <a:rPr lang="en-US" dirty="0"/>
@@ -8521,8 +8429,8 @@
         </p:blipFill>
         <p:spPr>
           <a:xfrm>
-            <a:off x="2661826" y="4118685"/>
-            <a:ext cx="466725" cy="438150"/>
+            <a:off x="2537134" y="4010892"/>
+            <a:ext cx="692235" cy="649853"/>
           </a:xfrm>
           <a:prstGeom prst="rect">
             <a:avLst/>
@@ -8539,6 +8447,13 @@
   <p:clrMapOvr>
     <a:masterClrMapping/>
   </p:clrMapOvr>
+  <p:timing>
+    <p:tnLst>
+      <p:par>
+        <p:cTn id="1" dur="indefinite" restart="never" nodeType="tmRoot"/>
+      </p:par>
+    </p:tnLst>
+  </p:timing>
 </p:sld>
 </file>
 
@@ -8566,58 +8481,93 @@
             <a:spLocks noGrp="1"/>
           </p:cNvSpPr>
           <p:nvPr>
-            <p:ph type="ctrTitle"/>
+            <p:ph type="title"/>
           </p:nvPr>
         </p:nvSpPr>
         <p:spPr/>
         <p:txBody>
-          <a:bodyPr/>
+          <a:bodyPr>
+            <a:normAutofit/>
+          </a:bodyPr>
           <a:lstStyle/>
           <a:p>
             <a:r>
-              <a:rPr lang="en-US" dirty="0" smtClean="0"/>
-              <a:t>ABOVE INTRO</a:t>
-            </a:r>
-            <a:br>
-              <a:rPr lang="en-US" dirty="0" smtClean="0"/>
-            </a:br>
-            <a:r>
-              <a:rPr lang="en-US" dirty="0" smtClean="0"/>
-              <a:t>BELOW PROJECT REQS</a:t>
-            </a:r>
-            <a:endParaRPr lang="en-US" dirty="0"/>
-          </a:p>
-        </p:txBody>
-      </p:sp>
-      <p:sp>
-        <p:nvSpPr>
-          <p:cNvPr id="3" name="Subtitle 2"/>
-          <p:cNvSpPr>
-            <a:spLocks noGrp="1"/>
-          </p:cNvSpPr>
-          <p:nvPr>
-            <p:ph type="subTitle" idx="1"/>
+              <a:rPr lang="en-US" sz="4000" dirty="0" smtClean="0"/>
+              <a:t>Hardware and Software</a:t>
+            </a:r>
+            <a:endParaRPr lang="en-US" sz="4000" dirty="0"/>
+          </a:p>
+        </p:txBody>
+      </p:sp>
+      <p:sp>
+        <p:nvSpPr>
+          <p:cNvPr id="3" name="Content Placeholder 2"/>
+          <p:cNvSpPr>
+            <a:spLocks noGrp="1"/>
+          </p:cNvSpPr>
+          <p:nvPr>
+            <p:ph idx="1"/>
           </p:nvPr>
         </p:nvSpPr>
         <p:spPr/>
         <p:txBody>
-          <a:bodyPr/>
+          <a:bodyPr>
+            <a:normAutofit/>
+          </a:bodyPr>
           <a:lstStyle/>
           <a:p>
-            <a:endParaRPr lang="en-US"/>
+            <a:r>
+              <a:rPr lang="en-US" sz="2200" dirty="0" smtClean="0"/>
+              <a:t>Optimize for most prominent browser.</a:t>
+            </a:r>
+          </a:p>
+          <a:p>
+            <a:r>
+              <a:rPr lang="en-US" sz="2200" dirty="0" smtClean="0"/>
+              <a:t>Compatible with older versions. </a:t>
+            </a:r>
+            <a:endParaRPr lang="en-US" sz="2200" dirty="0"/>
+          </a:p>
+          <a:p>
+            <a:r>
+              <a:rPr lang="en-US" sz="2200" dirty="0" smtClean="0"/>
+              <a:t>Using HTML, CSS, JavaScript, PHP, MySQL</a:t>
+            </a:r>
+          </a:p>
+          <a:p>
+            <a:r>
+              <a:rPr lang="en-US" sz="2200" dirty="0" smtClean="0"/>
+              <a:t>MySQL Database</a:t>
+            </a:r>
+          </a:p>
+          <a:p>
+            <a:r>
+              <a:rPr lang="en-US" sz="2200" dirty="0" smtClean="0"/>
+              <a:t>Hosting site</a:t>
+            </a:r>
+          </a:p>
+          <a:p>
+            <a:endParaRPr lang="en-US" sz="2200" dirty="0"/>
           </a:p>
         </p:txBody>
       </p:sp>
     </p:spTree>
     <p:extLst>
       <p:ext uri="{BB962C8B-B14F-4D97-AF65-F5344CB8AC3E}">
-        <p14:creationId xmlns:p14="http://schemas.microsoft.com/office/powerpoint/2010/main" val="91013316"/>
+        <p14:creationId xmlns:p14="http://schemas.microsoft.com/office/powerpoint/2010/main" val="2349178812"/>
       </p:ext>
     </p:extLst>
   </p:cSld>
   <p:clrMapOvr>
     <a:masterClrMapping/>
   </p:clrMapOvr>
+  <p:timing>
+    <p:tnLst>
+      <p:par>
+        <p:cTn id="1" dur="indefinite" restart="never" nodeType="tmRoot"/>
+      </p:par>
+    </p:tnLst>
+  </p:timing>
 </p:sld>
 </file>
 
@@ -8650,118 +8600,85 @@
         </p:nvSpPr>
         <p:spPr/>
         <p:txBody>
-          <a:bodyPr/>
-          <a:lstStyle/>
-          <a:p>
-            <a:r>
-              <a:rPr lang="en-US" dirty="0"/>
-              <a:t>Requirements</a:t>
-            </a:r>
-          </a:p>
-        </p:txBody>
-      </p:sp>
-      <p:sp>
-        <p:nvSpPr>
-          <p:cNvPr id="3" name="Content Placeholder 2"/>
-          <p:cNvSpPr>
-            <a:spLocks noGrp="1"/>
-          </p:cNvSpPr>
-          <p:nvPr>
-            <p:ph idx="1"/>
-          </p:nvPr>
-        </p:nvSpPr>
-        <p:spPr/>
-        <p:txBody>
-          <a:bodyPr vert="horz" lIns="91440" tIns="45720" rIns="91440" bIns="45720" rtlCol="0" anchor="t">
+          <a:bodyPr>
             <a:normAutofit/>
           </a:bodyPr>
           <a:lstStyle/>
           <a:p>
             <a:r>
-              <a:rPr lang="en-US" dirty="0"/>
-              <a:t>Hardware and Software</a:t>
-            </a:r>
-          </a:p>
-          <a:p>
-            <a:pPr lvl="1"/>
-            <a:r>
-              <a:rPr lang="en-US" dirty="0">
-                <a:latin typeface="Century Gothic" charset="0"/>
-              </a:rPr>
-              <a:t>Computers with Widely-used Browsers Installed </a:t>
-            </a:r>
-          </a:p>
-          <a:p>
-            <a:pPr lvl="1"/>
-            <a:r>
-              <a:rPr lang="en-US" dirty="0">
-                <a:latin typeface="Century Gothic" charset="0"/>
-              </a:rPr>
-              <a:t>HTML, CSS</a:t>
-            </a:r>
-            <a:r>
-              <a:rPr lang="en-US" dirty="0" smtClean="0">
-                <a:latin typeface="Century Gothic" charset="0"/>
-              </a:rPr>
-              <a:t>, JavaScript, </a:t>
-            </a:r>
-            <a:r>
-              <a:rPr lang="en-US" dirty="0">
-                <a:latin typeface="Century Gothic" charset="0"/>
-              </a:rPr>
-              <a:t>PHP, and </a:t>
-            </a:r>
-            <a:r>
-              <a:rPr lang="en-US" dirty="0" smtClean="0">
-                <a:latin typeface="Century Gothic" charset="0"/>
-              </a:rPr>
-              <a:t>MySQL</a:t>
-            </a:r>
-            <a:endParaRPr lang="en-US" dirty="0">
-              <a:latin typeface="Century Gothic" charset="0"/>
-            </a:endParaRPr>
-          </a:p>
-          <a:p>
-            <a:r>
-              <a:rPr lang="en-US" dirty="0"/>
-              <a:t>User </a:t>
-            </a:r>
-            <a:r>
-              <a:rPr lang="en-US" dirty="0" smtClean="0"/>
-              <a:t>Interaction</a:t>
-            </a:r>
-          </a:p>
-          <a:p>
-            <a:r>
-              <a:rPr lang="en-US" dirty="0" smtClean="0"/>
-              <a:t>Functional Requirements</a:t>
-            </a:r>
-          </a:p>
-          <a:p>
-            <a:r>
-              <a:rPr lang="en-US" dirty="0" smtClean="0"/>
-              <a:t>Nonfunctional Requirements</a:t>
-            </a:r>
-          </a:p>
-          <a:p>
-            <a:r>
-              <a:rPr lang="en-US" dirty="0" smtClean="0"/>
-              <a:t>Feasibility</a:t>
-            </a:r>
-            <a:endParaRPr lang="en-US" dirty="0"/>
+              <a:rPr lang="en-US" sz="4000" dirty="0" smtClean="0"/>
+              <a:t>Primary Requirements</a:t>
+            </a:r>
+            <a:endParaRPr lang="en-US" sz="4000" dirty="0"/>
+          </a:p>
+        </p:txBody>
+      </p:sp>
+      <p:sp>
+        <p:nvSpPr>
+          <p:cNvPr id="3" name="Content Placeholder 2"/>
+          <p:cNvSpPr>
+            <a:spLocks noGrp="1"/>
+          </p:cNvSpPr>
+          <p:nvPr>
+            <p:ph idx="1"/>
+          </p:nvPr>
+        </p:nvSpPr>
+        <p:spPr/>
+        <p:txBody>
+          <a:bodyPr>
+            <a:normAutofit/>
+          </a:bodyPr>
+          <a:lstStyle/>
+          <a:p>
+            <a:pPr fontAlgn="base"/>
+            <a:r>
+              <a:rPr lang="en-US" sz="2200" dirty="0"/>
+              <a:t>Storing user information in a database​</a:t>
+            </a:r>
+          </a:p>
+          <a:p>
+            <a:pPr fontAlgn="base"/>
+            <a:r>
+              <a:rPr lang="en-US" sz="2200" dirty="0"/>
+              <a:t>Creating an easy-to-navigate interface​</a:t>
+            </a:r>
+          </a:p>
+          <a:p>
+            <a:pPr fontAlgn="base"/>
+            <a:r>
+              <a:rPr lang="en-US" sz="2200" dirty="0"/>
+              <a:t>Creating a calendar for organizing activities​</a:t>
+            </a:r>
+          </a:p>
+          <a:p>
+            <a:pPr fontAlgn="base"/>
+            <a:r>
+              <a:rPr lang="en-US" sz="2200" dirty="0"/>
+              <a:t>Hosting the website on a server</a:t>
+            </a:r>
+          </a:p>
+          <a:p>
+            <a:endParaRPr lang="en-US" sz="2200" dirty="0"/>
           </a:p>
         </p:txBody>
       </p:sp>
     </p:spTree>
     <p:extLst>
       <p:ext uri="{BB962C8B-B14F-4D97-AF65-F5344CB8AC3E}">
-        <p14:creationId xmlns:p14="http://schemas.microsoft.com/office/powerpoint/2010/main" val="1876008888"/>
+        <p14:creationId xmlns:p14="http://schemas.microsoft.com/office/powerpoint/2010/main" val="3473971252"/>
       </p:ext>
     </p:extLst>
   </p:cSld>
   <p:clrMapOvr>
     <a:masterClrMapping/>
   </p:clrMapOvr>
+  <p:timing>
+    <p:tnLst>
+      <p:par>
+        <p:cTn id="1" dur="indefinite" restart="never" nodeType="tmRoot"/>
+      </p:par>
+    </p:tnLst>
+  </p:timing>
 </p:sld>
 </file>
 
@@ -8794,14 +8711,16 @@
         </p:nvSpPr>
         <p:spPr/>
         <p:txBody>
-          <a:bodyPr/>
+          <a:bodyPr>
+            <a:normAutofit/>
+          </a:bodyPr>
           <a:lstStyle/>
           <a:p>
             <a:r>
-              <a:rPr lang="en-US" dirty="0" smtClean="0"/>
-              <a:t>Hardware and Software</a:t>
-            </a:r>
-            <a:endParaRPr lang="en-US" dirty="0"/>
+              <a:rPr lang="en-US" sz="4000" dirty="0" smtClean="0"/>
+              <a:t>Secondary Requirements</a:t>
+            </a:r>
+            <a:endParaRPr lang="en-US" sz="4000" dirty="0"/>
           </a:p>
         </p:txBody>
       </p:sp>
@@ -8817,54 +8736,63 @@
         </p:nvSpPr>
         <p:spPr/>
         <p:txBody>
-          <a:bodyPr/>
+          <a:bodyPr>
+            <a:normAutofit/>
+          </a:bodyPr>
           <a:lstStyle/>
           <a:p>
-            <a:r>
-              <a:rPr lang="en-US" dirty="0" smtClean="0"/>
-              <a:t>Optimize for most prominent browser.</a:t>
-            </a:r>
-          </a:p>
-          <a:p>
-            <a:r>
-              <a:rPr lang="en-US" dirty="0" smtClean="0"/>
-              <a:t>Compatible with older versions. </a:t>
-            </a:r>
-            <a:endParaRPr lang="en-US" dirty="0"/>
-          </a:p>
-          <a:p>
-            <a:r>
-              <a:rPr lang="en-US" dirty="0" smtClean="0"/>
-              <a:t>Using HTML, CSS, JavaScript, PHP, MySQL</a:t>
-            </a:r>
-          </a:p>
-          <a:p>
-            <a:r>
-              <a:rPr lang="en-US" dirty="0" smtClean="0"/>
-              <a:t>MySQL Database</a:t>
-            </a:r>
-          </a:p>
-          <a:p>
-            <a:r>
-              <a:rPr lang="en-US" dirty="0" smtClean="0"/>
-              <a:t>Hosting site</a:t>
-            </a:r>
-          </a:p>
-          <a:p>
-            <a:endParaRPr lang="en-US" dirty="0"/>
+            <a:pPr fontAlgn="base"/>
+            <a:r>
+              <a:rPr lang="en-US" sz="2200" dirty="0"/>
+              <a:t>Adding donations​</a:t>
+            </a:r>
+          </a:p>
+          <a:p>
+            <a:pPr fontAlgn="base"/>
+            <a:r>
+              <a:rPr lang="en-US" sz="2200" dirty="0"/>
+              <a:t>Translating the site for international users​</a:t>
+            </a:r>
+          </a:p>
+          <a:p>
+            <a:pPr fontAlgn="base"/>
+            <a:r>
+              <a:rPr lang="en-US" sz="2200" dirty="0"/>
+              <a:t>Finding potential volunteers​</a:t>
+            </a:r>
+          </a:p>
+          <a:p>
+            <a:pPr fontAlgn="base"/>
+            <a:r>
+              <a:rPr lang="en-US" sz="2200" dirty="0"/>
+              <a:t>Background checks</a:t>
+            </a:r>
+          </a:p>
+          <a:p>
+            <a:pPr marL="0" indent="0">
+              <a:buNone/>
+            </a:pPr>
+            <a:endParaRPr lang="en-US" sz="2200" dirty="0"/>
           </a:p>
         </p:txBody>
       </p:sp>
     </p:spTree>
     <p:extLst>
       <p:ext uri="{BB962C8B-B14F-4D97-AF65-F5344CB8AC3E}">
-        <p14:creationId xmlns:p14="http://schemas.microsoft.com/office/powerpoint/2010/main" val="2349178812"/>
+        <p14:creationId xmlns:p14="http://schemas.microsoft.com/office/powerpoint/2010/main" val="3066709142"/>
       </p:ext>
     </p:extLst>
   </p:cSld>
   <p:clrMapOvr>
     <a:masterClrMapping/>
   </p:clrMapOvr>
+  <p:timing>
+    <p:tnLst>
+      <p:par>
+        <p:cTn id="1" dur="indefinite" restart="never" nodeType="tmRoot"/>
+      </p:par>
+    </p:tnLst>
+  </p:timing>
 </p:sld>
 </file>
 
@@ -8897,14 +8825,16 @@
         </p:nvSpPr>
         <p:spPr/>
         <p:txBody>
-          <a:bodyPr/>
+          <a:bodyPr>
+            <a:normAutofit/>
+          </a:bodyPr>
           <a:lstStyle/>
           <a:p>
             <a:r>
-              <a:rPr lang="en-US" dirty="0" smtClean="0"/>
-              <a:t>Primary Requirements</a:t>
-            </a:r>
-            <a:endParaRPr lang="en-US" dirty="0"/>
+              <a:rPr lang="en-US" sz="4000" dirty="0" smtClean="0"/>
+              <a:t>Nonfunctional</a:t>
+            </a:r>
+            <a:endParaRPr lang="en-US" sz="4000" dirty="0"/>
           </a:p>
         </p:txBody>
       </p:sp>
@@ -8920,51 +8850,54 @@
         </p:nvSpPr>
         <p:spPr/>
         <p:txBody>
-          <a:bodyPr/>
+          <a:bodyPr>
+            <a:normAutofit/>
+          </a:bodyPr>
           <a:lstStyle/>
           <a:p>
-            <a:pPr fontAlgn="base"/>
-            <a:r>
-              <a:rPr lang="en-US" dirty="0"/>
-              <a:t>Storing user information in a database​</a:t>
-            </a:r>
-          </a:p>
-          <a:p>
-            <a:pPr fontAlgn="base"/>
-            <a:r>
-              <a:rPr lang="en-US" dirty="0"/>
-              <a:t>Creating an easy-to-navigate interface​</a:t>
-            </a:r>
-          </a:p>
-          <a:p>
-            <a:pPr fontAlgn="base"/>
-            <a:r>
-              <a:rPr lang="en-US" dirty="0"/>
-              <a:t>Creating a calendar for organizing activities​</a:t>
-            </a:r>
-          </a:p>
-          <a:p>
-            <a:pPr fontAlgn="base"/>
-            <a:r>
-              <a:rPr lang="en-US" dirty="0"/>
-              <a:t>Hosting the website on a server</a:t>
-            </a:r>
-          </a:p>
-          <a:p>
-            <a:endParaRPr lang="en-US" dirty="0"/>
+            <a:r>
+              <a:rPr lang="en-US" sz="2200" dirty="0" smtClean="0"/>
+              <a:t>Efficiency</a:t>
+            </a:r>
+          </a:p>
+          <a:p>
+            <a:r>
+              <a:rPr lang="en-US" sz="2200" dirty="0" smtClean="0"/>
+              <a:t>Reliability</a:t>
+            </a:r>
+          </a:p>
+          <a:p>
+            <a:r>
+              <a:rPr lang="en-US" sz="2200" dirty="0" smtClean="0"/>
+              <a:t>Portability</a:t>
+            </a:r>
+          </a:p>
+          <a:p>
+            <a:r>
+              <a:rPr lang="en-US" sz="2200" dirty="0" smtClean="0"/>
+              <a:t>Problem Size</a:t>
+            </a:r>
+            <a:endParaRPr lang="en-US" sz="2200" dirty="0"/>
           </a:p>
         </p:txBody>
       </p:sp>
     </p:spTree>
     <p:extLst>
       <p:ext uri="{BB962C8B-B14F-4D97-AF65-F5344CB8AC3E}">
-        <p14:creationId xmlns:p14="http://schemas.microsoft.com/office/powerpoint/2010/main" val="3473971252"/>
+        <p14:creationId xmlns:p14="http://schemas.microsoft.com/office/powerpoint/2010/main" val="1412168553"/>
       </p:ext>
     </p:extLst>
   </p:cSld>
   <p:clrMapOvr>
     <a:masterClrMapping/>
   </p:clrMapOvr>
+  <p:timing>
+    <p:tnLst>
+      <p:par>
+        <p:cTn id="1" dur="indefinite" restart="never" nodeType="tmRoot"/>
+      </p:par>
+    </p:tnLst>
+  </p:timing>
 </p:sld>
 </file>
 
@@ -8997,77 +8930,54 @@
         </p:nvSpPr>
         <p:spPr/>
         <p:txBody>
+          <a:bodyPr>
+            <a:normAutofit/>
+          </a:bodyPr>
+          <a:lstStyle/>
+          <a:p>
+            <a:r>
+              <a:rPr lang="en-US" sz="4000" dirty="0"/>
+              <a:t>Prototype</a:t>
+            </a:r>
+          </a:p>
+        </p:txBody>
+      </p:sp>
+      <p:sp>
+        <p:nvSpPr>
+          <p:cNvPr id="3" name="Content Placeholder 2"/>
+          <p:cNvSpPr>
+            <a:spLocks noGrp="1"/>
+          </p:cNvSpPr>
+          <p:nvPr>
+            <p:ph idx="1"/>
+          </p:nvPr>
+        </p:nvSpPr>
+        <p:spPr/>
+        <p:txBody>
           <a:bodyPr/>
           <a:lstStyle/>
           <a:p>
-            <a:r>
-              <a:rPr lang="en-US" dirty="0" smtClean="0"/>
-              <a:t>Secondary Requirements</a:t>
-            </a:r>
-            <a:endParaRPr lang="en-US" dirty="0"/>
-          </a:p>
-        </p:txBody>
-      </p:sp>
-      <p:sp>
-        <p:nvSpPr>
-          <p:cNvPr id="3" name="Content Placeholder 2"/>
-          <p:cNvSpPr>
-            <a:spLocks noGrp="1"/>
-          </p:cNvSpPr>
-          <p:nvPr>
-            <p:ph idx="1"/>
-          </p:nvPr>
-        </p:nvSpPr>
-        <p:spPr/>
-        <p:txBody>
-          <a:bodyPr/>
-          <a:lstStyle/>
-          <a:p>
-            <a:pPr fontAlgn="base"/>
-            <a:r>
-              <a:rPr lang="en-US" dirty="0"/>
-              <a:t>Adding donations​</a:t>
-            </a:r>
-          </a:p>
-          <a:p>
-            <a:pPr fontAlgn="base"/>
-            <a:r>
-              <a:rPr lang="en-US" dirty="0"/>
-              <a:t>Translating the site for international users​</a:t>
-            </a:r>
-          </a:p>
-          <a:p>
-            <a:pPr fontAlgn="base"/>
-            <a:r>
-              <a:rPr lang="en-US" dirty="0"/>
-              <a:t>Finding potential volunteers​</a:t>
-            </a:r>
-          </a:p>
-          <a:p>
-            <a:pPr fontAlgn="base"/>
-            <a:r>
-              <a:rPr lang="en-US" dirty="0"/>
-              <a:t>Background checks</a:t>
-            </a:r>
-          </a:p>
-          <a:p>
-            <a:pPr marL="0" indent="0">
-              <a:buNone/>
-            </a:pPr>
-            <a:endParaRPr lang="en-US" dirty="0"/>
+            <a:endParaRPr lang="en-US"/>
           </a:p>
         </p:txBody>
       </p:sp>
     </p:spTree>
     <p:extLst>
       <p:ext uri="{BB962C8B-B14F-4D97-AF65-F5344CB8AC3E}">
-        <p14:creationId xmlns:p14="http://schemas.microsoft.com/office/powerpoint/2010/main" val="3066709142"/>
+        <p14:creationId xmlns:p14="http://schemas.microsoft.com/office/powerpoint/2010/main" val="2018556856"/>
       </p:ext>
     </p:extLst>
   </p:cSld>
   <p:clrMapOvr>
     <a:masterClrMapping/>
   </p:clrMapOvr>
+  <p:timing>
+    <p:tnLst>
+      <p:par>
+        <p:cTn id="1" dur="indefinite" restart="never" nodeType="tmRoot"/>
+      </p:par>
+    </p:tnLst>
+  </p:timing>
 </p:sld>
 </file>
 
@@ -9095,58 +9005,98 @@
             <a:spLocks noGrp="1"/>
           </p:cNvSpPr>
           <p:nvPr>
-            <p:ph type="ctrTitle"/>
+            <p:ph type="title"/>
           </p:nvPr>
         </p:nvSpPr>
         <p:spPr/>
         <p:txBody>
-          <a:bodyPr/>
+          <a:bodyPr>
+            <a:normAutofit/>
+          </a:bodyPr>
           <a:lstStyle/>
           <a:p>
             <a:r>
-              <a:rPr lang="en-US" dirty="0" smtClean="0"/>
-              <a:t>REQS ABOVE</a:t>
-            </a:r>
-            <a:br>
-              <a:rPr lang="en-US" dirty="0" smtClean="0"/>
-            </a:br>
-            <a:r>
-              <a:rPr lang="en-US" dirty="0" smtClean="0"/>
-              <a:t>PROTOTYPE DEMO BELOW</a:t>
-            </a:r>
-            <a:endParaRPr lang="en-US" dirty="0"/>
-          </a:p>
-        </p:txBody>
-      </p:sp>
-      <p:sp>
-        <p:nvSpPr>
-          <p:cNvPr id="3" name="Subtitle 2"/>
-          <p:cNvSpPr>
-            <a:spLocks noGrp="1"/>
-          </p:cNvSpPr>
-          <p:nvPr>
-            <p:ph type="subTitle" idx="1"/>
+              <a:rPr lang="en-US" sz="4000" dirty="0" smtClean="0"/>
+              <a:t>QUALITY ASSURANCE</a:t>
+            </a:r>
+            <a:endParaRPr lang="en-US" sz="4000" dirty="0"/>
+          </a:p>
+        </p:txBody>
+      </p:sp>
+      <p:sp>
+        <p:nvSpPr>
+          <p:cNvPr id="3" name="Content Placeholder 2"/>
+          <p:cNvSpPr>
+            <a:spLocks noGrp="1"/>
+          </p:cNvSpPr>
+          <p:nvPr>
+            <p:ph idx="1"/>
           </p:nvPr>
         </p:nvSpPr>
         <p:spPr/>
         <p:txBody>
-          <a:bodyPr/>
+          <a:bodyPr>
+            <a:normAutofit/>
+          </a:bodyPr>
           <a:lstStyle/>
           <a:p>
-            <a:endParaRPr lang="en-US"/>
+            <a:r>
+              <a:rPr lang="en-US" sz="2200" dirty="0" smtClean="0"/>
+              <a:t>Bi-</a:t>
+            </a:r>
+            <a:r>
+              <a:rPr lang="en-US" sz="2200" dirty="0"/>
+              <a:t>w</a:t>
+            </a:r>
+            <a:r>
+              <a:rPr lang="en-US" sz="2200" dirty="0" smtClean="0"/>
+              <a:t>eekly discussions with client</a:t>
+            </a:r>
+          </a:p>
+          <a:p>
+            <a:pPr lvl="1"/>
+            <a:r>
+              <a:rPr lang="en-US" sz="2200" dirty="0" smtClean="0"/>
+              <a:t>Free reign on design</a:t>
+            </a:r>
+          </a:p>
+          <a:p>
+            <a:r>
+              <a:rPr lang="en-US" sz="2200" dirty="0" smtClean="0"/>
+              <a:t>Finished sections are put through QA in Trello</a:t>
+            </a:r>
+            <a:endParaRPr lang="en-US" sz="2200" dirty="0"/>
+          </a:p>
+          <a:p>
+            <a:r>
+              <a:rPr lang="en-US" sz="2200" dirty="0" smtClean="0"/>
+              <a:t>Testing </a:t>
+            </a:r>
+            <a:r>
+              <a:rPr lang="en-US" sz="2200" dirty="0" smtClean="0"/>
+              <a:t>with end-users for feedback</a:t>
+            </a:r>
+            <a:endParaRPr lang="en-US" sz="2200" dirty="0"/>
           </a:p>
         </p:txBody>
       </p:sp>
     </p:spTree>
     <p:extLst>
       <p:ext uri="{BB962C8B-B14F-4D97-AF65-F5344CB8AC3E}">
-        <p14:creationId xmlns:p14="http://schemas.microsoft.com/office/powerpoint/2010/main" val="51987764"/>
+        <p14:creationId xmlns:p14="http://schemas.microsoft.com/office/powerpoint/2010/main" val="3755474298"/>
       </p:ext>
     </p:extLst>
   </p:cSld>
   <p:clrMapOvr>
     <a:masterClrMapping/>
   </p:clrMapOvr>
+  <p:timing>
+    <p:tnLst>
+      <p:par>
+        <p:cTn id="1" dur="indefinite" restart="never" nodeType="tmRoot"/>
+      </p:par>
+    </p:tnLst>
+  </p:timing>
 </p:sld>
 </file>
 
@@ -9179,268 +9129,16 @@
         </p:nvSpPr>
         <p:spPr/>
         <p:txBody>
-          <a:bodyPr/>
+          <a:bodyPr>
+            <a:normAutofit/>
+          </a:bodyPr>
           <a:lstStyle/>
           <a:p>
             <a:r>
-              <a:rPr lang="en-US" dirty="0"/>
-              <a:t>Prototype</a:t>
-            </a:r>
-          </a:p>
-        </p:txBody>
-      </p:sp>
-      <p:sp>
-        <p:nvSpPr>
-          <p:cNvPr id="3" name="Content Placeholder 2"/>
-          <p:cNvSpPr>
-            <a:spLocks noGrp="1"/>
-          </p:cNvSpPr>
-          <p:nvPr>
-            <p:ph idx="1"/>
-          </p:nvPr>
-        </p:nvSpPr>
-        <p:spPr/>
-        <p:txBody>
-          <a:bodyPr/>
-          <a:lstStyle/>
-          <a:p>
-            <a:endParaRPr lang="en-US"/>
-          </a:p>
-        </p:txBody>
-      </p:sp>
-    </p:spTree>
-    <p:extLst>
-      <p:ext uri="{BB962C8B-B14F-4D97-AF65-F5344CB8AC3E}">
-        <p14:creationId xmlns:p14="http://schemas.microsoft.com/office/powerpoint/2010/main" val="2018556856"/>
-      </p:ext>
-    </p:extLst>
-  </p:cSld>
-  <p:clrMapOvr>
-    <a:masterClrMapping/>
-  </p:clrMapOvr>
-</p:sld>
-</file>
-
-<file path=ppt/slides/slide17.xml><?xml version="1.0" encoding="utf-8"?>
-<p:sld xmlns:a="http://schemas.openxmlformats.org/drawingml/2006/main" xmlns:r="http://schemas.openxmlformats.org/officeDocument/2006/relationships" xmlns:p="http://schemas.openxmlformats.org/presentationml/2006/main">
-  <p:cSld>
-    <p:spTree>
-      <p:nvGrpSpPr>
-        <p:cNvPr id="1" name=""/>
-        <p:cNvGrpSpPr/>
-        <p:nvPr/>
-      </p:nvGrpSpPr>
-      <p:grpSpPr>
-        <a:xfrm>
-          <a:off x="0" y="0"/>
-          <a:ext cx="0" cy="0"/>
-          <a:chOff x="0" y="0"/>
-          <a:chExt cx="0" cy="0"/>
-        </a:xfrm>
-      </p:grpSpPr>
-      <p:sp>
-        <p:nvSpPr>
-          <p:cNvPr id="2" name="Title 1"/>
-          <p:cNvSpPr>
-            <a:spLocks noGrp="1"/>
-          </p:cNvSpPr>
-          <p:nvPr>
-            <p:ph type="title"/>
-          </p:nvPr>
-        </p:nvSpPr>
-        <p:spPr/>
-        <p:txBody>
-          <a:bodyPr/>
-          <a:lstStyle/>
-          <a:p>
-            <a:r>
-              <a:rPr lang="en-US" dirty="0" smtClean="0"/>
-              <a:t>PROTOTYPE ABOVE</a:t>
-            </a:r>
-            <a:br>
-              <a:rPr lang="en-US" dirty="0" smtClean="0"/>
-            </a:br>
-            <a:r>
-              <a:rPr lang="en-US" dirty="0" smtClean="0"/>
-              <a:t>QA RISK ANALYSIS BELOW</a:t>
-            </a:r>
-            <a:endParaRPr lang="en-US" dirty="0"/>
-          </a:p>
-        </p:txBody>
-      </p:sp>
-      <p:sp>
-        <p:nvSpPr>
-          <p:cNvPr id="3" name="Content Placeholder 2"/>
-          <p:cNvSpPr>
-            <a:spLocks noGrp="1"/>
-          </p:cNvSpPr>
-          <p:nvPr>
-            <p:ph idx="1"/>
-          </p:nvPr>
-        </p:nvSpPr>
-        <p:spPr/>
-        <p:txBody>
-          <a:bodyPr/>
-          <a:lstStyle/>
-          <a:p>
-            <a:endParaRPr lang="en-US" dirty="0"/>
-          </a:p>
-        </p:txBody>
-      </p:sp>
-    </p:spTree>
-    <p:extLst>
-      <p:ext uri="{BB962C8B-B14F-4D97-AF65-F5344CB8AC3E}">
-        <p14:creationId xmlns:p14="http://schemas.microsoft.com/office/powerpoint/2010/main" val="4148209602"/>
-      </p:ext>
-    </p:extLst>
-  </p:cSld>
-  <p:clrMapOvr>
-    <a:masterClrMapping/>
-  </p:clrMapOvr>
-</p:sld>
-</file>
-
-<file path=ppt/slides/slide18.xml><?xml version="1.0" encoding="utf-8"?>
-<p:sld xmlns:a="http://schemas.openxmlformats.org/drawingml/2006/main" xmlns:r="http://schemas.openxmlformats.org/officeDocument/2006/relationships" xmlns:p="http://schemas.openxmlformats.org/presentationml/2006/main">
-  <p:cSld>
-    <p:spTree>
-      <p:nvGrpSpPr>
-        <p:cNvPr id="1" name=""/>
-        <p:cNvGrpSpPr/>
-        <p:nvPr/>
-      </p:nvGrpSpPr>
-      <p:grpSpPr>
-        <a:xfrm>
-          <a:off x="0" y="0"/>
-          <a:ext cx="0" cy="0"/>
-          <a:chOff x="0" y="0"/>
-          <a:chExt cx="0" cy="0"/>
-        </a:xfrm>
-      </p:grpSpPr>
-      <p:sp>
-        <p:nvSpPr>
-          <p:cNvPr id="2" name="Title 1"/>
-          <p:cNvSpPr>
-            <a:spLocks noGrp="1"/>
-          </p:cNvSpPr>
-          <p:nvPr>
-            <p:ph type="title"/>
-          </p:nvPr>
-        </p:nvSpPr>
-        <p:spPr/>
-        <p:txBody>
-          <a:bodyPr/>
-          <a:lstStyle/>
-          <a:p>
-            <a:r>
-              <a:rPr lang="en-US" dirty="0" smtClean="0"/>
-              <a:t>QUALITY ASSURANCE</a:t>
-            </a:r>
-            <a:endParaRPr lang="en-US" dirty="0"/>
-          </a:p>
-        </p:txBody>
-      </p:sp>
-      <p:sp>
-        <p:nvSpPr>
-          <p:cNvPr id="3" name="Content Placeholder 2"/>
-          <p:cNvSpPr>
-            <a:spLocks noGrp="1"/>
-          </p:cNvSpPr>
-          <p:nvPr>
-            <p:ph idx="1"/>
-          </p:nvPr>
-        </p:nvSpPr>
-        <p:spPr/>
-        <p:txBody>
-          <a:bodyPr/>
-          <a:lstStyle/>
-          <a:p>
-            <a:r>
-              <a:rPr lang="en-US" dirty="0" smtClean="0"/>
-              <a:t>Bi-</a:t>
-            </a:r>
-            <a:r>
-              <a:rPr lang="en-US" dirty="0"/>
-              <a:t>w</a:t>
-            </a:r>
-            <a:r>
-              <a:rPr lang="en-US" dirty="0" smtClean="0"/>
-              <a:t>eekly discussions with client</a:t>
-            </a:r>
-          </a:p>
-          <a:p>
-            <a:pPr lvl="1"/>
-            <a:r>
-              <a:rPr lang="en-US" dirty="0" smtClean="0"/>
-              <a:t>Free reign on design</a:t>
-            </a:r>
-          </a:p>
-          <a:p>
-            <a:r>
-              <a:rPr lang="en-US" dirty="0" smtClean="0"/>
-              <a:t>Finished sections are put through QA in Trello</a:t>
-            </a:r>
-            <a:endParaRPr lang="en-US" dirty="0"/>
-          </a:p>
-          <a:p>
-            <a:r>
-              <a:rPr lang="en-US" dirty="0" smtClean="0"/>
-              <a:t>Planning on testing with end-users for feedback</a:t>
-            </a:r>
-            <a:endParaRPr lang="en-US" dirty="0"/>
-          </a:p>
-        </p:txBody>
-      </p:sp>
-    </p:spTree>
-    <p:extLst>
-      <p:ext uri="{BB962C8B-B14F-4D97-AF65-F5344CB8AC3E}">
-        <p14:creationId xmlns:p14="http://schemas.microsoft.com/office/powerpoint/2010/main" val="3755474298"/>
-      </p:ext>
-    </p:extLst>
-  </p:cSld>
-  <p:clrMapOvr>
-    <a:masterClrMapping/>
-  </p:clrMapOvr>
-</p:sld>
-</file>
-
-<file path=ppt/slides/slide19.xml><?xml version="1.0" encoding="utf-8"?>
-<p:sld xmlns:a="http://schemas.openxmlformats.org/drawingml/2006/main" xmlns:r="http://schemas.openxmlformats.org/officeDocument/2006/relationships" xmlns:p="http://schemas.openxmlformats.org/presentationml/2006/main">
-  <p:cSld>
-    <p:spTree>
-      <p:nvGrpSpPr>
-        <p:cNvPr id="1" name=""/>
-        <p:cNvGrpSpPr/>
-        <p:nvPr/>
-      </p:nvGrpSpPr>
-      <p:grpSpPr>
-        <a:xfrm>
-          <a:off x="0" y="0"/>
-          <a:ext cx="0" cy="0"/>
-          <a:chOff x="0" y="0"/>
-          <a:chExt cx="0" cy="0"/>
-        </a:xfrm>
-      </p:grpSpPr>
-      <p:sp>
-        <p:nvSpPr>
-          <p:cNvPr id="2" name="Title 1"/>
-          <p:cNvSpPr>
-            <a:spLocks noGrp="1"/>
-          </p:cNvSpPr>
-          <p:nvPr>
-            <p:ph type="title"/>
-          </p:nvPr>
-        </p:nvSpPr>
-        <p:spPr/>
-        <p:txBody>
-          <a:bodyPr/>
-          <a:lstStyle/>
-          <a:p>
-            <a:r>
-              <a:rPr lang="en-US" dirty="0" smtClean="0"/>
+              <a:rPr lang="en-US" sz="4000" dirty="0" smtClean="0"/>
               <a:t>Risk Analysis</a:t>
             </a:r>
-            <a:endParaRPr lang="en-US" dirty="0"/>
+            <a:endParaRPr lang="en-US" sz="4000" dirty="0"/>
           </a:p>
         </p:txBody>
       </p:sp>
@@ -9454,14 +9152,14 @@
             <p:ph idx="1"/>
             <p:extLst>
               <p:ext uri="{D42A27DB-BD31-4B8C-83A1-F6EECF244321}">
-                <p14:modId xmlns:p14="http://schemas.microsoft.com/office/powerpoint/2010/main" val="286602734"/>
+                <p14:modId xmlns:p14="http://schemas.microsoft.com/office/powerpoint/2010/main" val="3195696863"/>
               </p:ext>
             </p:extLst>
           </p:nvPr>
         </p:nvGraphicFramePr>
         <p:xfrm>
           <a:off x="2589213" y="2133600"/>
-          <a:ext cx="7132320" cy="2966720"/>
+          <a:ext cx="7132320" cy="2595880"/>
         </p:xfrm>
         <a:graphic>
           <a:graphicData uri="http://schemas.openxmlformats.org/drawingml/2006/table">
@@ -9655,48 +9353,6 @@
                     <a:bodyPr/>
                     <a:lstStyle/>
                     <a:p>
-                      <a:endParaRPr lang="en-US" dirty="0"/>
-                    </a:p>
-                  </a:txBody>
-                  <a:tcPr/>
-                </a:tc>
-                <a:tc>
-                  <a:txBody>
-                    <a:bodyPr/>
-                    <a:lstStyle/>
-                    <a:p>
-                      <a:endParaRPr lang="en-US" dirty="0"/>
-                    </a:p>
-                  </a:txBody>
-                  <a:tcPr/>
-                </a:tc>
-                <a:tc>
-                  <a:txBody>
-                    <a:bodyPr/>
-                    <a:lstStyle/>
-                    <a:p>
-                      <a:endParaRPr lang="en-US" dirty="0"/>
-                    </a:p>
-                  </a:txBody>
-                  <a:tcPr/>
-                </a:tc>
-                <a:tc>
-                  <a:txBody>
-                    <a:bodyPr/>
-                    <a:lstStyle/>
-                    <a:p>
-                      <a:endParaRPr lang="en-US" dirty="0"/>
-                    </a:p>
-                  </a:txBody>
-                  <a:tcPr/>
-                </a:tc>
-              </a:tr>
-              <a:tr h="370840">
-                <a:tc>
-                  <a:txBody>
-                    <a:bodyPr/>
-                    <a:lstStyle/>
-                    <a:p>
                       <a:r>
                         <a:rPr lang="en-US" dirty="0" smtClean="0"/>
                         <a:t>Volunteers</a:t>
@@ -9823,11 +9479,7 @@
                       </a:r>
                       <a:r>
                         <a:rPr lang="en-US" baseline="0" dirty="0" smtClean="0"/>
-                        <a:t> </a:t>
-                      </a:r>
-                      <a:r>
-                        <a:rPr lang="en-US" baseline="0" dirty="0" smtClean="0"/>
-                        <a:t>Option</a:t>
+                        <a:t> Option</a:t>
                       </a:r>
                       <a:endParaRPr lang="en-US" dirty="0"/>
                     </a:p>
@@ -9949,6 +9601,209 @@
   <p:clrMapOvr>
     <a:masterClrMapping/>
   </p:clrMapOvr>
+  <p:timing>
+    <p:tnLst>
+      <p:par>
+        <p:cTn id="1" dur="indefinite" restart="never" nodeType="tmRoot"/>
+      </p:par>
+    </p:tnLst>
+  </p:timing>
+</p:sld>
+</file>
+
+<file path=ppt/slides/slide17.xml><?xml version="1.0" encoding="utf-8"?>
+<p:sld xmlns:a="http://schemas.openxmlformats.org/drawingml/2006/main" xmlns:r="http://schemas.openxmlformats.org/officeDocument/2006/relationships" xmlns:p="http://schemas.openxmlformats.org/presentationml/2006/main">
+  <p:cSld>
+    <p:spTree>
+      <p:nvGrpSpPr>
+        <p:cNvPr id="1" name=""/>
+        <p:cNvGrpSpPr/>
+        <p:nvPr/>
+      </p:nvGrpSpPr>
+      <p:grpSpPr>
+        <a:xfrm>
+          <a:off x="0" y="0"/>
+          <a:ext cx="0" cy="0"/>
+          <a:chOff x="0" y="0"/>
+          <a:chExt cx="0" cy="0"/>
+        </a:xfrm>
+      </p:grpSpPr>
+      <p:sp>
+        <p:nvSpPr>
+          <p:cNvPr id="2" name="Title 1"/>
+          <p:cNvSpPr>
+            <a:spLocks noGrp="1"/>
+          </p:cNvSpPr>
+          <p:nvPr>
+            <p:ph type="title"/>
+          </p:nvPr>
+        </p:nvSpPr>
+        <p:spPr/>
+        <p:txBody>
+          <a:bodyPr>
+            <a:normAutofit/>
+          </a:bodyPr>
+          <a:lstStyle/>
+          <a:p>
+            <a:r>
+              <a:rPr lang="en-US" sz="4000" dirty="0" smtClean="0"/>
+              <a:t>Conclusion</a:t>
+            </a:r>
+            <a:endParaRPr lang="en-US" sz="4000" dirty="0"/>
+          </a:p>
+        </p:txBody>
+      </p:sp>
+      <p:sp>
+        <p:nvSpPr>
+          <p:cNvPr id="3" name="Content Placeholder 2"/>
+          <p:cNvSpPr>
+            <a:spLocks noGrp="1"/>
+          </p:cNvSpPr>
+          <p:nvPr>
+            <p:ph idx="1"/>
+          </p:nvPr>
+        </p:nvSpPr>
+        <p:spPr/>
+        <p:txBody>
+          <a:bodyPr>
+            <a:normAutofit/>
+          </a:bodyPr>
+          <a:lstStyle/>
+          <a:p>
+            <a:r>
+              <a:rPr lang="en-US" sz="2200" dirty="0" smtClean="0"/>
+              <a:t>PIE is a site to promote healthy social activities for the elderly</a:t>
+            </a:r>
+          </a:p>
+          <a:p>
+            <a:r>
+              <a:rPr lang="en-US" sz="2200" dirty="0" smtClean="0"/>
+              <a:t>Completed tasks:</a:t>
+            </a:r>
+          </a:p>
+          <a:p>
+            <a:pPr lvl="1" fontAlgn="base"/>
+            <a:r>
+              <a:rPr lang="en-US" sz="2200" dirty="0"/>
+              <a:t>Storing user information in a database​</a:t>
+            </a:r>
+          </a:p>
+          <a:p>
+            <a:pPr lvl="1" fontAlgn="base"/>
+            <a:r>
+              <a:rPr lang="en-US" sz="2200" dirty="0"/>
+              <a:t>Creating an easy-to-navigate interface​</a:t>
+            </a:r>
+          </a:p>
+          <a:p>
+            <a:r>
+              <a:rPr lang="en-US" sz="2200" dirty="0" smtClean="0"/>
+              <a:t>Future tasks:</a:t>
+            </a:r>
+          </a:p>
+          <a:p>
+            <a:pPr lvl="1"/>
+            <a:r>
+              <a:rPr lang="en-US" sz="2200" dirty="0" smtClean="0"/>
+              <a:t>Creating a calendar to organize activities</a:t>
+            </a:r>
+          </a:p>
+          <a:p>
+            <a:pPr lvl="1"/>
+            <a:r>
+              <a:rPr lang="en-US" sz="2200" dirty="0" smtClean="0"/>
+              <a:t>Hosting the website</a:t>
+            </a:r>
+            <a:endParaRPr lang="en-US" sz="2200" dirty="0"/>
+          </a:p>
+          <a:p>
+            <a:pPr lvl="1"/>
+            <a:endParaRPr lang="en-US" sz="2200" dirty="0" smtClean="0"/>
+          </a:p>
+          <a:p>
+            <a:endParaRPr lang="en-US" sz="2200" dirty="0"/>
+          </a:p>
+        </p:txBody>
+      </p:sp>
+    </p:spTree>
+    <p:extLst>
+      <p:ext uri="{BB962C8B-B14F-4D97-AF65-F5344CB8AC3E}">
+        <p14:creationId xmlns:p14="http://schemas.microsoft.com/office/powerpoint/2010/main" val="4157375115"/>
+      </p:ext>
+    </p:extLst>
+  </p:cSld>
+  <p:clrMapOvr>
+    <a:masterClrMapping/>
+  </p:clrMapOvr>
+  <p:timing>
+    <p:tnLst>
+      <p:par>
+        <p:cTn id="1" dur="indefinite" restart="never" nodeType="tmRoot"/>
+      </p:par>
+    </p:tnLst>
+  </p:timing>
+</p:sld>
+</file>
+
+<file path=ppt/slides/slide18.xml><?xml version="1.0" encoding="utf-8"?>
+<p:sld xmlns:a="http://schemas.openxmlformats.org/drawingml/2006/main" xmlns:r="http://schemas.openxmlformats.org/officeDocument/2006/relationships" xmlns:p="http://schemas.openxmlformats.org/presentationml/2006/main">
+  <p:cSld>
+    <p:spTree>
+      <p:nvGrpSpPr>
+        <p:cNvPr id="1" name=""/>
+        <p:cNvGrpSpPr/>
+        <p:nvPr/>
+      </p:nvGrpSpPr>
+      <p:grpSpPr>
+        <a:xfrm>
+          <a:off x="0" y="0"/>
+          <a:ext cx="0" cy="0"/>
+          <a:chOff x="0" y="0"/>
+          <a:chExt cx="0" cy="0"/>
+        </a:xfrm>
+      </p:grpSpPr>
+      <p:sp>
+        <p:nvSpPr>
+          <p:cNvPr id="2" name="Title 1"/>
+          <p:cNvSpPr>
+            <a:spLocks noGrp="1"/>
+          </p:cNvSpPr>
+          <p:nvPr>
+            <p:ph type="title"/>
+          </p:nvPr>
+        </p:nvSpPr>
+        <p:spPr/>
+        <p:txBody>
+          <a:bodyPr>
+            <a:normAutofit/>
+          </a:bodyPr>
+          <a:lstStyle/>
+          <a:p>
+            <a:r>
+              <a:rPr lang="en-US" sz="4800" b="1" dirty="0" smtClean="0"/>
+              <a:t>QUESTIONS?</a:t>
+            </a:r>
+            <a:endParaRPr lang="en-US" sz="4800" b="1" dirty="0"/>
+          </a:p>
+        </p:txBody>
+      </p:sp>
+    </p:spTree>
+    <p:extLst>
+      <p:ext uri="{BB962C8B-B14F-4D97-AF65-F5344CB8AC3E}">
+        <p14:creationId xmlns:p14="http://schemas.microsoft.com/office/powerpoint/2010/main" val="1078082126"/>
+      </p:ext>
+    </p:extLst>
+  </p:cSld>
+  <p:clrMapOvr>
+    <a:masterClrMapping/>
+  </p:clrMapOvr>
+  <p:timing>
+    <p:tnLst>
+      <p:par>
+        <p:cTn id="1" dur="indefinite" restart="never" nodeType="tmRoot"/>
+      </p:par>
+    </p:tnLst>
+  </p:timing>
 </p:sld>
 </file>
 
@@ -9981,11 +9836,13 @@
         </p:nvSpPr>
         <p:spPr/>
         <p:txBody>
-          <a:bodyPr/>
+          <a:bodyPr>
+            <a:normAutofit/>
+          </a:bodyPr>
           <a:lstStyle/>
           <a:p>
             <a:r>
-              <a:rPr lang="en-US" dirty="0"/>
+              <a:rPr lang="en-US" sz="4000" dirty="0"/>
               <a:t>Introduction</a:t>
             </a:r>
           </a:p>
@@ -10009,34 +9866,39 @@
           <a:lstStyle/>
           <a:p>
             <a:r>
-              <a:rPr lang="en-US" dirty="0"/>
+              <a:rPr lang="en-US" sz="2200" dirty="0"/>
               <a:t>CAKE Group (Computer Applications Knowledge and Experience)</a:t>
             </a:r>
           </a:p>
           <a:p>
             <a:r>
-              <a:rPr lang="en-US" dirty="0" smtClean="0"/>
+              <a:rPr lang="en-US" sz="2200" dirty="0" smtClean="0"/>
               <a:t>Colin Harrison: Scrum Master/QA</a:t>
             </a:r>
           </a:p>
           <a:p>
             <a:r>
-              <a:rPr lang="en-US" sz="1800" dirty="0" smtClean="0"/>
+              <a:rPr lang="en-US" sz="2200" dirty="0" smtClean="0"/>
               <a:t>Christian McMurtrie: Documentation/Dev</a:t>
             </a:r>
           </a:p>
           <a:p>
             <a:r>
-              <a:rPr lang="en-US" dirty="0" smtClean="0"/>
-              <a:t>Tim Nakhisa: Dev/Research</a:t>
-            </a:r>
-          </a:p>
-          <a:p>
-            <a:r>
-              <a:rPr lang="en-US" sz="1800" dirty="0" smtClean="0"/>
+              <a:rPr lang="en-US" sz="2200" dirty="0" smtClean="0"/>
+              <a:t>Tim Nakhisa: </a:t>
+            </a:r>
+            <a:r>
+              <a:rPr lang="en-US" sz="2200" dirty="0" smtClean="0"/>
+              <a:t>Research/Dev</a:t>
+            </a:r>
+            <a:endParaRPr lang="en-US" sz="2200" dirty="0" smtClean="0"/>
+          </a:p>
+          <a:p>
+            <a:r>
+              <a:rPr lang="en-US" sz="2200" dirty="0" smtClean="0"/>
               <a:t>Zac Rivera: Version Control Systems Manager/Dev</a:t>
             </a:r>
-            <a:endParaRPr lang="en-US" sz="1800" dirty="0"/>
+            <a:endParaRPr lang="en-US" sz="2200" dirty="0"/>
           </a:p>
         </p:txBody>
       </p:sp>
@@ -10050,186 +9912,13 @@
   <p:clrMapOvr>
     <a:masterClrMapping/>
   </p:clrMapOvr>
-</p:sld>
-</file>
-
-<file path=ppt/slides/slide20.xml><?xml version="1.0" encoding="utf-8"?>
-<p:sld xmlns:a="http://schemas.openxmlformats.org/drawingml/2006/main" xmlns:r="http://schemas.openxmlformats.org/officeDocument/2006/relationships" xmlns:p="http://schemas.openxmlformats.org/presentationml/2006/main">
-  <p:cSld>
-    <p:spTree>
-      <p:nvGrpSpPr>
-        <p:cNvPr id="1" name=""/>
-        <p:cNvGrpSpPr/>
-        <p:nvPr/>
-      </p:nvGrpSpPr>
-      <p:grpSpPr>
-        <a:xfrm>
-          <a:off x="0" y="0"/>
-          <a:ext cx="0" cy="0"/>
-          <a:chOff x="0" y="0"/>
-          <a:chExt cx="0" cy="0"/>
-        </a:xfrm>
-      </p:grpSpPr>
-      <p:sp>
-        <p:nvSpPr>
-          <p:cNvPr id="2" name="Title 1"/>
-          <p:cNvSpPr>
-            <a:spLocks noGrp="1"/>
-          </p:cNvSpPr>
-          <p:nvPr>
-            <p:ph type="title"/>
-          </p:nvPr>
-        </p:nvSpPr>
-        <p:spPr/>
-        <p:txBody>
-          <a:bodyPr/>
-          <a:lstStyle/>
-          <a:p>
-            <a:r>
-              <a:rPr lang="en-US" dirty="0" smtClean="0"/>
-              <a:t>Conclusion</a:t>
-            </a:r>
-            <a:endParaRPr lang="en-US" dirty="0"/>
-          </a:p>
-        </p:txBody>
-      </p:sp>
-      <p:sp>
-        <p:nvSpPr>
-          <p:cNvPr id="3" name="Content Placeholder 2"/>
-          <p:cNvSpPr>
-            <a:spLocks noGrp="1"/>
-          </p:cNvSpPr>
-          <p:nvPr>
-            <p:ph idx="1"/>
-          </p:nvPr>
-        </p:nvSpPr>
-        <p:spPr/>
-        <p:txBody>
-          <a:bodyPr>
-            <a:normAutofit/>
-          </a:bodyPr>
-          <a:lstStyle/>
-          <a:p>
-            <a:r>
-              <a:rPr lang="en-US" dirty="0" smtClean="0"/>
-              <a:t>PIE is a site to promote healthy social activities for the elderly</a:t>
-            </a:r>
-          </a:p>
-          <a:p>
-            <a:r>
-              <a:rPr lang="en-US" dirty="0" smtClean="0"/>
-              <a:t>Completed tasks:</a:t>
-            </a:r>
-          </a:p>
-          <a:p>
-            <a:pPr lvl="1" fontAlgn="base"/>
-            <a:r>
-              <a:rPr lang="en-US" dirty="0"/>
-              <a:t>Storing user information in a database​</a:t>
-            </a:r>
-          </a:p>
-          <a:p>
-            <a:pPr lvl="1" fontAlgn="base"/>
-            <a:r>
-              <a:rPr lang="en-US" dirty="0"/>
-              <a:t>Creating an easy-to-navigate interface​</a:t>
-            </a:r>
-          </a:p>
-          <a:p>
-            <a:r>
-              <a:rPr lang="en-US" dirty="0" smtClean="0"/>
-              <a:t>Future tasks:</a:t>
-            </a:r>
-          </a:p>
-          <a:p>
-            <a:pPr lvl="1"/>
-            <a:r>
-              <a:rPr lang="en-US" dirty="0" smtClean="0"/>
-              <a:t>Creating a calendar to organize activities</a:t>
-            </a:r>
-          </a:p>
-          <a:p>
-            <a:pPr lvl="1"/>
-            <a:r>
-              <a:rPr lang="en-US" dirty="0" smtClean="0"/>
-              <a:t>Hosting the website</a:t>
-            </a:r>
-            <a:endParaRPr lang="en-US" dirty="0"/>
-          </a:p>
-          <a:p>
-            <a:pPr lvl="1"/>
-            <a:endParaRPr lang="en-US" dirty="0" smtClean="0"/>
-          </a:p>
-          <a:p>
-            <a:endParaRPr lang="en-US" dirty="0"/>
-          </a:p>
-        </p:txBody>
-      </p:sp>
-    </p:spTree>
-    <p:extLst>
-      <p:ext uri="{BB962C8B-B14F-4D97-AF65-F5344CB8AC3E}">
-        <p14:creationId xmlns:p14="http://schemas.microsoft.com/office/powerpoint/2010/main" val="4157375115"/>
-      </p:ext>
-    </p:extLst>
-  </p:cSld>
-  <p:clrMapOvr>
-    <a:masterClrMapping/>
-  </p:clrMapOvr>
-</p:sld>
-</file>
-
-<file path=ppt/slides/slide21.xml><?xml version="1.0" encoding="utf-8"?>
-<p:sld xmlns:a="http://schemas.openxmlformats.org/drawingml/2006/main" xmlns:r="http://schemas.openxmlformats.org/officeDocument/2006/relationships" xmlns:p="http://schemas.openxmlformats.org/presentationml/2006/main">
-  <p:cSld>
-    <p:spTree>
-      <p:nvGrpSpPr>
-        <p:cNvPr id="1" name=""/>
-        <p:cNvGrpSpPr/>
-        <p:nvPr/>
-      </p:nvGrpSpPr>
-      <p:grpSpPr>
-        <a:xfrm>
-          <a:off x="0" y="0"/>
-          <a:ext cx="0" cy="0"/>
-          <a:chOff x="0" y="0"/>
-          <a:chExt cx="0" cy="0"/>
-        </a:xfrm>
-      </p:grpSpPr>
-      <p:sp>
-        <p:nvSpPr>
-          <p:cNvPr id="2" name="Title 1"/>
-          <p:cNvSpPr>
-            <a:spLocks noGrp="1"/>
-          </p:cNvSpPr>
-          <p:nvPr>
-            <p:ph type="title"/>
-          </p:nvPr>
-        </p:nvSpPr>
-        <p:spPr/>
-        <p:txBody>
-          <a:bodyPr>
-            <a:normAutofit/>
-          </a:bodyPr>
-          <a:lstStyle/>
-          <a:p>
-            <a:r>
-              <a:rPr lang="en-US" sz="4800" b="1" dirty="0" smtClean="0"/>
-              <a:t>QUESTIONS?</a:t>
-            </a:r>
-            <a:endParaRPr lang="en-US" sz="4800" b="1" dirty="0"/>
-          </a:p>
-        </p:txBody>
-      </p:sp>
-    </p:spTree>
-    <p:extLst>
-      <p:ext uri="{BB962C8B-B14F-4D97-AF65-F5344CB8AC3E}">
-        <p14:creationId xmlns:p14="http://schemas.microsoft.com/office/powerpoint/2010/main" val="1078082126"/>
-      </p:ext>
-    </p:extLst>
-  </p:cSld>
-  <p:clrMapOvr>
-    <a:masterClrMapping/>
-  </p:clrMapOvr>
+  <p:timing>
+    <p:tnLst>
+      <p:par>
+        <p:cTn id="1" dur="indefinite" restart="never" nodeType="tmRoot"/>
+      </p:par>
+    </p:tnLst>
+  </p:timing>
 </p:sld>
 </file>
 
@@ -10262,17 +9951,19 @@
         </p:nvSpPr>
         <p:spPr/>
         <p:txBody>
-          <a:bodyPr/>
+          <a:bodyPr>
+            <a:noAutofit/>
+          </a:bodyPr>
           <a:lstStyle/>
           <a:p>
             <a:r>
-              <a:rPr lang="en-US" dirty="0"/>
+              <a:rPr lang="en-US" sz="4000" dirty="0"/>
               <a:t>Project Schedule</a:t>
             </a:r>
             <a:br>
-              <a:rPr lang="en-US" dirty="0"/>
+              <a:rPr lang="en-US" sz="4000" dirty="0"/>
             </a:br>
-            <a:endParaRPr lang="en-US" dirty="0"/>
+            <a:endParaRPr lang="en-US" sz="4000" dirty="0"/>
           </a:p>
         </p:txBody>
       </p:sp>
@@ -10288,70 +9979,72 @@
         </p:nvSpPr>
         <p:spPr/>
         <p:txBody>
-          <a:bodyPr/>
+          <a:bodyPr>
+            <a:normAutofit/>
+          </a:bodyPr>
           <a:lstStyle/>
           <a:p>
             <a:pPr lvl="1"/>
             <a:r>
-              <a:rPr lang="en-US" sz="1800" dirty="0" smtClean="0"/>
+              <a:rPr lang="en-US" sz="2200" dirty="0" smtClean="0"/>
               <a:t>Reach </a:t>
             </a:r>
             <a:r>
-              <a:rPr lang="en-US" sz="1800" dirty="0"/>
+              <a:rPr lang="en-US" sz="2200" dirty="0"/>
               <a:t>new milestones each 2-week </a:t>
             </a:r>
             <a:r>
-              <a:rPr lang="en-US" sz="1800" dirty="0" smtClean="0"/>
+              <a:rPr lang="en-US" sz="2200" dirty="0" smtClean="0"/>
               <a:t>sprint</a:t>
             </a:r>
           </a:p>
           <a:p>
             <a:pPr lvl="2"/>
             <a:r>
-              <a:rPr lang="en-US" dirty="0" smtClean="0"/>
+              <a:rPr lang="en-US" sz="2200" dirty="0" smtClean="0"/>
               <a:t>Review and plan after each sprint</a:t>
             </a:r>
-            <a:endParaRPr lang="en-US" dirty="0"/>
+            <a:endParaRPr lang="en-US" sz="2200" dirty="0"/>
           </a:p>
           <a:p>
             <a:pPr lvl="1"/>
             <a:r>
-              <a:rPr lang="en-US" sz="1800" dirty="0"/>
+              <a:rPr lang="en-US" sz="2200" dirty="0"/>
               <a:t>SCRUM </a:t>
             </a:r>
             <a:r>
-              <a:rPr lang="en-US" sz="1800" dirty="0" smtClean="0"/>
+              <a:rPr lang="en-US" sz="2200" dirty="0" smtClean="0"/>
               <a:t>meetings, </a:t>
             </a:r>
             <a:r>
-              <a:rPr lang="en-US" sz="1800" dirty="0"/>
+              <a:rPr lang="en-US" sz="2200" dirty="0"/>
               <a:t>Client </a:t>
             </a:r>
             <a:r>
-              <a:rPr lang="en-US" sz="1800" dirty="0" smtClean="0"/>
+              <a:rPr lang="en-US" sz="2200" dirty="0" smtClean="0"/>
               <a:t>and Faculty Meetings</a:t>
             </a:r>
           </a:p>
           <a:p>
             <a:pPr lvl="1"/>
             <a:r>
-              <a:rPr lang="en-US" sz="1800" dirty="0" smtClean="0"/>
+              <a:rPr lang="en-US" sz="2200" dirty="0" smtClean="0"/>
               <a:t>Projections:</a:t>
             </a:r>
           </a:p>
           <a:p>
             <a:pPr lvl="2"/>
             <a:r>
-              <a:rPr lang="en-US" dirty="0" smtClean="0"/>
+              <a:rPr lang="en-US" sz="2200" dirty="0" smtClean="0"/>
               <a:t>Hosting and testing by January 15</a:t>
             </a:r>
           </a:p>
           <a:p>
             <a:pPr lvl="1"/>
-            <a:endParaRPr lang="en-US" sz="1800" dirty="0"/>
-          </a:p>
-          <a:p>
-            <a:endParaRPr lang="en-US" dirty="0"/>
+            <a:endParaRPr lang="en-US" sz="2200" dirty="0"/>
+          </a:p>
+          <a:p>
+            <a:endParaRPr lang="en-US" sz="2200" dirty="0"/>
           </a:p>
         </p:txBody>
       </p:sp>
@@ -10365,6 +10058,13 @@
   <p:clrMapOvr>
     <a:masterClrMapping/>
   </p:clrMapOvr>
+  <p:timing>
+    <p:tnLst>
+      <p:par>
+        <p:cTn id="1" dur="indefinite" restart="never" nodeType="tmRoot"/>
+      </p:par>
+    </p:tnLst>
+  </p:timing>
 </p:sld>
 </file>
 
@@ -10397,11 +10097,13 @@
         </p:nvSpPr>
         <p:spPr/>
         <p:txBody>
-          <a:bodyPr/>
+          <a:bodyPr>
+            <a:normAutofit/>
+          </a:bodyPr>
           <a:lstStyle/>
           <a:p>
             <a:r>
-              <a:rPr lang="en-US" dirty="0"/>
+              <a:rPr lang="en-US" sz="4000" dirty="0"/>
               <a:t>Group Website</a:t>
             </a:r>
           </a:p>
@@ -10556,6 +10258,13 @@
   <p:clrMapOvr>
     <a:masterClrMapping/>
   </p:clrMapOvr>
+  <p:timing>
+    <p:tnLst>
+      <p:par>
+        <p:cTn id="1" dur="indefinite" restart="never" nodeType="tmRoot"/>
+      </p:par>
+    </p:tnLst>
+  </p:timing>
 </p:sld>
 </file>
 
@@ -10588,14 +10297,16 @@
         </p:nvSpPr>
         <p:spPr/>
         <p:txBody>
-          <a:bodyPr/>
+          <a:bodyPr>
+            <a:normAutofit/>
+          </a:bodyPr>
           <a:lstStyle/>
           <a:p>
             <a:r>
-              <a:rPr lang="en-US" dirty="0" smtClean="0"/>
+              <a:rPr lang="en-US" sz="4000" dirty="0" smtClean="0"/>
               <a:t>Kanban/Scrum</a:t>
             </a:r>
-            <a:endParaRPr lang="en-US" dirty="0"/>
+            <a:endParaRPr lang="en-US" sz="4000" dirty="0"/>
           </a:p>
         </p:txBody>
       </p:sp>
@@ -10638,6 +10349,13 @@
   <p:clrMapOvr>
     <a:masterClrMapping/>
   </p:clrMapOvr>
+  <p:timing>
+    <p:tnLst>
+      <p:par>
+        <p:cTn id="1" dur="indefinite" restart="never" nodeType="tmRoot"/>
+      </p:par>
+    </p:tnLst>
+  </p:timing>
 </p:sld>
 </file>
 
@@ -10670,14 +10388,16 @@
         </p:nvSpPr>
         <p:spPr/>
         <p:txBody>
-          <a:bodyPr/>
+          <a:bodyPr>
+            <a:normAutofit/>
+          </a:bodyPr>
           <a:lstStyle/>
           <a:p>
             <a:r>
-              <a:rPr lang="en-US" dirty="0" smtClean="0"/>
+              <a:rPr lang="en-US" sz="4000" dirty="0" smtClean="0"/>
               <a:t>Project</a:t>
             </a:r>
-            <a:endParaRPr lang="en-US" dirty="0"/>
+            <a:endParaRPr lang="en-US" sz="4000" dirty="0"/>
           </a:p>
         </p:txBody>
       </p:sp>
@@ -10693,82 +10413,80 @@
         </p:nvSpPr>
         <p:spPr/>
         <p:txBody>
-          <a:bodyPr/>
+          <a:bodyPr>
+            <a:normAutofit/>
+          </a:bodyPr>
           <a:lstStyle/>
           <a:p>
             <a:r>
-              <a:rPr lang="en-US" dirty="0"/>
+              <a:rPr lang="en-US" sz="2200" dirty="0"/>
               <a:t>PIE Project (Personal Interactive Expeditions)</a:t>
             </a:r>
           </a:p>
           <a:p>
             <a:r>
-              <a:rPr lang="en-US" dirty="0">
+              <a:rPr lang="en-US" sz="2200" dirty="0">
                 <a:latin typeface="Century Gothic" charset="0"/>
               </a:rPr>
               <a:t>Client: Dr. Yvonne </a:t>
             </a:r>
             <a:r>
-              <a:rPr lang="en-US" dirty="0" err="1">
+              <a:rPr lang="en-US" sz="2200" dirty="0" err="1">
                 <a:latin typeface="Century Gothic" charset="0"/>
               </a:rPr>
               <a:t>Chueh</a:t>
             </a:r>
-            <a:endParaRPr lang="en-US" dirty="0">
+            <a:endParaRPr lang="en-US" sz="2200" dirty="0">
               <a:latin typeface="Century Gothic" charset="0"/>
             </a:endParaRPr>
           </a:p>
           <a:p>
             <a:r>
-              <a:rPr lang="en-US" dirty="0">
+              <a:rPr lang="en-US" sz="2200" dirty="0">
                 <a:latin typeface="Century Gothic" charset="0"/>
               </a:rPr>
               <a:t>Faculty Mentor: Dr.  Ed </a:t>
             </a:r>
             <a:r>
-              <a:rPr lang="en-US" dirty="0" err="1">
+              <a:rPr lang="en-US" sz="2200" dirty="0" err="1">
                 <a:latin typeface="Century Gothic" charset="0"/>
               </a:rPr>
               <a:t>Lulofs</a:t>
             </a:r>
-            <a:endParaRPr lang="en-US" dirty="0">
+            <a:endParaRPr lang="en-US" sz="2200" dirty="0">
               <a:latin typeface="Century Gothic" charset="0"/>
             </a:endParaRPr>
           </a:p>
           <a:p>
             <a:r>
-              <a:rPr lang="en-US" dirty="0"/>
-              <a:t>Goal: To develop a website that will aid the elderly </a:t>
-            </a:r>
-            <a:r>
-              <a:rPr lang="en-US"/>
-              <a:t>community </a:t>
-            </a:r>
-            <a:r>
-              <a:rPr lang="en-US" smtClean="0"/>
+              <a:rPr lang="en-US" sz="2200" dirty="0"/>
+              <a:t>Goal: To develop a website that will aid the elderly community </a:t>
+            </a:r>
+            <a:r>
+              <a:rPr lang="en-US" sz="2200" dirty="0" smtClean="0"/>
               <a:t>which </a:t>
             </a:r>
             <a:r>
-              <a:rPr lang="en-US" dirty="0"/>
+              <a:rPr lang="en-US" sz="2200" dirty="0"/>
               <a:t>is facing social isolation.</a:t>
             </a:r>
           </a:p>
           <a:p>
             <a:pPr lvl="1"/>
             <a:r>
-              <a:rPr lang="en-US" sz="1800" dirty="0"/>
+              <a:rPr lang="en-US" sz="2200" dirty="0"/>
               <a:t>This site will promote social activities and outings</a:t>
             </a:r>
           </a:p>
           <a:p>
             <a:pPr lvl="1"/>
             <a:r>
-              <a:rPr lang="en-US" sz="1800" dirty="0"/>
+              <a:rPr lang="en-US" sz="2200" dirty="0"/>
               <a:t>The simple design should aid with navigation, scheduling, and more</a:t>
             </a:r>
           </a:p>
           <a:p>
-            <a:endParaRPr lang="en-US" dirty="0"/>
+            <a:endParaRPr lang="en-US" sz="2200" dirty="0"/>
           </a:p>
         </p:txBody>
       </p:sp>
@@ -10782,6 +10500,13 @@
   <p:clrMapOvr>
     <a:masterClrMapping/>
   </p:clrMapOvr>
+  <p:timing>
+    <p:tnLst>
+      <p:par>
+        <p:cTn id="1" dur="indefinite" restart="never" nodeType="tmRoot"/>
+      </p:par>
+    </p:tnLst>
+  </p:timing>
 </p:sld>
 </file>
 
@@ -10814,14 +10539,16 @@
         </p:nvSpPr>
         <p:spPr/>
         <p:txBody>
-          <a:bodyPr/>
+          <a:bodyPr>
+            <a:normAutofit/>
+          </a:bodyPr>
           <a:lstStyle/>
           <a:p>
             <a:r>
-              <a:rPr lang="en-US" dirty="0" smtClean="0"/>
+              <a:rPr lang="en-US" sz="4000" dirty="0" smtClean="0"/>
               <a:t>Challenge</a:t>
             </a:r>
-            <a:endParaRPr lang="en-US" dirty="0"/>
+            <a:endParaRPr lang="en-US" sz="4000" dirty="0"/>
           </a:p>
         </p:txBody>
       </p:sp>
@@ -10837,36 +10564,28 @@
         </p:nvSpPr>
         <p:spPr/>
         <p:txBody>
-          <a:bodyPr/>
+          <a:bodyPr>
+            <a:normAutofit/>
+          </a:bodyPr>
           <a:lstStyle/>
           <a:p>
             <a:r>
-              <a:rPr lang="en-US" dirty="0" smtClean="0"/>
-              <a:t>Seniors are facing social </a:t>
-            </a:r>
-            <a:r>
-              <a:rPr lang="en-US" dirty="0" smtClean="0"/>
-              <a:t>isolation</a:t>
-            </a:r>
-            <a:endParaRPr lang="en-US" dirty="0" smtClean="0"/>
-          </a:p>
-          <a:p>
-            <a:r>
-              <a:rPr lang="en-US" dirty="0" smtClean="0"/>
-              <a:t>No site designed for seniors to engage in social </a:t>
-            </a:r>
-            <a:r>
-              <a:rPr lang="en-US" dirty="0" smtClean="0"/>
-              <a:t>outings</a:t>
-            </a:r>
-            <a:endParaRPr lang="en-US" dirty="0" smtClean="0"/>
-          </a:p>
-          <a:p>
-            <a:r>
-              <a:rPr lang="en-US" dirty="0" smtClean="0"/>
+              <a:rPr lang="en-US" sz="2200" dirty="0" smtClean="0"/>
+              <a:t>Seniors are facing social isolation</a:t>
+            </a:r>
+          </a:p>
+          <a:p>
+            <a:r>
+              <a:rPr lang="en-US" sz="2200" dirty="0" smtClean="0"/>
+              <a:t>No site designed for seniors to engage in social outings</a:t>
+            </a:r>
+          </a:p>
+          <a:p>
+            <a:r>
+              <a:rPr lang="en-US" sz="2200" dirty="0" smtClean="0"/>
               <a:t>Current sites not tailored to meet challenges of aging community </a:t>
             </a:r>
-            <a:endParaRPr lang="en-US" dirty="0"/>
+            <a:endParaRPr lang="en-US" sz="2200" dirty="0"/>
           </a:p>
         </p:txBody>
       </p:sp>
@@ -10880,6 +10599,13 @@
   <p:clrMapOvr>
     <a:masterClrMapping/>
   </p:clrMapOvr>
+  <p:timing>
+    <p:tnLst>
+      <p:par>
+        <p:cTn id="1" dur="indefinite" restart="never" nodeType="tmRoot"/>
+      </p:par>
+    </p:tnLst>
+  </p:timing>
 </p:sld>
 </file>
 
@@ -10912,14 +10638,16 @@
         </p:nvSpPr>
         <p:spPr/>
         <p:txBody>
-          <a:bodyPr/>
+          <a:bodyPr>
+            <a:normAutofit/>
+          </a:bodyPr>
           <a:lstStyle/>
           <a:p>
             <a:r>
-              <a:rPr lang="en-US" dirty="0" smtClean="0"/>
+              <a:rPr lang="en-US" sz="4000" dirty="0" smtClean="0"/>
               <a:t>Solution</a:t>
             </a:r>
-            <a:endParaRPr lang="en-US" dirty="0"/>
+            <a:endParaRPr lang="en-US" sz="4000" dirty="0"/>
           </a:p>
         </p:txBody>
       </p:sp>
@@ -10935,34 +10663,31 @@
         </p:nvSpPr>
         <p:spPr/>
         <p:txBody>
-          <a:bodyPr/>
+          <a:bodyPr>
+            <a:normAutofit/>
+          </a:bodyPr>
           <a:lstStyle/>
           <a:p>
             <a:r>
-              <a:rPr lang="en-US" dirty="0" smtClean="0"/>
-              <a:t>Developing a website that encompasses senior social activities locally</a:t>
-            </a:r>
-            <a:r>
-              <a:rPr lang="en-US" dirty="0" smtClean="0"/>
-              <a:t>.</a:t>
-            </a:r>
-            <a:endParaRPr lang="en-US" dirty="0" smtClean="0"/>
-          </a:p>
-          <a:p>
-            <a:r>
-              <a:rPr lang="en-US" dirty="0" smtClean="0"/>
+              <a:rPr lang="en-US" sz="2200" dirty="0" smtClean="0"/>
+              <a:t>Developing a website that encompasses senior social activities locally.</a:t>
+            </a:r>
+          </a:p>
+          <a:p>
+            <a:r>
+              <a:rPr lang="en-US" sz="2200" dirty="0" smtClean="0"/>
               <a:t>Minimize site learning curve </a:t>
             </a:r>
-            <a:endParaRPr lang="en-US" dirty="0"/>
-          </a:p>
-          <a:p>
-            <a:r>
-              <a:rPr lang="en-US" dirty="0" smtClean="0"/>
+            <a:endParaRPr lang="en-US" sz="2200" dirty="0"/>
+          </a:p>
+          <a:p>
+            <a:r>
+              <a:rPr lang="en-US" sz="2200" dirty="0" smtClean="0"/>
               <a:t>Connect with local businesses to promote events</a:t>
             </a:r>
           </a:p>
           <a:p>
-            <a:endParaRPr lang="en-US" dirty="0"/>
+            <a:endParaRPr lang="en-US" sz="2200" dirty="0"/>
           </a:p>
         </p:txBody>
       </p:sp>
@@ -10976,6 +10701,13 @@
   <p:clrMapOvr>
     <a:masterClrMapping/>
   </p:clrMapOvr>
+  <p:timing>
+    <p:tnLst>
+      <p:par>
+        <p:cTn id="1" dur="indefinite" restart="never" nodeType="tmRoot"/>
+      </p:par>
+    </p:tnLst>
+  </p:timing>
 </p:sld>
 </file>
 
@@ -11008,14 +10740,16 @@
         </p:nvSpPr>
         <p:spPr/>
         <p:txBody>
-          <a:bodyPr/>
+          <a:bodyPr>
+            <a:normAutofit/>
+          </a:bodyPr>
           <a:lstStyle/>
           <a:p>
             <a:r>
-              <a:rPr lang="en-US" dirty="0" smtClean="0"/>
+              <a:rPr lang="en-US" sz="4000" dirty="0" smtClean="0"/>
               <a:t>Overview</a:t>
             </a:r>
-            <a:endParaRPr lang="en-US" dirty="0"/>
+            <a:endParaRPr lang="en-US" sz="4000" dirty="0"/>
           </a:p>
         </p:txBody>
       </p:sp>
@@ -11031,41 +10765,43 @@
         </p:nvSpPr>
         <p:spPr/>
         <p:txBody>
-          <a:bodyPr/>
+          <a:bodyPr>
+            <a:normAutofit/>
+          </a:bodyPr>
           <a:lstStyle/>
           <a:p>
             <a:r>
-              <a:rPr lang="en-US" dirty="0" smtClean="0"/>
+              <a:rPr lang="en-US" sz="2200" dirty="0" smtClean="0"/>
               <a:t>Project Requirements</a:t>
             </a:r>
           </a:p>
           <a:p>
             <a:r>
-              <a:rPr lang="en-US" dirty="0" smtClean="0"/>
+              <a:rPr lang="en-US" sz="2200" dirty="0" smtClean="0"/>
               <a:t>Prototype Demo</a:t>
             </a:r>
           </a:p>
           <a:p>
             <a:r>
-              <a:rPr lang="en-US" dirty="0" smtClean="0"/>
+              <a:rPr lang="en-US" sz="2200" dirty="0" smtClean="0"/>
               <a:t>Quality Assurance Plan</a:t>
             </a:r>
           </a:p>
           <a:p>
             <a:r>
-              <a:rPr lang="en-US" dirty="0" smtClean="0"/>
+              <a:rPr lang="en-US" sz="2200" dirty="0" smtClean="0"/>
               <a:t>Risk Analysis</a:t>
             </a:r>
           </a:p>
           <a:p>
             <a:r>
-              <a:rPr lang="en-US" dirty="0" smtClean="0"/>
+              <a:rPr lang="en-US" sz="2200" dirty="0" smtClean="0"/>
               <a:t>Conclusion</a:t>
             </a:r>
           </a:p>
           <a:p>
             <a:r>
-              <a:rPr lang="en-US" dirty="0" smtClean="0"/>
+              <a:rPr lang="en-US" sz="2200" dirty="0" smtClean="0"/>
               <a:t>Q &amp; A</a:t>
             </a:r>
           </a:p>
@@ -11081,6 +10817,13 @@
   <p:clrMapOvr>
     <a:masterClrMapping/>
   </p:clrMapOvr>
+  <p:timing>
+    <p:tnLst>
+      <p:par>
+        <p:cTn id="1" dur="indefinite" restart="never" nodeType="tmRoot"/>
+      </p:par>
+    </p:tnLst>
+  </p:timing>
 </p:sld>
 </file>
 
